--- a/Distributed Monitoring Results Nov 2018.pptx
+++ b/Distributed Monitoring Results Nov 2018.pptx
@@ -5,7 +5,7 @@
     <p:sldMasterId id="2147483648" r:id="rId1"/>
   </p:sldMasterIdLst>
   <p:notesMasterIdLst>
-    <p:notesMasterId r:id="rId18"/>
+    <p:notesMasterId r:id="rId22"/>
   </p:notesMasterIdLst>
   <p:sldIdLst>
     <p:sldId id="256" r:id="rId2"/>
@@ -22,8 +22,12 @@
     <p:sldId id="284" r:id="rId13"/>
     <p:sldId id="286" r:id="rId14"/>
     <p:sldId id="288" r:id="rId15"/>
-    <p:sldId id="266" r:id="rId16"/>
-    <p:sldId id="267" r:id="rId17"/>
+    <p:sldId id="289" r:id="rId16"/>
+    <p:sldId id="291" r:id="rId17"/>
+    <p:sldId id="294" r:id="rId18"/>
+    <p:sldId id="296" r:id="rId19"/>
+    <p:sldId id="266" r:id="rId20"/>
+    <p:sldId id="267" r:id="rId21"/>
   </p:sldIdLst>
   <p:sldSz cx="12192000" cy="6858000"/>
   <p:notesSz cx="6858000" cy="9144000"/>
@@ -1941,6 +1945,61 @@
             <a:effectLst/>
           </c:spPr>
           <c:invertIfNegative val="0"/>
+          <c:dLbls>
+            <c:numFmt formatCode="0.000" sourceLinked="0"/>
+            <c:spPr>
+              <a:noFill/>
+              <a:ln>
+                <a:noFill/>
+              </a:ln>
+              <a:effectLst/>
+            </c:spPr>
+            <c:txPr>
+              <a:bodyPr rot="0" spcFirstLastPara="1" vertOverflow="ellipsis" vert="horz" wrap="square" lIns="38100" tIns="19050" rIns="38100" bIns="19050" anchor="ctr" anchorCtr="1">
+                <a:spAutoFit/>
+              </a:bodyPr>
+              <a:lstStyle/>
+              <a:p>
+                <a:pPr>
+                  <a:defRPr sz="1200" b="0" i="0" u="none" strike="noStrike" kern="1200" baseline="0">
+                    <a:solidFill>
+                      <a:schemeClr val="tx1"/>
+                    </a:solidFill>
+                    <a:latin typeface="Maiandra GD" panose="020E0502030308020204" pitchFamily="34" charset="0"/>
+                    <a:ea typeface="+mn-ea"/>
+                    <a:cs typeface="+mn-cs"/>
+                  </a:defRPr>
+                </a:pPr>
+                <a:endParaRPr lang="en-IL"/>
+              </a:p>
+            </c:txPr>
+            <c:showLegendKey val="0"/>
+            <c:showVal val="1"/>
+            <c:showCatName val="0"/>
+            <c:showSerName val="0"/>
+            <c:showPercent val="0"/>
+            <c:showBubbleSize val="0"/>
+            <c:showLeaderLines val="0"/>
+            <c:extLst>
+              <c:ext xmlns:c15="http://schemas.microsoft.com/office/drawing/2012/chart" uri="{CE6537A1-D6FC-4f65-9D91-7224C49458BB}">
+                <c15:showLeaderLines val="1"/>
+                <c15:leaderLines>
+                  <c:spPr>
+                    <a:ln w="9525" cap="flat" cmpd="sng" algn="ctr">
+                      <a:solidFill>
+                        <a:schemeClr val="tx1">
+                          <a:lumMod val="35000"/>
+                          <a:lumOff val="65000"/>
+                        </a:schemeClr>
+                      </a:solidFill>
+                      <a:round/>
+                    </a:ln>
+                    <a:effectLst/>
+                  </c:spPr>
+                </c15:leaderLines>
+              </c:ext>
+            </c:extLst>
+          </c:dLbls>
           <c:cat>
             <c:strRef>
               <c:f>'Full Syncs'!$A$10:$A$15</c:f>
@@ -3967,6 +4026,62 @@
             <a:effectLst/>
           </c:spPr>
           <c:invertIfNegative val="0"/>
+          <c:dLbls>
+            <c:numFmt formatCode="0.000" sourceLinked="0"/>
+            <c:spPr>
+              <a:noFill/>
+              <a:ln>
+                <a:noFill/>
+              </a:ln>
+              <a:effectLst/>
+            </c:spPr>
+            <c:txPr>
+              <a:bodyPr rot="0" spcFirstLastPara="1" vertOverflow="ellipsis" vert="horz" wrap="square" lIns="38100" tIns="19050" rIns="38100" bIns="19050" anchor="ctr" anchorCtr="1">
+                <a:spAutoFit/>
+              </a:bodyPr>
+              <a:lstStyle/>
+              <a:p>
+                <a:pPr>
+                  <a:defRPr sz="1200" b="0" i="0" u="none" strike="noStrike" kern="1200" baseline="0">
+                    <a:solidFill>
+                      <a:schemeClr val="tx1"/>
+                    </a:solidFill>
+                    <a:latin typeface="Maiandra GD" panose="020E0502030308020204" pitchFamily="34" charset="0"/>
+                    <a:ea typeface="+mn-ea"/>
+                    <a:cs typeface="+mn-cs"/>
+                  </a:defRPr>
+                </a:pPr>
+                <a:endParaRPr lang="en-IL"/>
+              </a:p>
+            </c:txPr>
+            <c:dLblPos val="outEnd"/>
+            <c:showLegendKey val="0"/>
+            <c:showVal val="1"/>
+            <c:showCatName val="0"/>
+            <c:showSerName val="0"/>
+            <c:showPercent val="0"/>
+            <c:showBubbleSize val="0"/>
+            <c:showLeaderLines val="0"/>
+            <c:extLst>
+              <c:ext xmlns:c15="http://schemas.microsoft.com/office/drawing/2012/chart" uri="{CE6537A1-D6FC-4f65-9D91-7224C49458BB}">
+                <c15:showLeaderLines val="1"/>
+                <c15:leaderLines>
+                  <c:spPr>
+                    <a:ln w="9525" cap="flat" cmpd="sng" algn="ctr">
+                      <a:solidFill>
+                        <a:schemeClr val="tx1">
+                          <a:lumMod val="35000"/>
+                          <a:lumOff val="65000"/>
+                        </a:schemeClr>
+                      </a:solidFill>
+                      <a:round/>
+                    </a:ln>
+                    <a:effectLst/>
+                  </c:spPr>
+                </c15:leaderLines>
+              </c:ext>
+            </c:extLst>
+          </c:dLbls>
           <c:cat>
             <c:strRef>
               <c:f>'Full Syncs'!$A$10:$A$15</c:f>
@@ -4146,6 +4261,3688 @@
       <a:solidFill>
         <a:schemeClr val="tx1"/>
       </a:solidFill>
+    </a:ln>
+    <a:effectLst/>
+  </c:spPr>
+  <c:txPr>
+    <a:bodyPr/>
+    <a:lstStyle/>
+    <a:p>
+      <a:pPr>
+        <a:defRPr sz="1200">
+          <a:solidFill>
+            <a:schemeClr val="tx1"/>
+          </a:solidFill>
+          <a:latin typeface="Maiandra GD" panose="020E0502030308020204" pitchFamily="34" charset="0"/>
+        </a:defRPr>
+      </a:pPr>
+      <a:endParaRPr lang="en-IL"/>
+    </a:p>
+  </c:txPr>
+  <c:externalData r:id="rId3">
+    <c:autoUpdate val="0"/>
+  </c:externalData>
+</c:chartSpace>
+</file>
+
+<file path=ppt/charts/chart7.xml><?xml version="1.0" encoding="utf-8"?>
+<c:chartSpace xmlns:c="http://schemas.openxmlformats.org/drawingml/2006/chart" xmlns:a="http://schemas.openxmlformats.org/drawingml/2006/main" xmlns:r="http://schemas.openxmlformats.org/officeDocument/2006/relationships" xmlns:c16r2="http://schemas.microsoft.com/office/drawing/2015/06/chart">
+  <c:date1904 val="0"/>
+  <c:lang val="en-US"/>
+  <c:roundedCorners val="0"/>
+  <mc:AlternateContent xmlns:mc="http://schemas.openxmlformats.org/markup-compatibility/2006">
+    <mc:Choice xmlns:c14="http://schemas.microsoft.com/office/drawing/2007/8/2/chart" Requires="c14">
+      <c14:style val="102"/>
+    </mc:Choice>
+    <mc:Fallback>
+      <c:style val="2"/>
+    </mc:Fallback>
+  </mc:AlternateContent>
+  <c:chart>
+    <c:autoTitleDeleted val="1"/>
+    <c:plotArea>
+      <c:layout/>
+      <c:lineChart>
+        <c:grouping val="standard"/>
+        <c:varyColors val="0"/>
+        <c:ser>
+          <c:idx val="0"/>
+          <c:order val="0"/>
+          <c:tx>
+            <c:strRef>
+              <c:f>Sheet3!$A$1</c:f>
+              <c:strCache>
+                <c:ptCount val="1"/>
+                <c:pt idx="0">
+                  <c:v>Row Labels</c:v>
+                </c:pt>
+              </c:strCache>
+            </c:strRef>
+          </c:tx>
+          <c:spPr>
+            <a:ln w="28575" cap="rnd">
+              <a:solidFill>
+                <a:schemeClr val="accent1"/>
+              </a:solidFill>
+              <a:round/>
+            </a:ln>
+            <a:effectLst/>
+          </c:spPr>
+          <c:marker>
+            <c:symbol val="none"/>
+          </c:marker>
+          <c:val>
+            <c:numRef>
+              <c:f>Sheet3!$A$2:$A$61</c:f>
+              <c:numCache>
+                <c:formatCode>General</c:formatCode>
+                <c:ptCount val="60"/>
+                <c:pt idx="0">
+                  <c:v>1</c:v>
+                </c:pt>
+                <c:pt idx="1">
+                  <c:v>2</c:v>
+                </c:pt>
+                <c:pt idx="2">
+                  <c:v>3</c:v>
+                </c:pt>
+                <c:pt idx="3">
+                  <c:v>4</c:v>
+                </c:pt>
+                <c:pt idx="4">
+                  <c:v>5</c:v>
+                </c:pt>
+                <c:pt idx="5">
+                  <c:v>6</c:v>
+                </c:pt>
+                <c:pt idx="6">
+                  <c:v>7</c:v>
+                </c:pt>
+                <c:pt idx="7">
+                  <c:v>8</c:v>
+                </c:pt>
+                <c:pt idx="8">
+                  <c:v>9</c:v>
+                </c:pt>
+                <c:pt idx="9">
+                  <c:v>10</c:v>
+                </c:pt>
+                <c:pt idx="10">
+                  <c:v>11</c:v>
+                </c:pt>
+                <c:pt idx="11">
+                  <c:v>12</c:v>
+                </c:pt>
+                <c:pt idx="12">
+                  <c:v>13</c:v>
+                </c:pt>
+                <c:pt idx="13">
+                  <c:v>14</c:v>
+                </c:pt>
+                <c:pt idx="14">
+                  <c:v>15</c:v>
+                </c:pt>
+                <c:pt idx="15">
+                  <c:v>16</c:v>
+                </c:pt>
+                <c:pt idx="16">
+                  <c:v>17</c:v>
+                </c:pt>
+                <c:pt idx="17">
+                  <c:v>18</c:v>
+                </c:pt>
+                <c:pt idx="18">
+                  <c:v>19</c:v>
+                </c:pt>
+                <c:pt idx="19">
+                  <c:v>20</c:v>
+                </c:pt>
+                <c:pt idx="20">
+                  <c:v>21</c:v>
+                </c:pt>
+                <c:pt idx="21">
+                  <c:v>22</c:v>
+                </c:pt>
+                <c:pt idx="22">
+                  <c:v>23</c:v>
+                </c:pt>
+                <c:pt idx="23">
+                  <c:v>24</c:v>
+                </c:pt>
+                <c:pt idx="24">
+                  <c:v>25</c:v>
+                </c:pt>
+                <c:pt idx="25">
+                  <c:v>26</c:v>
+                </c:pt>
+                <c:pt idx="26">
+                  <c:v>27</c:v>
+                </c:pt>
+                <c:pt idx="27">
+                  <c:v>28</c:v>
+                </c:pt>
+                <c:pt idx="28">
+                  <c:v>29</c:v>
+                </c:pt>
+                <c:pt idx="29">
+                  <c:v>30</c:v>
+                </c:pt>
+                <c:pt idx="30">
+                  <c:v>31</c:v>
+                </c:pt>
+                <c:pt idx="31">
+                  <c:v>32</c:v>
+                </c:pt>
+                <c:pt idx="32">
+                  <c:v>33</c:v>
+                </c:pt>
+                <c:pt idx="33">
+                  <c:v>34</c:v>
+                </c:pt>
+                <c:pt idx="34">
+                  <c:v>35</c:v>
+                </c:pt>
+                <c:pt idx="35">
+                  <c:v>36</c:v>
+                </c:pt>
+                <c:pt idx="36">
+                  <c:v>37</c:v>
+                </c:pt>
+                <c:pt idx="37">
+                  <c:v>38</c:v>
+                </c:pt>
+                <c:pt idx="38">
+                  <c:v>39</c:v>
+                </c:pt>
+                <c:pt idx="39">
+                  <c:v>40</c:v>
+                </c:pt>
+                <c:pt idx="40">
+                  <c:v>41</c:v>
+                </c:pt>
+                <c:pt idx="41">
+                  <c:v>42</c:v>
+                </c:pt>
+                <c:pt idx="42">
+                  <c:v>43</c:v>
+                </c:pt>
+                <c:pt idx="43">
+                  <c:v>44</c:v>
+                </c:pt>
+                <c:pt idx="44">
+                  <c:v>45</c:v>
+                </c:pt>
+                <c:pt idx="45">
+                  <c:v>46</c:v>
+                </c:pt>
+                <c:pt idx="46">
+                  <c:v>47</c:v>
+                </c:pt>
+                <c:pt idx="47">
+                  <c:v>48</c:v>
+                </c:pt>
+                <c:pt idx="48">
+                  <c:v>49</c:v>
+                </c:pt>
+                <c:pt idx="49">
+                  <c:v>50</c:v>
+                </c:pt>
+                <c:pt idx="50">
+                  <c:v>51</c:v>
+                </c:pt>
+                <c:pt idx="51">
+                  <c:v>52</c:v>
+                </c:pt>
+                <c:pt idx="52">
+                  <c:v>53</c:v>
+                </c:pt>
+                <c:pt idx="53">
+                  <c:v>54</c:v>
+                </c:pt>
+                <c:pt idx="54">
+                  <c:v>55</c:v>
+                </c:pt>
+                <c:pt idx="55">
+                  <c:v>56</c:v>
+                </c:pt>
+                <c:pt idx="56">
+                  <c:v>57</c:v>
+                </c:pt>
+                <c:pt idx="57">
+                  <c:v>58</c:v>
+                </c:pt>
+                <c:pt idx="58">
+                  <c:v>59</c:v>
+                </c:pt>
+                <c:pt idx="59">
+                  <c:v>60</c:v>
+                </c:pt>
+              </c:numCache>
+            </c:numRef>
+          </c:val>
+          <c:smooth val="0"/>
+          <c:extLst>
+            <c:ext xmlns:c16="http://schemas.microsoft.com/office/drawing/2014/chart" uri="{C3380CC4-5D6E-409C-BE32-E72D297353CC}">
+              <c16:uniqueId val="{00000000-D536-4933-ABE9-9E7DD428E1CC}"/>
+            </c:ext>
+          </c:extLst>
+        </c:ser>
+        <c:ser>
+          <c:idx val="1"/>
+          <c:order val="1"/>
+          <c:tx>
+            <c:strRef>
+              <c:f>Sheet3!$B$1</c:f>
+              <c:strCache>
+                <c:ptCount val="1"/>
+                <c:pt idx="0">
+                  <c:v>Distance</c:v>
+                </c:pt>
+              </c:strCache>
+            </c:strRef>
+          </c:tx>
+          <c:spPr>
+            <a:ln w="28575" cap="rnd">
+              <a:solidFill>
+                <a:schemeClr val="accent2"/>
+              </a:solidFill>
+              <a:round/>
+            </a:ln>
+            <a:effectLst/>
+          </c:spPr>
+          <c:marker>
+            <c:symbol val="none"/>
+          </c:marker>
+          <c:val>
+            <c:numRef>
+              <c:f>Sheet3!$B$2:$B$61</c:f>
+              <c:numCache>
+                <c:formatCode>General</c:formatCode>
+                <c:ptCount val="60"/>
+                <c:pt idx="0">
+                  <c:v>0</c:v>
+                </c:pt>
+                <c:pt idx="1">
+                  <c:v>0</c:v>
+                </c:pt>
+                <c:pt idx="2">
+                  <c:v>0</c:v>
+                </c:pt>
+                <c:pt idx="3">
+                  <c:v>0</c:v>
+                </c:pt>
+                <c:pt idx="4">
+                  <c:v>0</c:v>
+                </c:pt>
+                <c:pt idx="5">
+                  <c:v>0</c:v>
+                </c:pt>
+                <c:pt idx="6">
+                  <c:v>0</c:v>
+                </c:pt>
+                <c:pt idx="7">
+                  <c:v>0</c:v>
+                </c:pt>
+                <c:pt idx="8">
+                  <c:v>0</c:v>
+                </c:pt>
+                <c:pt idx="9">
+                  <c:v>0</c:v>
+                </c:pt>
+                <c:pt idx="10">
+                  <c:v>0</c:v>
+                </c:pt>
+                <c:pt idx="11">
+                  <c:v>0</c:v>
+                </c:pt>
+                <c:pt idx="12">
+                  <c:v>0</c:v>
+                </c:pt>
+                <c:pt idx="13">
+                  <c:v>0</c:v>
+                </c:pt>
+                <c:pt idx="14">
+                  <c:v>0</c:v>
+                </c:pt>
+                <c:pt idx="15">
+                  <c:v>0</c:v>
+                </c:pt>
+                <c:pt idx="16">
+                  <c:v>0</c:v>
+                </c:pt>
+                <c:pt idx="17">
+                  <c:v>0</c:v>
+                </c:pt>
+                <c:pt idx="18">
+                  <c:v>8</c:v>
+                </c:pt>
+                <c:pt idx="19">
+                  <c:v>22</c:v>
+                </c:pt>
+                <c:pt idx="20">
+                  <c:v>12632</c:v>
+                </c:pt>
+                <c:pt idx="21">
+                  <c:v>12632</c:v>
+                </c:pt>
+                <c:pt idx="22">
+                  <c:v>12632</c:v>
+                </c:pt>
+                <c:pt idx="23">
+                  <c:v>12632</c:v>
+                </c:pt>
+                <c:pt idx="24">
+                  <c:v>12632</c:v>
+                </c:pt>
+                <c:pt idx="25">
+                  <c:v>12632</c:v>
+                </c:pt>
+                <c:pt idx="26">
+                  <c:v>12632</c:v>
+                </c:pt>
+                <c:pt idx="27">
+                  <c:v>12632</c:v>
+                </c:pt>
+                <c:pt idx="28">
+                  <c:v>12632</c:v>
+                </c:pt>
+                <c:pt idx="29">
+                  <c:v>12632</c:v>
+                </c:pt>
+                <c:pt idx="30">
+                  <c:v>12632</c:v>
+                </c:pt>
+                <c:pt idx="31">
+                  <c:v>12632</c:v>
+                </c:pt>
+                <c:pt idx="32">
+                  <c:v>12632</c:v>
+                </c:pt>
+                <c:pt idx="33">
+                  <c:v>12632</c:v>
+                </c:pt>
+                <c:pt idx="34">
+                  <c:v>12642</c:v>
+                </c:pt>
+                <c:pt idx="35">
+                  <c:v>12656</c:v>
+                </c:pt>
+                <c:pt idx="36">
+                  <c:v>12676</c:v>
+                </c:pt>
+                <c:pt idx="37">
+                  <c:v>25286</c:v>
+                </c:pt>
+                <c:pt idx="38">
+                  <c:v>25286</c:v>
+                </c:pt>
+                <c:pt idx="39">
+                  <c:v>25286</c:v>
+                </c:pt>
+                <c:pt idx="40">
+                  <c:v>25286</c:v>
+                </c:pt>
+                <c:pt idx="41">
+                  <c:v>25286</c:v>
+                </c:pt>
+                <c:pt idx="42">
+                  <c:v>25286</c:v>
+                </c:pt>
+                <c:pt idx="43">
+                  <c:v>25286</c:v>
+                </c:pt>
+                <c:pt idx="44">
+                  <c:v>25286</c:v>
+                </c:pt>
+                <c:pt idx="45">
+                  <c:v>25286</c:v>
+                </c:pt>
+                <c:pt idx="46">
+                  <c:v>25286</c:v>
+                </c:pt>
+                <c:pt idx="47">
+                  <c:v>25286</c:v>
+                </c:pt>
+                <c:pt idx="48">
+                  <c:v>25300</c:v>
+                </c:pt>
+                <c:pt idx="49">
+                  <c:v>37910</c:v>
+                </c:pt>
+                <c:pt idx="50">
+                  <c:v>37910</c:v>
+                </c:pt>
+                <c:pt idx="51">
+                  <c:v>37910</c:v>
+                </c:pt>
+                <c:pt idx="52">
+                  <c:v>37910</c:v>
+                </c:pt>
+                <c:pt idx="53">
+                  <c:v>37910</c:v>
+                </c:pt>
+                <c:pt idx="54">
+                  <c:v>37910</c:v>
+                </c:pt>
+                <c:pt idx="55">
+                  <c:v>37914</c:v>
+                </c:pt>
+                <c:pt idx="56">
+                  <c:v>50524</c:v>
+                </c:pt>
+                <c:pt idx="57">
+                  <c:v>50524</c:v>
+                </c:pt>
+                <c:pt idx="58">
+                  <c:v>50528</c:v>
+                </c:pt>
+                <c:pt idx="59">
+                  <c:v>50544</c:v>
+                </c:pt>
+              </c:numCache>
+            </c:numRef>
+          </c:val>
+          <c:smooth val="0"/>
+          <c:extLst>
+            <c:ext xmlns:c16="http://schemas.microsoft.com/office/drawing/2014/chart" uri="{C3380CC4-5D6E-409C-BE32-E72D297353CC}">
+              <c16:uniqueId val="{00000001-D536-4933-ABE9-9E7DD428E1CC}"/>
+            </c:ext>
+          </c:extLst>
+        </c:ser>
+        <c:ser>
+          <c:idx val="2"/>
+          <c:order val="2"/>
+          <c:tx>
+            <c:strRef>
+              <c:f>Sheet3!$C$1</c:f>
+              <c:strCache>
+                <c:ptCount val="1"/>
+                <c:pt idx="0">
+                  <c:v>Naive</c:v>
+                </c:pt>
+              </c:strCache>
+            </c:strRef>
+          </c:tx>
+          <c:spPr>
+            <a:ln w="28575" cap="rnd">
+              <a:solidFill>
+                <a:schemeClr val="accent3"/>
+              </a:solidFill>
+              <a:round/>
+            </a:ln>
+            <a:effectLst/>
+          </c:spPr>
+          <c:marker>
+            <c:symbol val="none"/>
+          </c:marker>
+          <c:val>
+            <c:numRef>
+              <c:f>Sheet3!$C$2:$C$61</c:f>
+              <c:numCache>
+                <c:formatCode>General</c:formatCode>
+                <c:ptCount val="60"/>
+                <c:pt idx="0">
+                  <c:v>6300</c:v>
+                </c:pt>
+                <c:pt idx="1">
+                  <c:v>12600</c:v>
+                </c:pt>
+                <c:pt idx="2">
+                  <c:v>18900</c:v>
+                </c:pt>
+                <c:pt idx="3">
+                  <c:v>25200</c:v>
+                </c:pt>
+                <c:pt idx="4">
+                  <c:v>31500</c:v>
+                </c:pt>
+                <c:pt idx="5">
+                  <c:v>37800</c:v>
+                </c:pt>
+                <c:pt idx="6">
+                  <c:v>44100</c:v>
+                </c:pt>
+                <c:pt idx="7">
+                  <c:v>50400</c:v>
+                </c:pt>
+                <c:pt idx="8">
+                  <c:v>56700</c:v>
+                </c:pt>
+                <c:pt idx="9">
+                  <c:v>63000</c:v>
+                </c:pt>
+                <c:pt idx="10">
+                  <c:v>69300</c:v>
+                </c:pt>
+                <c:pt idx="11">
+                  <c:v>75600</c:v>
+                </c:pt>
+                <c:pt idx="12">
+                  <c:v>81900</c:v>
+                </c:pt>
+                <c:pt idx="13">
+                  <c:v>88200</c:v>
+                </c:pt>
+                <c:pt idx="14">
+                  <c:v>94500</c:v>
+                </c:pt>
+                <c:pt idx="15">
+                  <c:v>100800</c:v>
+                </c:pt>
+                <c:pt idx="16">
+                  <c:v>107100</c:v>
+                </c:pt>
+                <c:pt idx="17">
+                  <c:v>113400</c:v>
+                </c:pt>
+                <c:pt idx="18">
+                  <c:v>119700</c:v>
+                </c:pt>
+                <c:pt idx="19">
+                  <c:v>126000</c:v>
+                </c:pt>
+                <c:pt idx="20">
+                  <c:v>132300</c:v>
+                </c:pt>
+                <c:pt idx="21">
+                  <c:v>138600</c:v>
+                </c:pt>
+                <c:pt idx="22">
+                  <c:v>144900</c:v>
+                </c:pt>
+                <c:pt idx="23">
+                  <c:v>151200</c:v>
+                </c:pt>
+                <c:pt idx="24">
+                  <c:v>157500</c:v>
+                </c:pt>
+                <c:pt idx="25">
+                  <c:v>163800</c:v>
+                </c:pt>
+                <c:pt idx="26">
+                  <c:v>170100</c:v>
+                </c:pt>
+                <c:pt idx="27">
+                  <c:v>176400</c:v>
+                </c:pt>
+                <c:pt idx="28">
+                  <c:v>182700</c:v>
+                </c:pt>
+                <c:pt idx="29">
+                  <c:v>189000</c:v>
+                </c:pt>
+                <c:pt idx="30">
+                  <c:v>195300</c:v>
+                </c:pt>
+                <c:pt idx="31">
+                  <c:v>201600</c:v>
+                </c:pt>
+                <c:pt idx="32">
+                  <c:v>207900</c:v>
+                </c:pt>
+                <c:pt idx="33">
+                  <c:v>214200</c:v>
+                </c:pt>
+                <c:pt idx="34">
+                  <c:v>220500</c:v>
+                </c:pt>
+                <c:pt idx="35">
+                  <c:v>226800</c:v>
+                </c:pt>
+                <c:pt idx="36">
+                  <c:v>233100</c:v>
+                </c:pt>
+                <c:pt idx="37">
+                  <c:v>239400</c:v>
+                </c:pt>
+                <c:pt idx="38">
+                  <c:v>245700</c:v>
+                </c:pt>
+                <c:pt idx="39">
+                  <c:v>252000</c:v>
+                </c:pt>
+                <c:pt idx="40">
+                  <c:v>258300</c:v>
+                </c:pt>
+                <c:pt idx="41">
+                  <c:v>264600</c:v>
+                </c:pt>
+                <c:pt idx="42">
+                  <c:v>270900</c:v>
+                </c:pt>
+                <c:pt idx="43">
+                  <c:v>277200</c:v>
+                </c:pt>
+                <c:pt idx="44">
+                  <c:v>283500</c:v>
+                </c:pt>
+                <c:pt idx="45">
+                  <c:v>289800</c:v>
+                </c:pt>
+                <c:pt idx="46">
+                  <c:v>296100</c:v>
+                </c:pt>
+                <c:pt idx="47">
+                  <c:v>302400</c:v>
+                </c:pt>
+                <c:pt idx="48">
+                  <c:v>308700</c:v>
+                </c:pt>
+                <c:pt idx="49">
+                  <c:v>315000</c:v>
+                </c:pt>
+                <c:pt idx="50">
+                  <c:v>321300</c:v>
+                </c:pt>
+                <c:pt idx="51">
+                  <c:v>327600</c:v>
+                </c:pt>
+                <c:pt idx="52">
+                  <c:v>333900</c:v>
+                </c:pt>
+                <c:pt idx="53">
+                  <c:v>340200</c:v>
+                </c:pt>
+                <c:pt idx="54">
+                  <c:v>346500</c:v>
+                </c:pt>
+                <c:pt idx="55">
+                  <c:v>352800</c:v>
+                </c:pt>
+                <c:pt idx="56">
+                  <c:v>359100</c:v>
+                </c:pt>
+                <c:pt idx="57">
+                  <c:v>365400</c:v>
+                </c:pt>
+                <c:pt idx="58">
+                  <c:v>371700</c:v>
+                </c:pt>
+                <c:pt idx="59">
+                  <c:v>378000</c:v>
+                </c:pt>
+              </c:numCache>
+            </c:numRef>
+          </c:val>
+          <c:smooth val="0"/>
+          <c:extLst>
+            <c:ext xmlns:c16="http://schemas.microsoft.com/office/drawing/2014/chart" uri="{C3380CC4-5D6E-409C-BE32-E72D297353CC}">
+              <c16:uniqueId val="{00000002-D536-4933-ABE9-9E7DD428E1CC}"/>
+            </c:ext>
+          </c:extLst>
+        </c:ser>
+        <c:ser>
+          <c:idx val="3"/>
+          <c:order val="3"/>
+          <c:tx>
+            <c:strRef>
+              <c:f>Sheet3!$D$1</c:f>
+              <c:strCache>
+                <c:ptCount val="1"/>
+                <c:pt idx="0">
+                  <c:v>Oracle</c:v>
+                </c:pt>
+              </c:strCache>
+            </c:strRef>
+          </c:tx>
+          <c:spPr>
+            <a:ln w="28575" cap="rnd">
+              <a:solidFill>
+                <a:schemeClr val="accent4"/>
+              </a:solidFill>
+              <a:round/>
+            </a:ln>
+            <a:effectLst/>
+          </c:spPr>
+          <c:marker>
+            <c:symbol val="none"/>
+          </c:marker>
+          <c:val>
+            <c:numRef>
+              <c:f>Sheet3!$D$2:$D$61</c:f>
+              <c:numCache>
+                <c:formatCode>General</c:formatCode>
+                <c:ptCount val="60"/>
+                <c:pt idx="0">
+                  <c:v>0</c:v>
+                </c:pt>
+                <c:pt idx="1">
+                  <c:v>0</c:v>
+                </c:pt>
+                <c:pt idx="2">
+                  <c:v>0</c:v>
+                </c:pt>
+                <c:pt idx="3">
+                  <c:v>0</c:v>
+                </c:pt>
+                <c:pt idx="4">
+                  <c:v>0</c:v>
+                </c:pt>
+                <c:pt idx="5">
+                  <c:v>0</c:v>
+                </c:pt>
+                <c:pt idx="6">
+                  <c:v>0</c:v>
+                </c:pt>
+                <c:pt idx="7">
+                  <c:v>0</c:v>
+                </c:pt>
+                <c:pt idx="8">
+                  <c:v>0</c:v>
+                </c:pt>
+                <c:pt idx="9">
+                  <c:v>0</c:v>
+                </c:pt>
+                <c:pt idx="10">
+                  <c:v>0</c:v>
+                </c:pt>
+                <c:pt idx="11">
+                  <c:v>0</c:v>
+                </c:pt>
+                <c:pt idx="12">
+                  <c:v>0</c:v>
+                </c:pt>
+                <c:pt idx="13">
+                  <c:v>0</c:v>
+                </c:pt>
+                <c:pt idx="14">
+                  <c:v>0</c:v>
+                </c:pt>
+                <c:pt idx="15">
+                  <c:v>0</c:v>
+                </c:pt>
+                <c:pt idx="16">
+                  <c:v>0</c:v>
+                </c:pt>
+                <c:pt idx="17">
+                  <c:v>0</c:v>
+                </c:pt>
+                <c:pt idx="18">
+                  <c:v>0</c:v>
+                </c:pt>
+                <c:pt idx="19">
+                  <c:v>0</c:v>
+                </c:pt>
+                <c:pt idx="20">
+                  <c:v>0</c:v>
+                </c:pt>
+                <c:pt idx="21">
+                  <c:v>0</c:v>
+                </c:pt>
+                <c:pt idx="22">
+                  <c:v>0</c:v>
+                </c:pt>
+                <c:pt idx="23">
+                  <c:v>0</c:v>
+                </c:pt>
+                <c:pt idx="24">
+                  <c:v>0</c:v>
+                </c:pt>
+                <c:pt idx="25">
+                  <c:v>0</c:v>
+                </c:pt>
+                <c:pt idx="26">
+                  <c:v>0</c:v>
+                </c:pt>
+                <c:pt idx="27">
+                  <c:v>0</c:v>
+                </c:pt>
+                <c:pt idx="28">
+                  <c:v>0</c:v>
+                </c:pt>
+                <c:pt idx="29">
+                  <c:v>0</c:v>
+                </c:pt>
+                <c:pt idx="30">
+                  <c:v>0</c:v>
+                </c:pt>
+                <c:pt idx="31">
+                  <c:v>0</c:v>
+                </c:pt>
+                <c:pt idx="32">
+                  <c:v>0</c:v>
+                </c:pt>
+                <c:pt idx="33">
+                  <c:v>0</c:v>
+                </c:pt>
+                <c:pt idx="34">
+                  <c:v>0</c:v>
+                </c:pt>
+                <c:pt idx="35">
+                  <c:v>0</c:v>
+                </c:pt>
+                <c:pt idx="36">
+                  <c:v>0</c:v>
+                </c:pt>
+                <c:pt idx="37">
+                  <c:v>0</c:v>
+                </c:pt>
+                <c:pt idx="38">
+                  <c:v>0</c:v>
+                </c:pt>
+                <c:pt idx="39">
+                  <c:v>0</c:v>
+                </c:pt>
+                <c:pt idx="40">
+                  <c:v>0</c:v>
+                </c:pt>
+                <c:pt idx="41">
+                  <c:v>0</c:v>
+                </c:pt>
+                <c:pt idx="42">
+                  <c:v>0</c:v>
+                </c:pt>
+                <c:pt idx="43">
+                  <c:v>0</c:v>
+                </c:pt>
+                <c:pt idx="44">
+                  <c:v>0</c:v>
+                </c:pt>
+                <c:pt idx="45">
+                  <c:v>0</c:v>
+                </c:pt>
+                <c:pt idx="46">
+                  <c:v>0</c:v>
+                </c:pt>
+                <c:pt idx="47">
+                  <c:v>0</c:v>
+                </c:pt>
+                <c:pt idx="48">
+                  <c:v>0</c:v>
+                </c:pt>
+                <c:pt idx="49">
+                  <c:v>0</c:v>
+                </c:pt>
+                <c:pt idx="50">
+                  <c:v>0</c:v>
+                </c:pt>
+                <c:pt idx="51">
+                  <c:v>0</c:v>
+                </c:pt>
+                <c:pt idx="52">
+                  <c:v>0</c:v>
+                </c:pt>
+                <c:pt idx="53">
+                  <c:v>0</c:v>
+                </c:pt>
+                <c:pt idx="54">
+                  <c:v>0</c:v>
+                </c:pt>
+                <c:pt idx="55">
+                  <c:v>0</c:v>
+                </c:pt>
+                <c:pt idx="56">
+                  <c:v>0</c:v>
+                </c:pt>
+                <c:pt idx="57">
+                  <c:v>0</c:v>
+                </c:pt>
+                <c:pt idx="58">
+                  <c:v>0</c:v>
+                </c:pt>
+                <c:pt idx="59">
+                  <c:v>0</c:v>
+                </c:pt>
+              </c:numCache>
+            </c:numRef>
+          </c:val>
+          <c:smooth val="0"/>
+          <c:extLst>
+            <c:ext xmlns:c16="http://schemas.microsoft.com/office/drawing/2014/chart" uri="{C3380CC4-5D6E-409C-BE32-E72D297353CC}">
+              <c16:uniqueId val="{00000003-D536-4933-ABE9-9E7DD428E1CC}"/>
+            </c:ext>
+          </c:extLst>
+        </c:ser>
+        <c:ser>
+          <c:idx val="4"/>
+          <c:order val="4"/>
+          <c:tx>
+            <c:strRef>
+              <c:f>Sheet3!$E$1</c:f>
+              <c:strCache>
+                <c:ptCount val="1"/>
+                <c:pt idx="0">
+                  <c:v>SKD</c:v>
+                </c:pt>
+              </c:strCache>
+            </c:strRef>
+          </c:tx>
+          <c:spPr>
+            <a:ln w="28575" cap="rnd">
+              <a:solidFill>
+                <a:schemeClr val="accent5"/>
+              </a:solidFill>
+              <a:round/>
+            </a:ln>
+            <a:effectLst/>
+          </c:spPr>
+          <c:marker>
+            <c:symbol val="none"/>
+          </c:marker>
+          <c:val>
+            <c:numRef>
+              <c:f>Sheet3!$E$2:$E$61</c:f>
+              <c:numCache>
+                <c:formatCode>General</c:formatCode>
+                <c:ptCount val="60"/>
+                <c:pt idx="0">
+                  <c:v>0</c:v>
+                </c:pt>
+                <c:pt idx="1">
+                  <c:v>0</c:v>
+                </c:pt>
+                <c:pt idx="2">
+                  <c:v>0</c:v>
+                </c:pt>
+                <c:pt idx="3">
+                  <c:v>0</c:v>
+                </c:pt>
+                <c:pt idx="4">
+                  <c:v>0</c:v>
+                </c:pt>
+                <c:pt idx="5">
+                  <c:v>0</c:v>
+                </c:pt>
+                <c:pt idx="6">
+                  <c:v>0</c:v>
+                </c:pt>
+                <c:pt idx="7">
+                  <c:v>0</c:v>
+                </c:pt>
+                <c:pt idx="8">
+                  <c:v>0</c:v>
+                </c:pt>
+                <c:pt idx="9">
+                  <c:v>0</c:v>
+                </c:pt>
+                <c:pt idx="10">
+                  <c:v>0</c:v>
+                </c:pt>
+                <c:pt idx="11">
+                  <c:v>0</c:v>
+                </c:pt>
+                <c:pt idx="12">
+                  <c:v>0</c:v>
+                </c:pt>
+                <c:pt idx="13">
+                  <c:v>0</c:v>
+                </c:pt>
+                <c:pt idx="14">
+                  <c:v>0</c:v>
+                </c:pt>
+                <c:pt idx="15">
+                  <c:v>0</c:v>
+                </c:pt>
+                <c:pt idx="16">
+                  <c:v>0</c:v>
+                </c:pt>
+                <c:pt idx="17">
+                  <c:v>0</c:v>
+                </c:pt>
+                <c:pt idx="18">
+                  <c:v>10</c:v>
+                </c:pt>
+                <c:pt idx="19">
+                  <c:v>24</c:v>
+                </c:pt>
+                <c:pt idx="20">
+                  <c:v>1358</c:v>
+                </c:pt>
+                <c:pt idx="21">
+                  <c:v>2646</c:v>
+                </c:pt>
+                <c:pt idx="22">
+                  <c:v>3946</c:v>
+                </c:pt>
+                <c:pt idx="23">
+                  <c:v>6796</c:v>
+                </c:pt>
+                <c:pt idx="24">
+                  <c:v>6816</c:v>
+                </c:pt>
+                <c:pt idx="25">
+                  <c:v>9744</c:v>
+                </c:pt>
+                <c:pt idx="26">
+                  <c:v>12670</c:v>
+                </c:pt>
+                <c:pt idx="27">
+                  <c:v>15610</c:v>
+                </c:pt>
+                <c:pt idx="28">
+                  <c:v>15624</c:v>
+                </c:pt>
+                <c:pt idx="29">
+                  <c:v>15638</c:v>
+                </c:pt>
+                <c:pt idx="30">
+                  <c:v>18530</c:v>
+                </c:pt>
+                <c:pt idx="31">
+                  <c:v>19816</c:v>
+                </c:pt>
+                <c:pt idx="32">
+                  <c:v>22778</c:v>
+                </c:pt>
+                <c:pt idx="33">
+                  <c:v>24076</c:v>
+                </c:pt>
+                <c:pt idx="34">
+                  <c:v>25406</c:v>
+                </c:pt>
+                <c:pt idx="35">
+                  <c:v>25856</c:v>
+                </c:pt>
+                <c:pt idx="36">
+                  <c:v>31656</c:v>
+                </c:pt>
+                <c:pt idx="37">
+                  <c:v>34524</c:v>
+                </c:pt>
+                <c:pt idx="38">
+                  <c:v>34978</c:v>
+                </c:pt>
+                <c:pt idx="39">
+                  <c:v>34998</c:v>
+                </c:pt>
+                <c:pt idx="40">
+                  <c:v>40808</c:v>
+                </c:pt>
+                <c:pt idx="41">
+                  <c:v>40822</c:v>
+                </c:pt>
+                <c:pt idx="42">
+                  <c:v>42112</c:v>
+                </c:pt>
+                <c:pt idx="43">
+                  <c:v>48038</c:v>
+                </c:pt>
+                <c:pt idx="44">
+                  <c:v>48058</c:v>
+                </c:pt>
+                <c:pt idx="45">
+                  <c:v>53928</c:v>
+                </c:pt>
+                <c:pt idx="46">
+                  <c:v>53946</c:v>
+                </c:pt>
+                <c:pt idx="47">
+                  <c:v>53960</c:v>
+                </c:pt>
+                <c:pt idx="48">
+                  <c:v>64568</c:v>
+                </c:pt>
+                <c:pt idx="49">
+                  <c:v>64580</c:v>
+                </c:pt>
+                <c:pt idx="50">
+                  <c:v>70350</c:v>
+                </c:pt>
+                <c:pt idx="51">
+                  <c:v>70370</c:v>
+                </c:pt>
+                <c:pt idx="52">
+                  <c:v>81090</c:v>
+                </c:pt>
+                <c:pt idx="53">
+                  <c:v>91756</c:v>
+                </c:pt>
+                <c:pt idx="54">
+                  <c:v>97498</c:v>
+                </c:pt>
+                <c:pt idx="55">
+                  <c:v>103222</c:v>
+                </c:pt>
+                <c:pt idx="56">
+                  <c:v>106192</c:v>
+                </c:pt>
+                <c:pt idx="57">
+                  <c:v>133654</c:v>
+                </c:pt>
+                <c:pt idx="58">
+                  <c:v>133654</c:v>
+                </c:pt>
+                <c:pt idx="59">
+                  <c:v>133666</c:v>
+                </c:pt>
+              </c:numCache>
+            </c:numRef>
+          </c:val>
+          <c:smooth val="0"/>
+          <c:extLst>
+            <c:ext xmlns:c16="http://schemas.microsoft.com/office/drawing/2014/chart" uri="{C3380CC4-5D6E-409C-BE32-E72D297353CC}">
+              <c16:uniqueId val="{00000004-D536-4933-ABE9-9E7DD428E1CC}"/>
+            </c:ext>
+          </c:extLst>
+        </c:ser>
+        <c:ser>
+          <c:idx val="5"/>
+          <c:order val="5"/>
+          <c:tx>
+            <c:strRef>
+              <c:f>Sheet3!$F$1</c:f>
+              <c:strCache>
+                <c:ptCount val="1"/>
+                <c:pt idx="0">
+                  <c:v>SKV</c:v>
+                </c:pt>
+              </c:strCache>
+            </c:strRef>
+          </c:tx>
+          <c:spPr>
+            <a:ln w="28575" cap="rnd">
+              <a:solidFill>
+                <a:schemeClr val="accent6"/>
+              </a:solidFill>
+              <a:round/>
+            </a:ln>
+            <a:effectLst/>
+          </c:spPr>
+          <c:marker>
+            <c:symbol val="none"/>
+          </c:marker>
+          <c:val>
+            <c:numRef>
+              <c:f>Sheet3!$F$2:$F$61</c:f>
+              <c:numCache>
+                <c:formatCode>General</c:formatCode>
+                <c:ptCount val="60"/>
+                <c:pt idx="0">
+                  <c:v>0</c:v>
+                </c:pt>
+                <c:pt idx="1">
+                  <c:v>0</c:v>
+                </c:pt>
+                <c:pt idx="2">
+                  <c:v>0</c:v>
+                </c:pt>
+                <c:pt idx="3">
+                  <c:v>0</c:v>
+                </c:pt>
+                <c:pt idx="4">
+                  <c:v>0</c:v>
+                </c:pt>
+                <c:pt idx="5">
+                  <c:v>0</c:v>
+                </c:pt>
+                <c:pt idx="6">
+                  <c:v>0</c:v>
+                </c:pt>
+                <c:pt idx="7">
+                  <c:v>0</c:v>
+                </c:pt>
+                <c:pt idx="8">
+                  <c:v>0</c:v>
+                </c:pt>
+                <c:pt idx="9">
+                  <c:v>0</c:v>
+                </c:pt>
+                <c:pt idx="10">
+                  <c:v>0</c:v>
+                </c:pt>
+                <c:pt idx="11">
+                  <c:v>0</c:v>
+                </c:pt>
+                <c:pt idx="12">
+                  <c:v>0</c:v>
+                </c:pt>
+                <c:pt idx="13">
+                  <c:v>0</c:v>
+                </c:pt>
+                <c:pt idx="14">
+                  <c:v>0</c:v>
+                </c:pt>
+                <c:pt idx="15">
+                  <c:v>0</c:v>
+                </c:pt>
+                <c:pt idx="16">
+                  <c:v>0</c:v>
+                </c:pt>
+                <c:pt idx="17">
+                  <c:v>0</c:v>
+                </c:pt>
+                <c:pt idx="18">
+                  <c:v>12</c:v>
+                </c:pt>
+                <c:pt idx="19">
+                  <c:v>480</c:v>
+                </c:pt>
+                <c:pt idx="20">
+                  <c:v>1788</c:v>
+                </c:pt>
+                <c:pt idx="21">
+                  <c:v>4624</c:v>
+                </c:pt>
+                <c:pt idx="22">
+                  <c:v>5074</c:v>
+                </c:pt>
+                <c:pt idx="23">
+                  <c:v>7930</c:v>
+                </c:pt>
+                <c:pt idx="24">
+                  <c:v>7950</c:v>
+                </c:pt>
+                <c:pt idx="25">
+                  <c:v>10880</c:v>
+                </c:pt>
+                <c:pt idx="26">
+                  <c:v>12168</c:v>
+                </c:pt>
+                <c:pt idx="27">
+                  <c:v>15134</c:v>
+                </c:pt>
+                <c:pt idx="28">
+                  <c:v>15150</c:v>
+                </c:pt>
+                <c:pt idx="29">
+                  <c:v>18072</c:v>
+                </c:pt>
+                <c:pt idx="30">
+                  <c:v>19368</c:v>
+                </c:pt>
+                <c:pt idx="31">
+                  <c:v>20646</c:v>
+                </c:pt>
+                <c:pt idx="32">
+                  <c:v>21940</c:v>
+                </c:pt>
+                <c:pt idx="33">
+                  <c:v>24824</c:v>
+                </c:pt>
+                <c:pt idx="34">
+                  <c:v>30598</c:v>
+                </c:pt>
+                <c:pt idx="35">
+                  <c:v>30614</c:v>
+                </c:pt>
+                <c:pt idx="36">
+                  <c:v>31922</c:v>
+                </c:pt>
+                <c:pt idx="37">
+                  <c:v>34758</c:v>
+                </c:pt>
+                <c:pt idx="38">
+                  <c:v>36036</c:v>
+                </c:pt>
+                <c:pt idx="39">
+                  <c:v>37346</c:v>
+                </c:pt>
+                <c:pt idx="40">
+                  <c:v>40252</c:v>
+                </c:pt>
+                <c:pt idx="41">
+                  <c:v>43138</c:v>
+                </c:pt>
+                <c:pt idx="42">
+                  <c:v>46034</c:v>
+                </c:pt>
+                <c:pt idx="43">
+                  <c:v>51794</c:v>
+                </c:pt>
+                <c:pt idx="44">
+                  <c:v>52244</c:v>
+                </c:pt>
+                <c:pt idx="45">
+                  <c:v>55182</c:v>
+                </c:pt>
+                <c:pt idx="46">
+                  <c:v>58040</c:v>
+                </c:pt>
+                <c:pt idx="47">
+                  <c:v>61030</c:v>
+                </c:pt>
+                <c:pt idx="48">
+                  <c:v>67012</c:v>
+                </c:pt>
+                <c:pt idx="49">
+                  <c:v>67458</c:v>
+                </c:pt>
+                <c:pt idx="50">
+                  <c:v>77834</c:v>
+                </c:pt>
+                <c:pt idx="51">
+                  <c:v>77842</c:v>
+                </c:pt>
+                <c:pt idx="52">
+                  <c:v>83692</c:v>
+                </c:pt>
+                <c:pt idx="53">
+                  <c:v>94300</c:v>
+                </c:pt>
+                <c:pt idx="54">
+                  <c:v>94320</c:v>
+                </c:pt>
+                <c:pt idx="55">
+                  <c:v>121670</c:v>
+                </c:pt>
+                <c:pt idx="56">
+                  <c:v>121670</c:v>
+                </c:pt>
+                <c:pt idx="57">
+                  <c:v>121670</c:v>
+                </c:pt>
+                <c:pt idx="58">
+                  <c:v>121678</c:v>
+                </c:pt>
+                <c:pt idx="59">
+                  <c:v>132128</c:v>
+                </c:pt>
+              </c:numCache>
+            </c:numRef>
+          </c:val>
+          <c:smooth val="0"/>
+          <c:extLst>
+            <c:ext xmlns:c16="http://schemas.microsoft.com/office/drawing/2014/chart" uri="{C3380CC4-5D6E-409C-BE32-E72D297353CC}">
+              <c16:uniqueId val="{00000005-D536-4933-ABE9-9E7DD428E1CC}"/>
+            </c:ext>
+          </c:extLst>
+        </c:ser>
+        <c:ser>
+          <c:idx val="6"/>
+          <c:order val="6"/>
+          <c:tx>
+            <c:strRef>
+              <c:f>Sheet3!$G$1</c:f>
+              <c:strCache>
+                <c:ptCount val="1"/>
+                <c:pt idx="0">
+                  <c:v>Value</c:v>
+                </c:pt>
+              </c:strCache>
+            </c:strRef>
+          </c:tx>
+          <c:spPr>
+            <a:ln w="28575" cap="rnd">
+              <a:solidFill>
+                <a:schemeClr val="accent1">
+                  <a:lumMod val="60000"/>
+                </a:schemeClr>
+              </a:solidFill>
+              <a:round/>
+            </a:ln>
+            <a:effectLst/>
+          </c:spPr>
+          <c:marker>
+            <c:symbol val="none"/>
+          </c:marker>
+          <c:val>
+            <c:numRef>
+              <c:f>Sheet3!$G$2:$G$61</c:f>
+              <c:numCache>
+                <c:formatCode>General</c:formatCode>
+                <c:ptCount val="60"/>
+                <c:pt idx="0">
+                  <c:v>0</c:v>
+                </c:pt>
+                <c:pt idx="1">
+                  <c:v>0</c:v>
+                </c:pt>
+                <c:pt idx="2">
+                  <c:v>0</c:v>
+                </c:pt>
+                <c:pt idx="3">
+                  <c:v>0</c:v>
+                </c:pt>
+                <c:pt idx="4">
+                  <c:v>0</c:v>
+                </c:pt>
+                <c:pt idx="5">
+                  <c:v>0</c:v>
+                </c:pt>
+                <c:pt idx="6">
+                  <c:v>0</c:v>
+                </c:pt>
+                <c:pt idx="7">
+                  <c:v>0</c:v>
+                </c:pt>
+                <c:pt idx="8">
+                  <c:v>0</c:v>
+                </c:pt>
+                <c:pt idx="9">
+                  <c:v>0</c:v>
+                </c:pt>
+                <c:pt idx="10">
+                  <c:v>0</c:v>
+                </c:pt>
+                <c:pt idx="11">
+                  <c:v>0</c:v>
+                </c:pt>
+                <c:pt idx="12">
+                  <c:v>0</c:v>
+                </c:pt>
+                <c:pt idx="13">
+                  <c:v>0</c:v>
+                </c:pt>
+                <c:pt idx="14">
+                  <c:v>0</c:v>
+                </c:pt>
+                <c:pt idx="15">
+                  <c:v>0</c:v>
+                </c:pt>
+                <c:pt idx="16">
+                  <c:v>0</c:v>
+                </c:pt>
+                <c:pt idx="17">
+                  <c:v>0</c:v>
+                </c:pt>
+                <c:pt idx="18">
+                  <c:v>10</c:v>
+                </c:pt>
+                <c:pt idx="19">
+                  <c:v>12620</c:v>
+                </c:pt>
+                <c:pt idx="20">
+                  <c:v>12620</c:v>
+                </c:pt>
+                <c:pt idx="21">
+                  <c:v>12620</c:v>
+                </c:pt>
+                <c:pt idx="22">
+                  <c:v>12620</c:v>
+                </c:pt>
+                <c:pt idx="23">
+                  <c:v>12620</c:v>
+                </c:pt>
+                <c:pt idx="24">
+                  <c:v>12620</c:v>
+                </c:pt>
+                <c:pt idx="25">
+                  <c:v>12620</c:v>
+                </c:pt>
+                <c:pt idx="26">
+                  <c:v>12620</c:v>
+                </c:pt>
+                <c:pt idx="27">
+                  <c:v>12620</c:v>
+                </c:pt>
+                <c:pt idx="28">
+                  <c:v>12620</c:v>
+                </c:pt>
+                <c:pt idx="29">
+                  <c:v>12620</c:v>
+                </c:pt>
+                <c:pt idx="30">
+                  <c:v>12620</c:v>
+                </c:pt>
+                <c:pt idx="31">
+                  <c:v>12620</c:v>
+                </c:pt>
+                <c:pt idx="32">
+                  <c:v>12620</c:v>
+                </c:pt>
+                <c:pt idx="33">
+                  <c:v>12626</c:v>
+                </c:pt>
+                <c:pt idx="34">
+                  <c:v>12640</c:v>
+                </c:pt>
+                <c:pt idx="35">
+                  <c:v>25250</c:v>
+                </c:pt>
+                <c:pt idx="36">
+                  <c:v>25250</c:v>
+                </c:pt>
+                <c:pt idx="37">
+                  <c:v>25250</c:v>
+                </c:pt>
+                <c:pt idx="38">
+                  <c:v>25250</c:v>
+                </c:pt>
+                <c:pt idx="39">
+                  <c:v>25250</c:v>
+                </c:pt>
+                <c:pt idx="40">
+                  <c:v>25250</c:v>
+                </c:pt>
+                <c:pt idx="41">
+                  <c:v>25250</c:v>
+                </c:pt>
+                <c:pt idx="42">
+                  <c:v>25250</c:v>
+                </c:pt>
+                <c:pt idx="43">
+                  <c:v>25250</c:v>
+                </c:pt>
+                <c:pt idx="44">
+                  <c:v>25250</c:v>
+                </c:pt>
+                <c:pt idx="45">
+                  <c:v>25250</c:v>
+                </c:pt>
+                <c:pt idx="46">
+                  <c:v>25256</c:v>
+                </c:pt>
+                <c:pt idx="47">
+                  <c:v>37866</c:v>
+                </c:pt>
+                <c:pt idx="48">
+                  <c:v>37866</c:v>
+                </c:pt>
+                <c:pt idx="49">
+                  <c:v>37866</c:v>
+                </c:pt>
+                <c:pt idx="50">
+                  <c:v>37866</c:v>
+                </c:pt>
+                <c:pt idx="51">
+                  <c:v>37866</c:v>
+                </c:pt>
+                <c:pt idx="52">
+                  <c:v>37866</c:v>
+                </c:pt>
+                <c:pt idx="53">
+                  <c:v>37866</c:v>
+                </c:pt>
+                <c:pt idx="54">
+                  <c:v>37872</c:v>
+                </c:pt>
+                <c:pt idx="55">
+                  <c:v>50482</c:v>
+                </c:pt>
+                <c:pt idx="56">
+                  <c:v>50482</c:v>
+                </c:pt>
+                <c:pt idx="57">
+                  <c:v>50482</c:v>
+                </c:pt>
+                <c:pt idx="58">
+                  <c:v>50494</c:v>
+                </c:pt>
+                <c:pt idx="59">
+                  <c:v>63104</c:v>
+                </c:pt>
+              </c:numCache>
+            </c:numRef>
+          </c:val>
+          <c:smooth val="0"/>
+          <c:extLst>
+            <c:ext xmlns:c16="http://schemas.microsoft.com/office/drawing/2014/chart" uri="{C3380CC4-5D6E-409C-BE32-E72D297353CC}">
+              <c16:uniqueId val="{00000006-D536-4933-ABE9-9E7DD428E1CC}"/>
+            </c:ext>
+          </c:extLst>
+        </c:ser>
+        <c:ser>
+          <c:idx val="7"/>
+          <c:order val="7"/>
+          <c:tx>
+            <c:strRef>
+              <c:f>Sheet3!$H$1</c:f>
+              <c:strCache>
+                <c:ptCount val="1"/>
+                <c:pt idx="0">
+                  <c:v>Vector</c:v>
+                </c:pt>
+              </c:strCache>
+            </c:strRef>
+          </c:tx>
+          <c:spPr>
+            <a:ln w="28575" cap="rnd">
+              <a:solidFill>
+                <a:schemeClr val="accent2">
+                  <a:lumMod val="60000"/>
+                </a:schemeClr>
+              </a:solidFill>
+              <a:round/>
+            </a:ln>
+            <a:effectLst/>
+          </c:spPr>
+          <c:marker>
+            <c:symbol val="none"/>
+          </c:marker>
+          <c:val>
+            <c:numRef>
+              <c:f>Sheet3!$H$2:$H$61</c:f>
+              <c:numCache>
+                <c:formatCode>General</c:formatCode>
+                <c:ptCount val="60"/>
+                <c:pt idx="0">
+                  <c:v>0</c:v>
+                </c:pt>
+                <c:pt idx="1">
+                  <c:v>0</c:v>
+                </c:pt>
+                <c:pt idx="2">
+                  <c:v>0</c:v>
+                </c:pt>
+                <c:pt idx="3">
+                  <c:v>0</c:v>
+                </c:pt>
+                <c:pt idx="4">
+                  <c:v>0</c:v>
+                </c:pt>
+                <c:pt idx="5">
+                  <c:v>0</c:v>
+                </c:pt>
+                <c:pt idx="6">
+                  <c:v>0</c:v>
+                </c:pt>
+                <c:pt idx="7">
+                  <c:v>0</c:v>
+                </c:pt>
+                <c:pt idx="8">
+                  <c:v>0</c:v>
+                </c:pt>
+                <c:pt idx="9">
+                  <c:v>0</c:v>
+                </c:pt>
+                <c:pt idx="10">
+                  <c:v>0</c:v>
+                </c:pt>
+                <c:pt idx="11">
+                  <c:v>0</c:v>
+                </c:pt>
+                <c:pt idx="12">
+                  <c:v>0</c:v>
+                </c:pt>
+                <c:pt idx="13">
+                  <c:v>0</c:v>
+                </c:pt>
+                <c:pt idx="14">
+                  <c:v>0</c:v>
+                </c:pt>
+                <c:pt idx="15">
+                  <c:v>0</c:v>
+                </c:pt>
+                <c:pt idx="16">
+                  <c:v>0</c:v>
+                </c:pt>
+                <c:pt idx="17">
+                  <c:v>0</c:v>
+                </c:pt>
+                <c:pt idx="18">
+                  <c:v>5040</c:v>
+                </c:pt>
+                <c:pt idx="19">
+                  <c:v>8820</c:v>
+                </c:pt>
+                <c:pt idx="20">
+                  <c:v>13860</c:v>
+                </c:pt>
+                <c:pt idx="21">
+                  <c:v>13860</c:v>
+                </c:pt>
+                <c:pt idx="22">
+                  <c:v>13860</c:v>
+                </c:pt>
+                <c:pt idx="23">
+                  <c:v>13860</c:v>
+                </c:pt>
+                <c:pt idx="24">
+                  <c:v>13860</c:v>
+                </c:pt>
+                <c:pt idx="25">
+                  <c:v>13860</c:v>
+                </c:pt>
+                <c:pt idx="26">
+                  <c:v>13860</c:v>
+                </c:pt>
+                <c:pt idx="27">
+                  <c:v>13860</c:v>
+                </c:pt>
+                <c:pt idx="28">
+                  <c:v>16380</c:v>
+                </c:pt>
+                <c:pt idx="29">
+                  <c:v>21420</c:v>
+                </c:pt>
+                <c:pt idx="30">
+                  <c:v>23940</c:v>
+                </c:pt>
+                <c:pt idx="31">
+                  <c:v>26460</c:v>
+                </c:pt>
+                <c:pt idx="32">
+                  <c:v>28980</c:v>
+                </c:pt>
+                <c:pt idx="33">
+                  <c:v>28980</c:v>
+                </c:pt>
+                <c:pt idx="34">
+                  <c:v>32760</c:v>
+                </c:pt>
+                <c:pt idx="35">
+                  <c:v>32760</c:v>
+                </c:pt>
+                <c:pt idx="36">
+                  <c:v>35280</c:v>
+                </c:pt>
+                <c:pt idx="37">
+                  <c:v>37800</c:v>
+                </c:pt>
+                <c:pt idx="38">
+                  <c:v>40320</c:v>
+                </c:pt>
+                <c:pt idx="39">
+                  <c:v>42840</c:v>
+                </c:pt>
+                <c:pt idx="40">
+                  <c:v>45360</c:v>
+                </c:pt>
+                <c:pt idx="41">
+                  <c:v>45360</c:v>
+                </c:pt>
+                <c:pt idx="42">
+                  <c:v>51660</c:v>
+                </c:pt>
+                <c:pt idx="43">
+                  <c:v>51660</c:v>
+                </c:pt>
+                <c:pt idx="44">
+                  <c:v>54180</c:v>
+                </c:pt>
+                <c:pt idx="45">
+                  <c:v>56700</c:v>
+                </c:pt>
+                <c:pt idx="46">
+                  <c:v>61740</c:v>
+                </c:pt>
+                <c:pt idx="47">
+                  <c:v>61740</c:v>
+                </c:pt>
+                <c:pt idx="48">
+                  <c:v>61740</c:v>
+                </c:pt>
+                <c:pt idx="49">
+                  <c:v>61740</c:v>
+                </c:pt>
+                <c:pt idx="50">
+                  <c:v>68040</c:v>
+                </c:pt>
+                <c:pt idx="51">
+                  <c:v>70560</c:v>
+                </c:pt>
+                <c:pt idx="52">
+                  <c:v>74340</c:v>
+                </c:pt>
+                <c:pt idx="53">
+                  <c:v>83160</c:v>
+                </c:pt>
+                <c:pt idx="54">
+                  <c:v>86940</c:v>
+                </c:pt>
+                <c:pt idx="55">
+                  <c:v>93240</c:v>
+                </c:pt>
+                <c:pt idx="56">
+                  <c:v>99540</c:v>
+                </c:pt>
+                <c:pt idx="57">
+                  <c:v>99540</c:v>
+                </c:pt>
+                <c:pt idx="58">
+                  <c:v>102060</c:v>
+                </c:pt>
+                <c:pt idx="59">
+                  <c:v>112140</c:v>
+                </c:pt>
+              </c:numCache>
+            </c:numRef>
+          </c:val>
+          <c:smooth val="0"/>
+          <c:extLst>
+            <c:ext xmlns:c16="http://schemas.microsoft.com/office/drawing/2014/chart" uri="{C3380CC4-5D6E-409C-BE32-E72D297353CC}">
+              <c16:uniqueId val="{00000007-D536-4933-ABE9-9E7DD428E1CC}"/>
+            </c:ext>
+          </c:extLst>
+        </c:ser>
+        <c:dLbls>
+          <c:showLegendKey val="0"/>
+          <c:showVal val="0"/>
+          <c:showCatName val="0"/>
+          <c:showSerName val="0"/>
+          <c:showPercent val="0"/>
+          <c:showBubbleSize val="0"/>
+        </c:dLbls>
+        <c:smooth val="0"/>
+        <c:axId val="856302144"/>
+        <c:axId val="853955088"/>
+      </c:lineChart>
+      <c:catAx>
+        <c:axId val="856302144"/>
+        <c:scaling>
+          <c:orientation val="minMax"/>
+        </c:scaling>
+        <c:delete val="1"/>
+        <c:axPos val="b"/>
+        <c:majorTickMark val="none"/>
+        <c:minorTickMark val="none"/>
+        <c:tickLblPos val="nextTo"/>
+        <c:crossAx val="853955088"/>
+        <c:crosses val="autoZero"/>
+        <c:auto val="1"/>
+        <c:lblAlgn val="ctr"/>
+        <c:lblOffset val="100"/>
+        <c:noMultiLvlLbl val="0"/>
+      </c:catAx>
+      <c:valAx>
+        <c:axId val="853955088"/>
+        <c:scaling>
+          <c:orientation val="minMax"/>
+        </c:scaling>
+        <c:delete val="0"/>
+        <c:axPos val="l"/>
+        <c:numFmt formatCode="General" sourceLinked="1"/>
+        <c:majorTickMark val="none"/>
+        <c:minorTickMark val="none"/>
+        <c:tickLblPos val="nextTo"/>
+        <c:spPr>
+          <a:noFill/>
+          <a:ln>
+            <a:noFill/>
+          </a:ln>
+          <a:effectLst/>
+        </c:spPr>
+        <c:txPr>
+          <a:bodyPr rot="-60000000" spcFirstLastPara="1" vertOverflow="ellipsis" vert="horz" wrap="square" anchor="ctr" anchorCtr="1"/>
+          <a:lstStyle/>
+          <a:p>
+            <a:pPr>
+              <a:defRPr sz="1200" b="0" i="0" u="none" strike="noStrike" kern="1200" baseline="0">
+                <a:solidFill>
+                  <a:schemeClr val="tx1"/>
+                </a:solidFill>
+                <a:latin typeface="Maiandra GD" panose="020E0502030308020204" pitchFamily="34" charset="0"/>
+                <a:ea typeface="+mn-ea"/>
+                <a:cs typeface="+mn-cs"/>
+              </a:defRPr>
+            </a:pPr>
+            <a:endParaRPr lang="en-IL"/>
+          </a:p>
+        </c:txPr>
+        <c:crossAx val="856302144"/>
+        <c:crosses val="autoZero"/>
+        <c:crossBetween val="between"/>
+      </c:valAx>
+      <c:spPr>
+        <a:noFill/>
+        <a:ln>
+          <a:noFill/>
+        </a:ln>
+        <a:effectLst/>
+      </c:spPr>
+    </c:plotArea>
+    <c:legend>
+      <c:legendPos val="r"/>
+      <c:legendEntry>
+        <c:idx val="0"/>
+        <c:delete val="1"/>
+      </c:legendEntry>
+      <c:overlay val="0"/>
+      <c:spPr>
+        <a:noFill/>
+        <a:ln>
+          <a:noFill/>
+        </a:ln>
+        <a:effectLst/>
+      </c:spPr>
+      <c:txPr>
+        <a:bodyPr rot="0" spcFirstLastPara="1" vertOverflow="ellipsis" vert="horz" wrap="square" anchor="ctr" anchorCtr="1"/>
+        <a:lstStyle/>
+        <a:p>
+          <a:pPr>
+            <a:defRPr sz="1200" b="0" i="0" u="none" strike="noStrike" kern="1200" baseline="0">
+              <a:solidFill>
+                <a:schemeClr val="tx1"/>
+              </a:solidFill>
+              <a:latin typeface="Maiandra GD" panose="020E0502030308020204" pitchFamily="34" charset="0"/>
+              <a:ea typeface="+mn-ea"/>
+              <a:cs typeface="+mn-cs"/>
+            </a:defRPr>
+          </a:pPr>
+          <a:endParaRPr lang="en-IL"/>
+        </a:p>
+      </c:txPr>
+    </c:legend>
+    <c:plotVisOnly val="1"/>
+    <c:dispBlanksAs val="gap"/>
+    <c:extLst>
+      <c:ext xmlns:c16r3="http://schemas.microsoft.com/office/drawing/2017/03/chart" uri="{56B9EC1D-385E-4148-901F-78D8002777C0}">
+        <c16r3:dataDisplayOptions16>
+          <c16r3:dispNaAsBlank val="1"/>
+        </c16r3:dataDisplayOptions16>
+      </c:ext>
+    </c:extLst>
+    <c:showDLblsOverMax val="0"/>
+  </c:chart>
+  <c:spPr>
+    <a:solidFill>
+      <a:schemeClr val="bg1"/>
+    </a:solidFill>
+    <a:ln w="9525" cap="flat" cmpd="sng" algn="ctr">
+      <a:solidFill>
+        <a:schemeClr val="tx1"/>
+      </a:solidFill>
+      <a:round/>
+    </a:ln>
+    <a:effectLst/>
+  </c:spPr>
+  <c:txPr>
+    <a:bodyPr/>
+    <a:lstStyle/>
+    <a:p>
+      <a:pPr>
+        <a:defRPr sz="1200">
+          <a:solidFill>
+            <a:schemeClr val="tx1"/>
+          </a:solidFill>
+          <a:latin typeface="Maiandra GD" panose="020E0502030308020204" pitchFamily="34" charset="0"/>
+        </a:defRPr>
+      </a:pPr>
+      <a:endParaRPr lang="en-IL"/>
+    </a:p>
+  </c:txPr>
+  <c:externalData r:id="rId3">
+    <c:autoUpdate val="0"/>
+  </c:externalData>
+</c:chartSpace>
+</file>
+
+<file path=ppt/charts/chart8.xml><?xml version="1.0" encoding="utf-8"?>
+<c:chartSpace xmlns:c="http://schemas.openxmlformats.org/drawingml/2006/chart" xmlns:a="http://schemas.openxmlformats.org/drawingml/2006/main" xmlns:r="http://schemas.openxmlformats.org/officeDocument/2006/relationships" xmlns:c16r2="http://schemas.microsoft.com/office/drawing/2015/06/chart">
+  <c:date1904 val="0"/>
+  <c:lang val="en-US"/>
+  <c:roundedCorners val="0"/>
+  <mc:AlternateContent xmlns:mc="http://schemas.openxmlformats.org/markup-compatibility/2006">
+    <mc:Choice xmlns:c14="http://schemas.microsoft.com/office/drawing/2007/8/2/chart" Requires="c14">
+      <c14:style val="102"/>
+    </mc:Choice>
+    <mc:Fallback>
+      <c:style val="2"/>
+    </mc:Fallback>
+  </mc:AlternateContent>
+  <c:chart>
+    <c:autoTitleDeleted val="1"/>
+    <c:plotArea>
+      <c:layout/>
+      <c:lineChart>
+        <c:grouping val="standard"/>
+        <c:varyColors val="0"/>
+        <c:ser>
+          <c:idx val="0"/>
+          <c:order val="0"/>
+          <c:tx>
+            <c:strRef>
+              <c:f>Sheet3!$A$1</c:f>
+              <c:strCache>
+                <c:ptCount val="1"/>
+                <c:pt idx="0">
+                  <c:v>Row Labels</c:v>
+                </c:pt>
+              </c:strCache>
+            </c:strRef>
+          </c:tx>
+          <c:spPr>
+            <a:ln w="28575" cap="rnd">
+              <a:solidFill>
+                <a:schemeClr val="accent1"/>
+              </a:solidFill>
+              <a:round/>
+            </a:ln>
+            <a:effectLst/>
+          </c:spPr>
+          <c:marker>
+            <c:symbol val="none"/>
+          </c:marker>
+          <c:val>
+            <c:numRef>
+              <c:f>Sheet3!$A$2:$A$61</c:f>
+              <c:numCache>
+                <c:formatCode>General</c:formatCode>
+                <c:ptCount val="60"/>
+                <c:pt idx="0">
+                  <c:v>1</c:v>
+                </c:pt>
+                <c:pt idx="1">
+                  <c:v>2</c:v>
+                </c:pt>
+                <c:pt idx="2">
+                  <c:v>3</c:v>
+                </c:pt>
+                <c:pt idx="3">
+                  <c:v>4</c:v>
+                </c:pt>
+                <c:pt idx="4">
+                  <c:v>5</c:v>
+                </c:pt>
+                <c:pt idx="5">
+                  <c:v>6</c:v>
+                </c:pt>
+                <c:pt idx="6">
+                  <c:v>7</c:v>
+                </c:pt>
+                <c:pt idx="7">
+                  <c:v>8</c:v>
+                </c:pt>
+                <c:pt idx="8">
+                  <c:v>9</c:v>
+                </c:pt>
+                <c:pt idx="9">
+                  <c:v>10</c:v>
+                </c:pt>
+                <c:pt idx="10">
+                  <c:v>11</c:v>
+                </c:pt>
+                <c:pt idx="11">
+                  <c:v>12</c:v>
+                </c:pt>
+                <c:pt idx="12">
+                  <c:v>13</c:v>
+                </c:pt>
+                <c:pt idx="13">
+                  <c:v>14</c:v>
+                </c:pt>
+                <c:pt idx="14">
+                  <c:v>15</c:v>
+                </c:pt>
+                <c:pt idx="15">
+                  <c:v>16</c:v>
+                </c:pt>
+                <c:pt idx="16">
+                  <c:v>17</c:v>
+                </c:pt>
+                <c:pt idx="17">
+                  <c:v>18</c:v>
+                </c:pt>
+                <c:pt idx="18">
+                  <c:v>19</c:v>
+                </c:pt>
+                <c:pt idx="19">
+                  <c:v>20</c:v>
+                </c:pt>
+                <c:pt idx="20">
+                  <c:v>21</c:v>
+                </c:pt>
+                <c:pt idx="21">
+                  <c:v>22</c:v>
+                </c:pt>
+                <c:pt idx="22">
+                  <c:v>23</c:v>
+                </c:pt>
+                <c:pt idx="23">
+                  <c:v>24</c:v>
+                </c:pt>
+                <c:pt idx="24">
+                  <c:v>25</c:v>
+                </c:pt>
+                <c:pt idx="25">
+                  <c:v>26</c:v>
+                </c:pt>
+                <c:pt idx="26">
+                  <c:v>27</c:v>
+                </c:pt>
+                <c:pt idx="27">
+                  <c:v>28</c:v>
+                </c:pt>
+                <c:pt idx="28">
+                  <c:v>29</c:v>
+                </c:pt>
+                <c:pt idx="29">
+                  <c:v>30</c:v>
+                </c:pt>
+                <c:pt idx="30">
+                  <c:v>31</c:v>
+                </c:pt>
+                <c:pt idx="31">
+                  <c:v>32</c:v>
+                </c:pt>
+                <c:pt idx="32">
+                  <c:v>33</c:v>
+                </c:pt>
+                <c:pt idx="33">
+                  <c:v>34</c:v>
+                </c:pt>
+                <c:pt idx="34">
+                  <c:v>35</c:v>
+                </c:pt>
+                <c:pt idx="35">
+                  <c:v>36</c:v>
+                </c:pt>
+                <c:pt idx="36">
+                  <c:v>37</c:v>
+                </c:pt>
+                <c:pt idx="37">
+                  <c:v>38</c:v>
+                </c:pt>
+                <c:pt idx="38">
+                  <c:v>39</c:v>
+                </c:pt>
+                <c:pt idx="39">
+                  <c:v>40</c:v>
+                </c:pt>
+                <c:pt idx="40">
+                  <c:v>41</c:v>
+                </c:pt>
+                <c:pt idx="41">
+                  <c:v>42</c:v>
+                </c:pt>
+                <c:pt idx="42">
+                  <c:v>43</c:v>
+                </c:pt>
+                <c:pt idx="43">
+                  <c:v>44</c:v>
+                </c:pt>
+                <c:pt idx="44">
+                  <c:v>45</c:v>
+                </c:pt>
+                <c:pt idx="45">
+                  <c:v>46</c:v>
+                </c:pt>
+                <c:pt idx="46">
+                  <c:v>47</c:v>
+                </c:pt>
+                <c:pt idx="47">
+                  <c:v>48</c:v>
+                </c:pt>
+                <c:pt idx="48">
+                  <c:v>49</c:v>
+                </c:pt>
+                <c:pt idx="49">
+                  <c:v>50</c:v>
+                </c:pt>
+                <c:pt idx="50">
+                  <c:v>51</c:v>
+                </c:pt>
+                <c:pt idx="51">
+                  <c:v>52</c:v>
+                </c:pt>
+                <c:pt idx="52">
+                  <c:v>53</c:v>
+                </c:pt>
+                <c:pt idx="53">
+                  <c:v>54</c:v>
+                </c:pt>
+                <c:pt idx="54">
+                  <c:v>55</c:v>
+                </c:pt>
+                <c:pt idx="55">
+                  <c:v>56</c:v>
+                </c:pt>
+                <c:pt idx="56">
+                  <c:v>57</c:v>
+                </c:pt>
+                <c:pt idx="57">
+                  <c:v>58</c:v>
+                </c:pt>
+                <c:pt idx="58">
+                  <c:v>59</c:v>
+                </c:pt>
+                <c:pt idx="59">
+                  <c:v>60</c:v>
+                </c:pt>
+              </c:numCache>
+            </c:numRef>
+          </c:val>
+          <c:smooth val="0"/>
+          <c:extLst>
+            <c:ext xmlns:c16="http://schemas.microsoft.com/office/drawing/2014/chart" uri="{C3380CC4-5D6E-409C-BE32-E72D297353CC}">
+              <c16:uniqueId val="{00000000-C67A-425C-8976-F95078F02586}"/>
+            </c:ext>
+          </c:extLst>
+        </c:ser>
+        <c:ser>
+          <c:idx val="1"/>
+          <c:order val="1"/>
+          <c:tx>
+            <c:strRef>
+              <c:f>Sheet3!$B$1</c:f>
+              <c:strCache>
+                <c:ptCount val="1"/>
+                <c:pt idx="0">
+                  <c:v>Distance</c:v>
+                </c:pt>
+              </c:strCache>
+            </c:strRef>
+          </c:tx>
+          <c:spPr>
+            <a:ln w="28575" cap="rnd">
+              <a:solidFill>
+                <a:schemeClr val="accent2"/>
+              </a:solidFill>
+              <a:round/>
+            </a:ln>
+            <a:effectLst/>
+          </c:spPr>
+          <c:marker>
+            <c:symbol val="none"/>
+          </c:marker>
+          <c:val>
+            <c:numRef>
+              <c:f>Sheet3!$B$2:$B$61</c:f>
+              <c:numCache>
+                <c:formatCode>General</c:formatCode>
+                <c:ptCount val="60"/>
+                <c:pt idx="0">
+                  <c:v>0</c:v>
+                </c:pt>
+                <c:pt idx="1">
+                  <c:v>0</c:v>
+                </c:pt>
+                <c:pt idx="2">
+                  <c:v>0</c:v>
+                </c:pt>
+                <c:pt idx="3">
+                  <c:v>0</c:v>
+                </c:pt>
+                <c:pt idx="4">
+                  <c:v>0</c:v>
+                </c:pt>
+                <c:pt idx="5">
+                  <c:v>0</c:v>
+                </c:pt>
+                <c:pt idx="6">
+                  <c:v>0</c:v>
+                </c:pt>
+                <c:pt idx="7">
+                  <c:v>0</c:v>
+                </c:pt>
+                <c:pt idx="8">
+                  <c:v>0</c:v>
+                </c:pt>
+                <c:pt idx="9">
+                  <c:v>0</c:v>
+                </c:pt>
+                <c:pt idx="10">
+                  <c:v>0</c:v>
+                </c:pt>
+                <c:pt idx="11">
+                  <c:v>0</c:v>
+                </c:pt>
+                <c:pt idx="12">
+                  <c:v>0</c:v>
+                </c:pt>
+                <c:pt idx="13">
+                  <c:v>0</c:v>
+                </c:pt>
+                <c:pt idx="14">
+                  <c:v>0</c:v>
+                </c:pt>
+                <c:pt idx="15">
+                  <c:v>0</c:v>
+                </c:pt>
+                <c:pt idx="16">
+                  <c:v>0</c:v>
+                </c:pt>
+                <c:pt idx="17">
+                  <c:v>0</c:v>
+                </c:pt>
+                <c:pt idx="18">
+                  <c:v>8</c:v>
+                </c:pt>
+                <c:pt idx="19">
+                  <c:v>22</c:v>
+                </c:pt>
+                <c:pt idx="20">
+                  <c:v>12632</c:v>
+                </c:pt>
+                <c:pt idx="21">
+                  <c:v>12632</c:v>
+                </c:pt>
+                <c:pt idx="22">
+                  <c:v>12632</c:v>
+                </c:pt>
+                <c:pt idx="23">
+                  <c:v>12632</c:v>
+                </c:pt>
+                <c:pt idx="24">
+                  <c:v>12632</c:v>
+                </c:pt>
+                <c:pt idx="25">
+                  <c:v>12632</c:v>
+                </c:pt>
+                <c:pt idx="26">
+                  <c:v>12632</c:v>
+                </c:pt>
+                <c:pt idx="27">
+                  <c:v>12632</c:v>
+                </c:pt>
+                <c:pt idx="28">
+                  <c:v>12632</c:v>
+                </c:pt>
+                <c:pt idx="29">
+                  <c:v>12632</c:v>
+                </c:pt>
+                <c:pt idx="30">
+                  <c:v>12632</c:v>
+                </c:pt>
+                <c:pt idx="31">
+                  <c:v>12632</c:v>
+                </c:pt>
+                <c:pt idx="32">
+                  <c:v>12632</c:v>
+                </c:pt>
+                <c:pt idx="33">
+                  <c:v>12632</c:v>
+                </c:pt>
+                <c:pt idx="34">
+                  <c:v>12642</c:v>
+                </c:pt>
+                <c:pt idx="35">
+                  <c:v>12656</c:v>
+                </c:pt>
+                <c:pt idx="36">
+                  <c:v>12676</c:v>
+                </c:pt>
+                <c:pt idx="37">
+                  <c:v>25286</c:v>
+                </c:pt>
+                <c:pt idx="38">
+                  <c:v>25286</c:v>
+                </c:pt>
+                <c:pt idx="39">
+                  <c:v>25286</c:v>
+                </c:pt>
+                <c:pt idx="40">
+                  <c:v>25286</c:v>
+                </c:pt>
+                <c:pt idx="41">
+                  <c:v>25286</c:v>
+                </c:pt>
+                <c:pt idx="42">
+                  <c:v>25286</c:v>
+                </c:pt>
+                <c:pt idx="43">
+                  <c:v>25286</c:v>
+                </c:pt>
+                <c:pt idx="44">
+                  <c:v>25286</c:v>
+                </c:pt>
+                <c:pt idx="45">
+                  <c:v>25286</c:v>
+                </c:pt>
+                <c:pt idx="46">
+                  <c:v>25286</c:v>
+                </c:pt>
+                <c:pt idx="47">
+                  <c:v>25286</c:v>
+                </c:pt>
+                <c:pt idx="48">
+                  <c:v>25300</c:v>
+                </c:pt>
+                <c:pt idx="49">
+                  <c:v>37910</c:v>
+                </c:pt>
+                <c:pt idx="50">
+                  <c:v>37910</c:v>
+                </c:pt>
+                <c:pt idx="51">
+                  <c:v>37910</c:v>
+                </c:pt>
+                <c:pt idx="52">
+                  <c:v>37910</c:v>
+                </c:pt>
+                <c:pt idx="53">
+                  <c:v>37910</c:v>
+                </c:pt>
+                <c:pt idx="54">
+                  <c:v>37910</c:v>
+                </c:pt>
+                <c:pt idx="55">
+                  <c:v>37914</c:v>
+                </c:pt>
+                <c:pt idx="56">
+                  <c:v>50524</c:v>
+                </c:pt>
+                <c:pt idx="57">
+                  <c:v>50524</c:v>
+                </c:pt>
+                <c:pt idx="58">
+                  <c:v>50528</c:v>
+                </c:pt>
+                <c:pt idx="59">
+                  <c:v>50544</c:v>
+                </c:pt>
+              </c:numCache>
+            </c:numRef>
+          </c:val>
+          <c:smooth val="0"/>
+          <c:extLst>
+            <c:ext xmlns:c16="http://schemas.microsoft.com/office/drawing/2014/chart" uri="{C3380CC4-5D6E-409C-BE32-E72D297353CC}">
+              <c16:uniqueId val="{00000001-C67A-425C-8976-F95078F02586}"/>
+            </c:ext>
+          </c:extLst>
+        </c:ser>
+        <c:ser>
+          <c:idx val="3"/>
+          <c:order val="2"/>
+          <c:tx>
+            <c:strRef>
+              <c:f>Sheet3!$D$1</c:f>
+              <c:strCache>
+                <c:ptCount val="1"/>
+                <c:pt idx="0">
+                  <c:v>Oracle</c:v>
+                </c:pt>
+              </c:strCache>
+            </c:strRef>
+          </c:tx>
+          <c:spPr>
+            <a:ln w="28575" cap="rnd">
+              <a:solidFill>
+                <a:schemeClr val="accent4"/>
+              </a:solidFill>
+              <a:round/>
+            </a:ln>
+            <a:effectLst/>
+          </c:spPr>
+          <c:marker>
+            <c:symbol val="none"/>
+          </c:marker>
+          <c:val>
+            <c:numRef>
+              <c:f>Sheet3!$D$2:$D$61</c:f>
+              <c:numCache>
+                <c:formatCode>General</c:formatCode>
+                <c:ptCount val="60"/>
+                <c:pt idx="0">
+                  <c:v>0</c:v>
+                </c:pt>
+                <c:pt idx="1">
+                  <c:v>0</c:v>
+                </c:pt>
+                <c:pt idx="2">
+                  <c:v>0</c:v>
+                </c:pt>
+                <c:pt idx="3">
+                  <c:v>0</c:v>
+                </c:pt>
+                <c:pt idx="4">
+                  <c:v>0</c:v>
+                </c:pt>
+                <c:pt idx="5">
+                  <c:v>0</c:v>
+                </c:pt>
+                <c:pt idx="6">
+                  <c:v>0</c:v>
+                </c:pt>
+                <c:pt idx="7">
+                  <c:v>0</c:v>
+                </c:pt>
+                <c:pt idx="8">
+                  <c:v>0</c:v>
+                </c:pt>
+                <c:pt idx="9">
+                  <c:v>0</c:v>
+                </c:pt>
+                <c:pt idx="10">
+                  <c:v>0</c:v>
+                </c:pt>
+                <c:pt idx="11">
+                  <c:v>0</c:v>
+                </c:pt>
+                <c:pt idx="12">
+                  <c:v>0</c:v>
+                </c:pt>
+                <c:pt idx="13">
+                  <c:v>0</c:v>
+                </c:pt>
+                <c:pt idx="14">
+                  <c:v>0</c:v>
+                </c:pt>
+                <c:pt idx="15">
+                  <c:v>0</c:v>
+                </c:pt>
+                <c:pt idx="16">
+                  <c:v>0</c:v>
+                </c:pt>
+                <c:pt idx="17">
+                  <c:v>0</c:v>
+                </c:pt>
+                <c:pt idx="18">
+                  <c:v>0</c:v>
+                </c:pt>
+                <c:pt idx="19">
+                  <c:v>0</c:v>
+                </c:pt>
+                <c:pt idx="20">
+                  <c:v>0</c:v>
+                </c:pt>
+                <c:pt idx="21">
+                  <c:v>0</c:v>
+                </c:pt>
+                <c:pt idx="22">
+                  <c:v>0</c:v>
+                </c:pt>
+                <c:pt idx="23">
+                  <c:v>0</c:v>
+                </c:pt>
+                <c:pt idx="24">
+                  <c:v>0</c:v>
+                </c:pt>
+                <c:pt idx="25">
+                  <c:v>0</c:v>
+                </c:pt>
+                <c:pt idx="26">
+                  <c:v>0</c:v>
+                </c:pt>
+                <c:pt idx="27">
+                  <c:v>0</c:v>
+                </c:pt>
+                <c:pt idx="28">
+                  <c:v>0</c:v>
+                </c:pt>
+                <c:pt idx="29">
+                  <c:v>0</c:v>
+                </c:pt>
+                <c:pt idx="30">
+                  <c:v>0</c:v>
+                </c:pt>
+                <c:pt idx="31">
+                  <c:v>0</c:v>
+                </c:pt>
+                <c:pt idx="32">
+                  <c:v>0</c:v>
+                </c:pt>
+                <c:pt idx="33">
+                  <c:v>0</c:v>
+                </c:pt>
+                <c:pt idx="34">
+                  <c:v>0</c:v>
+                </c:pt>
+                <c:pt idx="35">
+                  <c:v>0</c:v>
+                </c:pt>
+                <c:pt idx="36">
+                  <c:v>0</c:v>
+                </c:pt>
+                <c:pt idx="37">
+                  <c:v>0</c:v>
+                </c:pt>
+                <c:pt idx="38">
+                  <c:v>0</c:v>
+                </c:pt>
+                <c:pt idx="39">
+                  <c:v>0</c:v>
+                </c:pt>
+                <c:pt idx="40">
+                  <c:v>0</c:v>
+                </c:pt>
+                <c:pt idx="41">
+                  <c:v>0</c:v>
+                </c:pt>
+                <c:pt idx="42">
+                  <c:v>0</c:v>
+                </c:pt>
+                <c:pt idx="43">
+                  <c:v>0</c:v>
+                </c:pt>
+                <c:pt idx="44">
+                  <c:v>0</c:v>
+                </c:pt>
+                <c:pt idx="45">
+                  <c:v>0</c:v>
+                </c:pt>
+                <c:pt idx="46">
+                  <c:v>0</c:v>
+                </c:pt>
+                <c:pt idx="47">
+                  <c:v>0</c:v>
+                </c:pt>
+                <c:pt idx="48">
+                  <c:v>0</c:v>
+                </c:pt>
+                <c:pt idx="49">
+                  <c:v>0</c:v>
+                </c:pt>
+                <c:pt idx="50">
+                  <c:v>0</c:v>
+                </c:pt>
+                <c:pt idx="51">
+                  <c:v>0</c:v>
+                </c:pt>
+                <c:pt idx="52">
+                  <c:v>0</c:v>
+                </c:pt>
+                <c:pt idx="53">
+                  <c:v>0</c:v>
+                </c:pt>
+                <c:pt idx="54">
+                  <c:v>0</c:v>
+                </c:pt>
+                <c:pt idx="55">
+                  <c:v>0</c:v>
+                </c:pt>
+                <c:pt idx="56">
+                  <c:v>0</c:v>
+                </c:pt>
+                <c:pt idx="57">
+                  <c:v>0</c:v>
+                </c:pt>
+                <c:pt idx="58">
+                  <c:v>0</c:v>
+                </c:pt>
+                <c:pt idx="59">
+                  <c:v>0</c:v>
+                </c:pt>
+              </c:numCache>
+            </c:numRef>
+          </c:val>
+          <c:smooth val="0"/>
+          <c:extLst>
+            <c:ext xmlns:c16="http://schemas.microsoft.com/office/drawing/2014/chart" uri="{C3380CC4-5D6E-409C-BE32-E72D297353CC}">
+              <c16:uniqueId val="{00000002-C67A-425C-8976-F95078F02586}"/>
+            </c:ext>
+          </c:extLst>
+        </c:ser>
+        <c:ser>
+          <c:idx val="4"/>
+          <c:order val="3"/>
+          <c:tx>
+            <c:strRef>
+              <c:f>Sheet3!$E$1</c:f>
+              <c:strCache>
+                <c:ptCount val="1"/>
+                <c:pt idx="0">
+                  <c:v>SKD</c:v>
+                </c:pt>
+              </c:strCache>
+            </c:strRef>
+          </c:tx>
+          <c:spPr>
+            <a:ln w="28575" cap="rnd">
+              <a:solidFill>
+                <a:schemeClr val="accent5"/>
+              </a:solidFill>
+              <a:round/>
+            </a:ln>
+            <a:effectLst/>
+          </c:spPr>
+          <c:marker>
+            <c:symbol val="none"/>
+          </c:marker>
+          <c:val>
+            <c:numRef>
+              <c:f>Sheet3!$E$2:$E$61</c:f>
+              <c:numCache>
+                <c:formatCode>General</c:formatCode>
+                <c:ptCount val="60"/>
+                <c:pt idx="0">
+                  <c:v>0</c:v>
+                </c:pt>
+                <c:pt idx="1">
+                  <c:v>0</c:v>
+                </c:pt>
+                <c:pt idx="2">
+                  <c:v>0</c:v>
+                </c:pt>
+                <c:pt idx="3">
+                  <c:v>0</c:v>
+                </c:pt>
+                <c:pt idx="4">
+                  <c:v>0</c:v>
+                </c:pt>
+                <c:pt idx="5">
+                  <c:v>0</c:v>
+                </c:pt>
+                <c:pt idx="6">
+                  <c:v>0</c:v>
+                </c:pt>
+                <c:pt idx="7">
+                  <c:v>0</c:v>
+                </c:pt>
+                <c:pt idx="8">
+                  <c:v>0</c:v>
+                </c:pt>
+                <c:pt idx="9">
+                  <c:v>0</c:v>
+                </c:pt>
+                <c:pt idx="10">
+                  <c:v>0</c:v>
+                </c:pt>
+                <c:pt idx="11">
+                  <c:v>0</c:v>
+                </c:pt>
+                <c:pt idx="12">
+                  <c:v>0</c:v>
+                </c:pt>
+                <c:pt idx="13">
+                  <c:v>0</c:v>
+                </c:pt>
+                <c:pt idx="14">
+                  <c:v>0</c:v>
+                </c:pt>
+                <c:pt idx="15">
+                  <c:v>0</c:v>
+                </c:pt>
+                <c:pt idx="16">
+                  <c:v>0</c:v>
+                </c:pt>
+                <c:pt idx="17">
+                  <c:v>0</c:v>
+                </c:pt>
+                <c:pt idx="18">
+                  <c:v>10</c:v>
+                </c:pt>
+                <c:pt idx="19">
+                  <c:v>24</c:v>
+                </c:pt>
+                <c:pt idx="20">
+                  <c:v>1358</c:v>
+                </c:pt>
+                <c:pt idx="21">
+                  <c:v>2646</c:v>
+                </c:pt>
+                <c:pt idx="22">
+                  <c:v>3946</c:v>
+                </c:pt>
+                <c:pt idx="23">
+                  <c:v>6796</c:v>
+                </c:pt>
+                <c:pt idx="24">
+                  <c:v>6816</c:v>
+                </c:pt>
+                <c:pt idx="25">
+                  <c:v>9744</c:v>
+                </c:pt>
+                <c:pt idx="26">
+                  <c:v>12670</c:v>
+                </c:pt>
+                <c:pt idx="27">
+                  <c:v>15610</c:v>
+                </c:pt>
+                <c:pt idx="28">
+                  <c:v>15624</c:v>
+                </c:pt>
+                <c:pt idx="29">
+                  <c:v>15638</c:v>
+                </c:pt>
+                <c:pt idx="30">
+                  <c:v>18530</c:v>
+                </c:pt>
+                <c:pt idx="31">
+                  <c:v>19816</c:v>
+                </c:pt>
+                <c:pt idx="32">
+                  <c:v>22778</c:v>
+                </c:pt>
+                <c:pt idx="33">
+                  <c:v>24076</c:v>
+                </c:pt>
+                <c:pt idx="34">
+                  <c:v>25406</c:v>
+                </c:pt>
+                <c:pt idx="35">
+                  <c:v>25856</c:v>
+                </c:pt>
+                <c:pt idx="36">
+                  <c:v>31656</c:v>
+                </c:pt>
+                <c:pt idx="37">
+                  <c:v>34524</c:v>
+                </c:pt>
+                <c:pt idx="38">
+                  <c:v>34978</c:v>
+                </c:pt>
+                <c:pt idx="39">
+                  <c:v>34998</c:v>
+                </c:pt>
+                <c:pt idx="40">
+                  <c:v>40808</c:v>
+                </c:pt>
+                <c:pt idx="41">
+                  <c:v>40822</c:v>
+                </c:pt>
+                <c:pt idx="42">
+                  <c:v>42112</c:v>
+                </c:pt>
+                <c:pt idx="43">
+                  <c:v>48038</c:v>
+                </c:pt>
+                <c:pt idx="44">
+                  <c:v>48058</c:v>
+                </c:pt>
+                <c:pt idx="45">
+                  <c:v>53928</c:v>
+                </c:pt>
+                <c:pt idx="46">
+                  <c:v>53946</c:v>
+                </c:pt>
+                <c:pt idx="47">
+                  <c:v>53960</c:v>
+                </c:pt>
+                <c:pt idx="48">
+                  <c:v>64568</c:v>
+                </c:pt>
+                <c:pt idx="49">
+                  <c:v>64580</c:v>
+                </c:pt>
+                <c:pt idx="50">
+                  <c:v>70350</c:v>
+                </c:pt>
+                <c:pt idx="51">
+                  <c:v>70370</c:v>
+                </c:pt>
+                <c:pt idx="52">
+                  <c:v>81090</c:v>
+                </c:pt>
+                <c:pt idx="53">
+                  <c:v>91756</c:v>
+                </c:pt>
+                <c:pt idx="54">
+                  <c:v>97498</c:v>
+                </c:pt>
+                <c:pt idx="55">
+                  <c:v>103222</c:v>
+                </c:pt>
+                <c:pt idx="56">
+                  <c:v>106192</c:v>
+                </c:pt>
+                <c:pt idx="57">
+                  <c:v>133654</c:v>
+                </c:pt>
+                <c:pt idx="58">
+                  <c:v>133654</c:v>
+                </c:pt>
+                <c:pt idx="59">
+                  <c:v>133666</c:v>
+                </c:pt>
+              </c:numCache>
+            </c:numRef>
+          </c:val>
+          <c:smooth val="0"/>
+          <c:extLst>
+            <c:ext xmlns:c16="http://schemas.microsoft.com/office/drawing/2014/chart" uri="{C3380CC4-5D6E-409C-BE32-E72D297353CC}">
+              <c16:uniqueId val="{00000003-C67A-425C-8976-F95078F02586}"/>
+            </c:ext>
+          </c:extLst>
+        </c:ser>
+        <c:ser>
+          <c:idx val="5"/>
+          <c:order val="4"/>
+          <c:tx>
+            <c:strRef>
+              <c:f>Sheet3!$F$1</c:f>
+              <c:strCache>
+                <c:ptCount val="1"/>
+                <c:pt idx="0">
+                  <c:v>SKV</c:v>
+                </c:pt>
+              </c:strCache>
+            </c:strRef>
+          </c:tx>
+          <c:spPr>
+            <a:ln w="28575" cap="rnd">
+              <a:solidFill>
+                <a:schemeClr val="accent6"/>
+              </a:solidFill>
+              <a:round/>
+            </a:ln>
+            <a:effectLst/>
+          </c:spPr>
+          <c:marker>
+            <c:symbol val="none"/>
+          </c:marker>
+          <c:val>
+            <c:numRef>
+              <c:f>Sheet3!$F$2:$F$61</c:f>
+              <c:numCache>
+                <c:formatCode>General</c:formatCode>
+                <c:ptCount val="60"/>
+                <c:pt idx="0">
+                  <c:v>0</c:v>
+                </c:pt>
+                <c:pt idx="1">
+                  <c:v>0</c:v>
+                </c:pt>
+                <c:pt idx="2">
+                  <c:v>0</c:v>
+                </c:pt>
+                <c:pt idx="3">
+                  <c:v>0</c:v>
+                </c:pt>
+                <c:pt idx="4">
+                  <c:v>0</c:v>
+                </c:pt>
+                <c:pt idx="5">
+                  <c:v>0</c:v>
+                </c:pt>
+                <c:pt idx="6">
+                  <c:v>0</c:v>
+                </c:pt>
+                <c:pt idx="7">
+                  <c:v>0</c:v>
+                </c:pt>
+                <c:pt idx="8">
+                  <c:v>0</c:v>
+                </c:pt>
+                <c:pt idx="9">
+                  <c:v>0</c:v>
+                </c:pt>
+                <c:pt idx="10">
+                  <c:v>0</c:v>
+                </c:pt>
+                <c:pt idx="11">
+                  <c:v>0</c:v>
+                </c:pt>
+                <c:pt idx="12">
+                  <c:v>0</c:v>
+                </c:pt>
+                <c:pt idx="13">
+                  <c:v>0</c:v>
+                </c:pt>
+                <c:pt idx="14">
+                  <c:v>0</c:v>
+                </c:pt>
+                <c:pt idx="15">
+                  <c:v>0</c:v>
+                </c:pt>
+                <c:pt idx="16">
+                  <c:v>0</c:v>
+                </c:pt>
+                <c:pt idx="17">
+                  <c:v>0</c:v>
+                </c:pt>
+                <c:pt idx="18">
+                  <c:v>12</c:v>
+                </c:pt>
+                <c:pt idx="19">
+                  <c:v>480</c:v>
+                </c:pt>
+                <c:pt idx="20">
+                  <c:v>1788</c:v>
+                </c:pt>
+                <c:pt idx="21">
+                  <c:v>4624</c:v>
+                </c:pt>
+                <c:pt idx="22">
+                  <c:v>5074</c:v>
+                </c:pt>
+                <c:pt idx="23">
+                  <c:v>7930</c:v>
+                </c:pt>
+                <c:pt idx="24">
+                  <c:v>7950</c:v>
+                </c:pt>
+                <c:pt idx="25">
+                  <c:v>10880</c:v>
+                </c:pt>
+                <c:pt idx="26">
+                  <c:v>12168</c:v>
+                </c:pt>
+                <c:pt idx="27">
+                  <c:v>15134</c:v>
+                </c:pt>
+                <c:pt idx="28">
+                  <c:v>15150</c:v>
+                </c:pt>
+                <c:pt idx="29">
+                  <c:v>18072</c:v>
+                </c:pt>
+                <c:pt idx="30">
+                  <c:v>19368</c:v>
+                </c:pt>
+                <c:pt idx="31">
+                  <c:v>20646</c:v>
+                </c:pt>
+                <c:pt idx="32">
+                  <c:v>21940</c:v>
+                </c:pt>
+                <c:pt idx="33">
+                  <c:v>24824</c:v>
+                </c:pt>
+                <c:pt idx="34">
+                  <c:v>30598</c:v>
+                </c:pt>
+                <c:pt idx="35">
+                  <c:v>30614</c:v>
+                </c:pt>
+                <c:pt idx="36">
+                  <c:v>31922</c:v>
+                </c:pt>
+                <c:pt idx="37">
+                  <c:v>34758</c:v>
+                </c:pt>
+                <c:pt idx="38">
+                  <c:v>36036</c:v>
+                </c:pt>
+                <c:pt idx="39">
+                  <c:v>37346</c:v>
+                </c:pt>
+                <c:pt idx="40">
+                  <c:v>40252</c:v>
+                </c:pt>
+                <c:pt idx="41">
+                  <c:v>43138</c:v>
+                </c:pt>
+                <c:pt idx="42">
+                  <c:v>46034</c:v>
+                </c:pt>
+                <c:pt idx="43">
+                  <c:v>51794</c:v>
+                </c:pt>
+                <c:pt idx="44">
+                  <c:v>52244</c:v>
+                </c:pt>
+                <c:pt idx="45">
+                  <c:v>55182</c:v>
+                </c:pt>
+                <c:pt idx="46">
+                  <c:v>58040</c:v>
+                </c:pt>
+                <c:pt idx="47">
+                  <c:v>61030</c:v>
+                </c:pt>
+                <c:pt idx="48">
+                  <c:v>67012</c:v>
+                </c:pt>
+                <c:pt idx="49">
+                  <c:v>67458</c:v>
+                </c:pt>
+                <c:pt idx="50">
+                  <c:v>77834</c:v>
+                </c:pt>
+                <c:pt idx="51">
+                  <c:v>77842</c:v>
+                </c:pt>
+                <c:pt idx="52">
+                  <c:v>83692</c:v>
+                </c:pt>
+                <c:pt idx="53">
+                  <c:v>94300</c:v>
+                </c:pt>
+                <c:pt idx="54">
+                  <c:v>94320</c:v>
+                </c:pt>
+                <c:pt idx="55">
+                  <c:v>121670</c:v>
+                </c:pt>
+                <c:pt idx="56">
+                  <c:v>121670</c:v>
+                </c:pt>
+                <c:pt idx="57">
+                  <c:v>121670</c:v>
+                </c:pt>
+                <c:pt idx="58">
+                  <c:v>121678</c:v>
+                </c:pt>
+                <c:pt idx="59">
+                  <c:v>132128</c:v>
+                </c:pt>
+              </c:numCache>
+            </c:numRef>
+          </c:val>
+          <c:smooth val="0"/>
+          <c:extLst>
+            <c:ext xmlns:c16="http://schemas.microsoft.com/office/drawing/2014/chart" uri="{C3380CC4-5D6E-409C-BE32-E72D297353CC}">
+              <c16:uniqueId val="{00000004-C67A-425C-8976-F95078F02586}"/>
+            </c:ext>
+          </c:extLst>
+        </c:ser>
+        <c:ser>
+          <c:idx val="6"/>
+          <c:order val="5"/>
+          <c:tx>
+            <c:strRef>
+              <c:f>Sheet3!$G$1</c:f>
+              <c:strCache>
+                <c:ptCount val="1"/>
+                <c:pt idx="0">
+                  <c:v>Value</c:v>
+                </c:pt>
+              </c:strCache>
+            </c:strRef>
+          </c:tx>
+          <c:spPr>
+            <a:ln w="28575" cap="rnd">
+              <a:solidFill>
+                <a:schemeClr val="accent1">
+                  <a:lumMod val="60000"/>
+                </a:schemeClr>
+              </a:solidFill>
+              <a:round/>
+            </a:ln>
+            <a:effectLst/>
+          </c:spPr>
+          <c:marker>
+            <c:symbol val="none"/>
+          </c:marker>
+          <c:val>
+            <c:numRef>
+              <c:f>Sheet3!$G$2:$G$61</c:f>
+              <c:numCache>
+                <c:formatCode>General</c:formatCode>
+                <c:ptCount val="60"/>
+                <c:pt idx="0">
+                  <c:v>0</c:v>
+                </c:pt>
+                <c:pt idx="1">
+                  <c:v>0</c:v>
+                </c:pt>
+                <c:pt idx="2">
+                  <c:v>0</c:v>
+                </c:pt>
+                <c:pt idx="3">
+                  <c:v>0</c:v>
+                </c:pt>
+                <c:pt idx="4">
+                  <c:v>0</c:v>
+                </c:pt>
+                <c:pt idx="5">
+                  <c:v>0</c:v>
+                </c:pt>
+                <c:pt idx="6">
+                  <c:v>0</c:v>
+                </c:pt>
+                <c:pt idx="7">
+                  <c:v>0</c:v>
+                </c:pt>
+                <c:pt idx="8">
+                  <c:v>0</c:v>
+                </c:pt>
+                <c:pt idx="9">
+                  <c:v>0</c:v>
+                </c:pt>
+                <c:pt idx="10">
+                  <c:v>0</c:v>
+                </c:pt>
+                <c:pt idx="11">
+                  <c:v>0</c:v>
+                </c:pt>
+                <c:pt idx="12">
+                  <c:v>0</c:v>
+                </c:pt>
+                <c:pt idx="13">
+                  <c:v>0</c:v>
+                </c:pt>
+                <c:pt idx="14">
+                  <c:v>0</c:v>
+                </c:pt>
+                <c:pt idx="15">
+                  <c:v>0</c:v>
+                </c:pt>
+                <c:pt idx="16">
+                  <c:v>0</c:v>
+                </c:pt>
+                <c:pt idx="17">
+                  <c:v>0</c:v>
+                </c:pt>
+                <c:pt idx="18">
+                  <c:v>10</c:v>
+                </c:pt>
+                <c:pt idx="19">
+                  <c:v>12620</c:v>
+                </c:pt>
+                <c:pt idx="20">
+                  <c:v>12620</c:v>
+                </c:pt>
+                <c:pt idx="21">
+                  <c:v>12620</c:v>
+                </c:pt>
+                <c:pt idx="22">
+                  <c:v>12620</c:v>
+                </c:pt>
+                <c:pt idx="23">
+                  <c:v>12620</c:v>
+                </c:pt>
+                <c:pt idx="24">
+                  <c:v>12620</c:v>
+                </c:pt>
+                <c:pt idx="25">
+                  <c:v>12620</c:v>
+                </c:pt>
+                <c:pt idx="26">
+                  <c:v>12620</c:v>
+                </c:pt>
+                <c:pt idx="27">
+                  <c:v>12620</c:v>
+                </c:pt>
+                <c:pt idx="28">
+                  <c:v>12620</c:v>
+                </c:pt>
+                <c:pt idx="29">
+                  <c:v>12620</c:v>
+                </c:pt>
+                <c:pt idx="30">
+                  <c:v>12620</c:v>
+                </c:pt>
+                <c:pt idx="31">
+                  <c:v>12620</c:v>
+                </c:pt>
+                <c:pt idx="32">
+                  <c:v>12620</c:v>
+                </c:pt>
+                <c:pt idx="33">
+                  <c:v>12626</c:v>
+                </c:pt>
+                <c:pt idx="34">
+                  <c:v>12640</c:v>
+                </c:pt>
+                <c:pt idx="35">
+                  <c:v>25250</c:v>
+                </c:pt>
+                <c:pt idx="36">
+                  <c:v>25250</c:v>
+                </c:pt>
+                <c:pt idx="37">
+                  <c:v>25250</c:v>
+                </c:pt>
+                <c:pt idx="38">
+                  <c:v>25250</c:v>
+                </c:pt>
+                <c:pt idx="39">
+                  <c:v>25250</c:v>
+                </c:pt>
+                <c:pt idx="40">
+                  <c:v>25250</c:v>
+                </c:pt>
+                <c:pt idx="41">
+                  <c:v>25250</c:v>
+                </c:pt>
+                <c:pt idx="42">
+                  <c:v>25250</c:v>
+                </c:pt>
+                <c:pt idx="43">
+                  <c:v>25250</c:v>
+                </c:pt>
+                <c:pt idx="44">
+                  <c:v>25250</c:v>
+                </c:pt>
+                <c:pt idx="45">
+                  <c:v>25250</c:v>
+                </c:pt>
+                <c:pt idx="46">
+                  <c:v>25256</c:v>
+                </c:pt>
+                <c:pt idx="47">
+                  <c:v>37866</c:v>
+                </c:pt>
+                <c:pt idx="48">
+                  <c:v>37866</c:v>
+                </c:pt>
+                <c:pt idx="49">
+                  <c:v>37866</c:v>
+                </c:pt>
+                <c:pt idx="50">
+                  <c:v>37866</c:v>
+                </c:pt>
+                <c:pt idx="51">
+                  <c:v>37866</c:v>
+                </c:pt>
+                <c:pt idx="52">
+                  <c:v>37866</c:v>
+                </c:pt>
+                <c:pt idx="53">
+                  <c:v>37866</c:v>
+                </c:pt>
+                <c:pt idx="54">
+                  <c:v>37872</c:v>
+                </c:pt>
+                <c:pt idx="55">
+                  <c:v>50482</c:v>
+                </c:pt>
+                <c:pt idx="56">
+                  <c:v>50482</c:v>
+                </c:pt>
+                <c:pt idx="57">
+                  <c:v>50482</c:v>
+                </c:pt>
+                <c:pt idx="58">
+                  <c:v>50494</c:v>
+                </c:pt>
+                <c:pt idx="59">
+                  <c:v>63104</c:v>
+                </c:pt>
+              </c:numCache>
+            </c:numRef>
+          </c:val>
+          <c:smooth val="0"/>
+          <c:extLst>
+            <c:ext xmlns:c16="http://schemas.microsoft.com/office/drawing/2014/chart" uri="{C3380CC4-5D6E-409C-BE32-E72D297353CC}">
+              <c16:uniqueId val="{00000005-C67A-425C-8976-F95078F02586}"/>
+            </c:ext>
+          </c:extLst>
+        </c:ser>
+        <c:ser>
+          <c:idx val="7"/>
+          <c:order val="6"/>
+          <c:tx>
+            <c:strRef>
+              <c:f>Sheet3!$H$1</c:f>
+              <c:strCache>
+                <c:ptCount val="1"/>
+                <c:pt idx="0">
+                  <c:v>Vector</c:v>
+                </c:pt>
+              </c:strCache>
+            </c:strRef>
+          </c:tx>
+          <c:spPr>
+            <a:ln w="28575" cap="rnd">
+              <a:solidFill>
+                <a:schemeClr val="accent2">
+                  <a:lumMod val="60000"/>
+                </a:schemeClr>
+              </a:solidFill>
+              <a:round/>
+            </a:ln>
+            <a:effectLst/>
+          </c:spPr>
+          <c:marker>
+            <c:symbol val="none"/>
+          </c:marker>
+          <c:val>
+            <c:numRef>
+              <c:f>Sheet3!$H$2:$H$61</c:f>
+              <c:numCache>
+                <c:formatCode>General</c:formatCode>
+                <c:ptCount val="60"/>
+                <c:pt idx="0">
+                  <c:v>0</c:v>
+                </c:pt>
+                <c:pt idx="1">
+                  <c:v>0</c:v>
+                </c:pt>
+                <c:pt idx="2">
+                  <c:v>0</c:v>
+                </c:pt>
+                <c:pt idx="3">
+                  <c:v>0</c:v>
+                </c:pt>
+                <c:pt idx="4">
+                  <c:v>0</c:v>
+                </c:pt>
+                <c:pt idx="5">
+                  <c:v>0</c:v>
+                </c:pt>
+                <c:pt idx="6">
+                  <c:v>0</c:v>
+                </c:pt>
+                <c:pt idx="7">
+                  <c:v>0</c:v>
+                </c:pt>
+                <c:pt idx="8">
+                  <c:v>0</c:v>
+                </c:pt>
+                <c:pt idx="9">
+                  <c:v>0</c:v>
+                </c:pt>
+                <c:pt idx="10">
+                  <c:v>0</c:v>
+                </c:pt>
+                <c:pt idx="11">
+                  <c:v>0</c:v>
+                </c:pt>
+                <c:pt idx="12">
+                  <c:v>0</c:v>
+                </c:pt>
+                <c:pt idx="13">
+                  <c:v>0</c:v>
+                </c:pt>
+                <c:pt idx="14">
+                  <c:v>0</c:v>
+                </c:pt>
+                <c:pt idx="15">
+                  <c:v>0</c:v>
+                </c:pt>
+                <c:pt idx="16">
+                  <c:v>0</c:v>
+                </c:pt>
+                <c:pt idx="17">
+                  <c:v>0</c:v>
+                </c:pt>
+                <c:pt idx="18">
+                  <c:v>5040</c:v>
+                </c:pt>
+                <c:pt idx="19">
+                  <c:v>8820</c:v>
+                </c:pt>
+                <c:pt idx="20">
+                  <c:v>13860</c:v>
+                </c:pt>
+                <c:pt idx="21">
+                  <c:v>13860</c:v>
+                </c:pt>
+                <c:pt idx="22">
+                  <c:v>13860</c:v>
+                </c:pt>
+                <c:pt idx="23">
+                  <c:v>13860</c:v>
+                </c:pt>
+                <c:pt idx="24">
+                  <c:v>13860</c:v>
+                </c:pt>
+                <c:pt idx="25">
+                  <c:v>13860</c:v>
+                </c:pt>
+                <c:pt idx="26">
+                  <c:v>13860</c:v>
+                </c:pt>
+                <c:pt idx="27">
+                  <c:v>13860</c:v>
+                </c:pt>
+                <c:pt idx="28">
+                  <c:v>16380</c:v>
+                </c:pt>
+                <c:pt idx="29">
+                  <c:v>21420</c:v>
+                </c:pt>
+                <c:pt idx="30">
+                  <c:v>23940</c:v>
+                </c:pt>
+                <c:pt idx="31">
+                  <c:v>26460</c:v>
+                </c:pt>
+                <c:pt idx="32">
+                  <c:v>28980</c:v>
+                </c:pt>
+                <c:pt idx="33">
+                  <c:v>28980</c:v>
+                </c:pt>
+                <c:pt idx="34">
+                  <c:v>32760</c:v>
+                </c:pt>
+                <c:pt idx="35">
+                  <c:v>32760</c:v>
+                </c:pt>
+                <c:pt idx="36">
+                  <c:v>35280</c:v>
+                </c:pt>
+                <c:pt idx="37">
+                  <c:v>37800</c:v>
+                </c:pt>
+                <c:pt idx="38">
+                  <c:v>40320</c:v>
+                </c:pt>
+                <c:pt idx="39">
+                  <c:v>42840</c:v>
+                </c:pt>
+                <c:pt idx="40">
+                  <c:v>45360</c:v>
+                </c:pt>
+                <c:pt idx="41">
+                  <c:v>45360</c:v>
+                </c:pt>
+                <c:pt idx="42">
+                  <c:v>51660</c:v>
+                </c:pt>
+                <c:pt idx="43">
+                  <c:v>51660</c:v>
+                </c:pt>
+                <c:pt idx="44">
+                  <c:v>54180</c:v>
+                </c:pt>
+                <c:pt idx="45">
+                  <c:v>56700</c:v>
+                </c:pt>
+                <c:pt idx="46">
+                  <c:v>61740</c:v>
+                </c:pt>
+                <c:pt idx="47">
+                  <c:v>61740</c:v>
+                </c:pt>
+                <c:pt idx="48">
+                  <c:v>61740</c:v>
+                </c:pt>
+                <c:pt idx="49">
+                  <c:v>61740</c:v>
+                </c:pt>
+                <c:pt idx="50">
+                  <c:v>68040</c:v>
+                </c:pt>
+                <c:pt idx="51">
+                  <c:v>70560</c:v>
+                </c:pt>
+                <c:pt idx="52">
+                  <c:v>74340</c:v>
+                </c:pt>
+                <c:pt idx="53">
+                  <c:v>83160</c:v>
+                </c:pt>
+                <c:pt idx="54">
+                  <c:v>86940</c:v>
+                </c:pt>
+                <c:pt idx="55">
+                  <c:v>93240</c:v>
+                </c:pt>
+                <c:pt idx="56">
+                  <c:v>99540</c:v>
+                </c:pt>
+                <c:pt idx="57">
+                  <c:v>99540</c:v>
+                </c:pt>
+                <c:pt idx="58">
+                  <c:v>102060</c:v>
+                </c:pt>
+                <c:pt idx="59">
+                  <c:v>112140</c:v>
+                </c:pt>
+              </c:numCache>
+            </c:numRef>
+          </c:val>
+          <c:smooth val="0"/>
+          <c:extLst>
+            <c:ext xmlns:c16="http://schemas.microsoft.com/office/drawing/2014/chart" uri="{C3380CC4-5D6E-409C-BE32-E72D297353CC}">
+              <c16:uniqueId val="{00000006-C67A-425C-8976-F95078F02586}"/>
+            </c:ext>
+          </c:extLst>
+        </c:ser>
+        <c:dLbls>
+          <c:showLegendKey val="0"/>
+          <c:showVal val="0"/>
+          <c:showCatName val="0"/>
+          <c:showSerName val="0"/>
+          <c:showPercent val="0"/>
+          <c:showBubbleSize val="0"/>
+        </c:dLbls>
+        <c:smooth val="0"/>
+        <c:axId val="856302144"/>
+        <c:axId val="853955088"/>
+      </c:lineChart>
+      <c:catAx>
+        <c:axId val="856302144"/>
+        <c:scaling>
+          <c:orientation val="minMax"/>
+        </c:scaling>
+        <c:delete val="1"/>
+        <c:axPos val="b"/>
+        <c:majorTickMark val="none"/>
+        <c:minorTickMark val="none"/>
+        <c:tickLblPos val="nextTo"/>
+        <c:crossAx val="853955088"/>
+        <c:crosses val="autoZero"/>
+        <c:auto val="1"/>
+        <c:lblAlgn val="ctr"/>
+        <c:lblOffset val="100"/>
+        <c:noMultiLvlLbl val="0"/>
+      </c:catAx>
+      <c:valAx>
+        <c:axId val="853955088"/>
+        <c:scaling>
+          <c:orientation val="minMax"/>
+        </c:scaling>
+        <c:delete val="0"/>
+        <c:axPos val="l"/>
+        <c:numFmt formatCode="General" sourceLinked="1"/>
+        <c:majorTickMark val="none"/>
+        <c:minorTickMark val="none"/>
+        <c:tickLblPos val="nextTo"/>
+        <c:spPr>
+          <a:noFill/>
+          <a:ln>
+            <a:noFill/>
+          </a:ln>
+          <a:effectLst/>
+        </c:spPr>
+        <c:txPr>
+          <a:bodyPr rot="-60000000" spcFirstLastPara="1" vertOverflow="ellipsis" vert="horz" wrap="square" anchor="ctr" anchorCtr="1"/>
+          <a:lstStyle/>
+          <a:p>
+            <a:pPr>
+              <a:defRPr sz="1200" b="0" i="0" u="none" strike="noStrike" kern="1200" baseline="0">
+                <a:solidFill>
+                  <a:schemeClr val="tx1"/>
+                </a:solidFill>
+                <a:latin typeface="Maiandra GD" panose="020E0502030308020204" pitchFamily="34" charset="0"/>
+                <a:ea typeface="+mn-ea"/>
+                <a:cs typeface="+mn-cs"/>
+              </a:defRPr>
+            </a:pPr>
+            <a:endParaRPr lang="en-IL"/>
+          </a:p>
+        </c:txPr>
+        <c:crossAx val="856302144"/>
+        <c:crosses val="autoZero"/>
+        <c:crossBetween val="between"/>
+      </c:valAx>
+      <c:spPr>
+        <a:noFill/>
+        <a:ln>
+          <a:noFill/>
+        </a:ln>
+        <a:effectLst/>
+      </c:spPr>
+    </c:plotArea>
+    <c:legend>
+      <c:legendPos val="r"/>
+      <c:legendEntry>
+        <c:idx val="0"/>
+        <c:delete val="1"/>
+      </c:legendEntry>
+      <c:overlay val="0"/>
+      <c:spPr>
+        <a:noFill/>
+        <a:ln>
+          <a:noFill/>
+        </a:ln>
+        <a:effectLst/>
+      </c:spPr>
+      <c:txPr>
+        <a:bodyPr rot="0" spcFirstLastPara="1" vertOverflow="ellipsis" vert="horz" wrap="square" anchor="ctr" anchorCtr="1"/>
+        <a:lstStyle/>
+        <a:p>
+          <a:pPr>
+            <a:defRPr sz="1200" b="0" i="0" u="none" strike="noStrike" kern="1200" baseline="0">
+              <a:solidFill>
+                <a:schemeClr val="tx1"/>
+              </a:solidFill>
+              <a:latin typeface="Maiandra GD" panose="020E0502030308020204" pitchFamily="34" charset="0"/>
+              <a:ea typeface="+mn-ea"/>
+              <a:cs typeface="+mn-cs"/>
+            </a:defRPr>
+          </a:pPr>
+          <a:endParaRPr lang="en-IL"/>
+        </a:p>
+      </c:txPr>
+    </c:legend>
+    <c:plotVisOnly val="1"/>
+    <c:dispBlanksAs val="gap"/>
+    <c:extLst>
+      <c:ext xmlns:c16r3="http://schemas.microsoft.com/office/drawing/2017/03/chart" uri="{56B9EC1D-385E-4148-901F-78D8002777C0}">
+        <c16r3:dataDisplayOptions16>
+          <c16r3:dispNaAsBlank val="1"/>
+        </c16r3:dataDisplayOptions16>
+      </c:ext>
+    </c:extLst>
+    <c:showDLblsOverMax val="0"/>
+  </c:chart>
+  <c:spPr>
+    <a:solidFill>
+      <a:schemeClr val="bg1"/>
+    </a:solidFill>
+    <a:ln w="9525" cap="flat" cmpd="sng" algn="ctr">
+      <a:solidFill>
+        <a:schemeClr val="tx1"/>
+      </a:solidFill>
+      <a:round/>
     </a:ln>
     <a:effectLst/>
   </c:spPr>
@@ -4410,6 +8207,86 @@
 </cs:colorStyle>
 </file>
 
+<file path=ppt/charts/colors7.xml><?xml version="1.0" encoding="utf-8"?>
+<cs:colorStyle xmlns:cs="http://schemas.microsoft.com/office/drawing/2012/chartStyle" xmlns:a="http://schemas.openxmlformats.org/drawingml/2006/main" meth="cycle" id="10">
+  <a:schemeClr val="accent1"/>
+  <a:schemeClr val="accent2"/>
+  <a:schemeClr val="accent3"/>
+  <a:schemeClr val="accent4"/>
+  <a:schemeClr val="accent5"/>
+  <a:schemeClr val="accent6"/>
+  <cs:variation/>
+  <cs:variation>
+    <a:lumMod val="60000"/>
+  </cs:variation>
+  <cs:variation>
+    <a:lumMod val="80000"/>
+    <a:lumOff val="20000"/>
+  </cs:variation>
+  <cs:variation>
+    <a:lumMod val="80000"/>
+  </cs:variation>
+  <cs:variation>
+    <a:lumMod val="60000"/>
+    <a:lumOff val="40000"/>
+  </cs:variation>
+  <cs:variation>
+    <a:lumMod val="50000"/>
+  </cs:variation>
+  <cs:variation>
+    <a:lumMod val="70000"/>
+    <a:lumOff val="30000"/>
+  </cs:variation>
+  <cs:variation>
+    <a:lumMod val="70000"/>
+  </cs:variation>
+  <cs:variation>
+    <a:lumMod val="50000"/>
+    <a:lumOff val="50000"/>
+  </cs:variation>
+</cs:colorStyle>
+</file>
+
+<file path=ppt/charts/colors8.xml><?xml version="1.0" encoding="utf-8"?>
+<cs:colorStyle xmlns:cs="http://schemas.microsoft.com/office/drawing/2012/chartStyle" xmlns:a="http://schemas.openxmlformats.org/drawingml/2006/main" meth="cycle" id="10">
+  <a:schemeClr val="accent1"/>
+  <a:schemeClr val="accent2"/>
+  <a:schemeClr val="accent3"/>
+  <a:schemeClr val="accent4"/>
+  <a:schemeClr val="accent5"/>
+  <a:schemeClr val="accent6"/>
+  <cs:variation/>
+  <cs:variation>
+    <a:lumMod val="60000"/>
+  </cs:variation>
+  <cs:variation>
+    <a:lumMod val="80000"/>
+    <a:lumOff val="20000"/>
+  </cs:variation>
+  <cs:variation>
+    <a:lumMod val="80000"/>
+  </cs:variation>
+  <cs:variation>
+    <a:lumMod val="60000"/>
+    <a:lumOff val="40000"/>
+  </cs:variation>
+  <cs:variation>
+    <a:lumMod val="50000"/>
+  </cs:variation>
+  <cs:variation>
+    <a:lumMod val="70000"/>
+    <a:lumOff val="30000"/>
+  </cs:variation>
+  <cs:variation>
+    <a:lumMod val="70000"/>
+  </cs:variation>
+  <cs:variation>
+    <a:lumMod val="50000"/>
+    <a:lumOff val="50000"/>
+  </cs:variation>
+</cs:colorStyle>
+</file>
+
 <file path=ppt/charts/style1.xml><?xml version="1.0" encoding="utf-8"?>
 <cs:chartStyle xmlns:cs="http://schemas.microsoft.com/office/drawing/2012/chartStyle" xmlns:a="http://schemas.openxmlformats.org/drawingml/2006/main" id="240">
   <cs:axisTitle>
@@ -7127,6 +11004,1038 @@
       <a:schemeClr val="tx1"/>
     </cs:fontRef>
     <cs:spPr>
+      <a:ln w="9525">
+        <a:solidFill>
+          <a:schemeClr val="phClr"/>
+        </a:solidFill>
+      </a:ln>
+    </cs:spPr>
+  </cs:dataPointMarker>
+  <cs:dataPointMarkerLayout symbol="circle" size="5"/>
+  <cs:dataPointWireframe>
+    <cs:lnRef idx="0">
+      <cs:styleClr val="auto"/>
+    </cs:lnRef>
+    <cs:fillRef idx="1"/>
+    <cs:effectRef idx="0"/>
+    <cs:fontRef idx="minor">
+      <a:schemeClr val="tx1"/>
+    </cs:fontRef>
+    <cs:spPr>
+      <a:ln w="9525" cap="rnd">
+        <a:solidFill>
+          <a:schemeClr val="phClr"/>
+        </a:solidFill>
+        <a:round/>
+      </a:ln>
+    </cs:spPr>
+  </cs:dataPointWireframe>
+  <cs:dataTable>
+    <cs:lnRef idx="0"/>
+    <cs:fillRef idx="0"/>
+    <cs:effectRef idx="0"/>
+    <cs:fontRef idx="minor">
+      <a:schemeClr val="tx1">
+        <a:lumMod val="65000"/>
+        <a:lumOff val="35000"/>
+      </a:schemeClr>
+    </cs:fontRef>
+    <cs:spPr>
+      <a:noFill/>
+      <a:ln w="9525" cap="flat" cmpd="sng" algn="ctr">
+        <a:solidFill>
+          <a:schemeClr val="tx1">
+            <a:lumMod val="15000"/>
+            <a:lumOff val="85000"/>
+          </a:schemeClr>
+        </a:solidFill>
+        <a:round/>
+      </a:ln>
+    </cs:spPr>
+    <cs:defRPr sz="900" kern="1200"/>
+  </cs:dataTable>
+  <cs:downBar>
+    <cs:lnRef idx="0"/>
+    <cs:fillRef idx="0"/>
+    <cs:effectRef idx="0"/>
+    <cs:fontRef idx="minor">
+      <a:schemeClr val="dk1"/>
+    </cs:fontRef>
+    <cs:spPr>
+      <a:solidFill>
+        <a:schemeClr val="dk1">
+          <a:lumMod val="65000"/>
+          <a:lumOff val="35000"/>
+        </a:schemeClr>
+      </a:solidFill>
+      <a:ln w="9525">
+        <a:solidFill>
+          <a:schemeClr val="tx1">
+            <a:lumMod val="65000"/>
+            <a:lumOff val="35000"/>
+          </a:schemeClr>
+        </a:solidFill>
+      </a:ln>
+    </cs:spPr>
+  </cs:downBar>
+  <cs:dropLine>
+    <cs:lnRef idx="0"/>
+    <cs:fillRef idx="0"/>
+    <cs:effectRef idx="0"/>
+    <cs:fontRef idx="minor">
+      <a:schemeClr val="tx1"/>
+    </cs:fontRef>
+    <cs:spPr>
+      <a:ln w="9525" cap="flat" cmpd="sng" algn="ctr">
+        <a:solidFill>
+          <a:schemeClr val="tx1">
+            <a:lumMod val="35000"/>
+            <a:lumOff val="65000"/>
+          </a:schemeClr>
+        </a:solidFill>
+        <a:round/>
+      </a:ln>
+    </cs:spPr>
+  </cs:dropLine>
+  <cs:errorBar>
+    <cs:lnRef idx="0"/>
+    <cs:fillRef idx="0"/>
+    <cs:effectRef idx="0"/>
+    <cs:fontRef idx="minor">
+      <a:schemeClr val="tx1"/>
+    </cs:fontRef>
+    <cs:spPr>
+      <a:ln w="9525" cap="flat" cmpd="sng" algn="ctr">
+        <a:solidFill>
+          <a:schemeClr val="tx1">
+            <a:lumMod val="65000"/>
+            <a:lumOff val="35000"/>
+          </a:schemeClr>
+        </a:solidFill>
+        <a:round/>
+      </a:ln>
+    </cs:spPr>
+  </cs:errorBar>
+  <cs:floor>
+    <cs:lnRef idx="0"/>
+    <cs:fillRef idx="0"/>
+    <cs:effectRef idx="0"/>
+    <cs:fontRef idx="minor">
+      <a:schemeClr val="tx1"/>
+    </cs:fontRef>
+    <cs:spPr>
+      <a:noFill/>
+      <a:ln>
+        <a:noFill/>
+      </a:ln>
+    </cs:spPr>
+  </cs:floor>
+  <cs:gridlineMajor>
+    <cs:lnRef idx="0"/>
+    <cs:fillRef idx="0"/>
+    <cs:effectRef idx="0"/>
+    <cs:fontRef idx="minor">
+      <a:schemeClr val="tx1"/>
+    </cs:fontRef>
+    <cs:spPr>
+      <a:ln w="9525" cap="flat" cmpd="sng" algn="ctr">
+        <a:solidFill>
+          <a:schemeClr val="tx1">
+            <a:lumMod val="15000"/>
+            <a:lumOff val="85000"/>
+          </a:schemeClr>
+        </a:solidFill>
+        <a:round/>
+      </a:ln>
+    </cs:spPr>
+  </cs:gridlineMajor>
+  <cs:gridlineMinor>
+    <cs:lnRef idx="0"/>
+    <cs:fillRef idx="0"/>
+    <cs:effectRef idx="0"/>
+    <cs:fontRef idx="minor">
+      <a:schemeClr val="tx1"/>
+    </cs:fontRef>
+    <cs:spPr>
+      <a:ln w="9525" cap="flat" cmpd="sng" algn="ctr">
+        <a:solidFill>
+          <a:schemeClr val="tx1">
+            <a:lumMod val="5000"/>
+            <a:lumOff val="95000"/>
+          </a:schemeClr>
+        </a:solidFill>
+        <a:round/>
+      </a:ln>
+    </cs:spPr>
+  </cs:gridlineMinor>
+  <cs:hiLoLine>
+    <cs:lnRef idx="0"/>
+    <cs:fillRef idx="0"/>
+    <cs:effectRef idx="0"/>
+    <cs:fontRef idx="minor">
+      <a:schemeClr val="tx1"/>
+    </cs:fontRef>
+    <cs:spPr>
+      <a:ln w="9525" cap="flat" cmpd="sng" algn="ctr">
+        <a:solidFill>
+          <a:schemeClr val="tx1">
+            <a:lumMod val="75000"/>
+            <a:lumOff val="25000"/>
+          </a:schemeClr>
+        </a:solidFill>
+        <a:round/>
+      </a:ln>
+    </cs:spPr>
+  </cs:hiLoLine>
+  <cs:leaderLine>
+    <cs:lnRef idx="0"/>
+    <cs:fillRef idx="0"/>
+    <cs:effectRef idx="0"/>
+    <cs:fontRef idx="minor">
+      <a:schemeClr val="tx1"/>
+    </cs:fontRef>
+    <cs:spPr>
+      <a:ln w="9525" cap="flat" cmpd="sng" algn="ctr">
+        <a:solidFill>
+          <a:schemeClr val="tx1">
+            <a:lumMod val="35000"/>
+            <a:lumOff val="65000"/>
+          </a:schemeClr>
+        </a:solidFill>
+        <a:round/>
+      </a:ln>
+    </cs:spPr>
+  </cs:leaderLine>
+  <cs:legend>
+    <cs:lnRef idx="0"/>
+    <cs:fillRef idx="0"/>
+    <cs:effectRef idx="0"/>
+    <cs:fontRef idx="minor">
+      <a:schemeClr val="tx1">
+        <a:lumMod val="65000"/>
+        <a:lumOff val="35000"/>
+      </a:schemeClr>
+    </cs:fontRef>
+    <cs:defRPr sz="900" kern="1200"/>
+  </cs:legend>
+  <cs:plotArea mods="allowNoFillOverride allowNoLineOverride">
+    <cs:lnRef idx="0"/>
+    <cs:fillRef idx="0"/>
+    <cs:effectRef idx="0"/>
+    <cs:fontRef idx="minor">
+      <a:schemeClr val="tx1"/>
+    </cs:fontRef>
+  </cs:plotArea>
+  <cs:plotArea3D mods="allowNoFillOverride allowNoLineOverride">
+    <cs:lnRef idx="0"/>
+    <cs:fillRef idx="0"/>
+    <cs:effectRef idx="0"/>
+    <cs:fontRef idx="minor">
+      <a:schemeClr val="tx1"/>
+    </cs:fontRef>
+  </cs:plotArea3D>
+  <cs:seriesAxis>
+    <cs:lnRef idx="0"/>
+    <cs:fillRef idx="0"/>
+    <cs:effectRef idx="0"/>
+    <cs:fontRef idx="minor">
+      <a:schemeClr val="tx1">
+        <a:lumMod val="65000"/>
+        <a:lumOff val="35000"/>
+      </a:schemeClr>
+    </cs:fontRef>
+    <cs:defRPr sz="900" kern="1200"/>
+  </cs:seriesAxis>
+  <cs:seriesLine>
+    <cs:lnRef idx="0"/>
+    <cs:fillRef idx="0"/>
+    <cs:effectRef idx="0"/>
+    <cs:fontRef idx="minor">
+      <a:schemeClr val="tx1"/>
+    </cs:fontRef>
+    <cs:spPr>
+      <a:ln w="9525" cap="flat" cmpd="sng" algn="ctr">
+        <a:solidFill>
+          <a:schemeClr val="tx1">
+            <a:lumMod val="35000"/>
+            <a:lumOff val="65000"/>
+          </a:schemeClr>
+        </a:solidFill>
+        <a:round/>
+      </a:ln>
+    </cs:spPr>
+  </cs:seriesLine>
+  <cs:title>
+    <cs:lnRef idx="0"/>
+    <cs:fillRef idx="0"/>
+    <cs:effectRef idx="0"/>
+    <cs:fontRef idx="minor">
+      <a:schemeClr val="tx1">
+        <a:lumMod val="65000"/>
+        <a:lumOff val="35000"/>
+      </a:schemeClr>
+    </cs:fontRef>
+    <cs:defRPr sz="1400" b="0" kern="1200" spc="0" baseline="0"/>
+  </cs:title>
+  <cs:trendline>
+    <cs:lnRef idx="0">
+      <cs:styleClr val="auto"/>
+    </cs:lnRef>
+    <cs:fillRef idx="0"/>
+    <cs:effectRef idx="0"/>
+    <cs:fontRef idx="minor">
+      <a:schemeClr val="tx1"/>
+    </cs:fontRef>
+    <cs:spPr>
+      <a:ln w="19050" cap="rnd">
+        <a:solidFill>
+          <a:schemeClr val="phClr"/>
+        </a:solidFill>
+        <a:prstDash val="sysDot"/>
+      </a:ln>
+    </cs:spPr>
+  </cs:trendline>
+  <cs:trendlineLabel>
+    <cs:lnRef idx="0"/>
+    <cs:fillRef idx="0"/>
+    <cs:effectRef idx="0"/>
+    <cs:fontRef idx="minor">
+      <a:schemeClr val="tx1">
+        <a:lumMod val="65000"/>
+        <a:lumOff val="35000"/>
+      </a:schemeClr>
+    </cs:fontRef>
+    <cs:defRPr sz="900" kern="1200"/>
+  </cs:trendlineLabel>
+  <cs:upBar>
+    <cs:lnRef idx="0"/>
+    <cs:fillRef idx="0"/>
+    <cs:effectRef idx="0"/>
+    <cs:fontRef idx="minor">
+      <a:schemeClr val="dk1"/>
+    </cs:fontRef>
+    <cs:spPr>
+      <a:solidFill>
+        <a:schemeClr val="lt1"/>
+      </a:solidFill>
+      <a:ln w="9525">
+        <a:solidFill>
+          <a:schemeClr val="tx1">
+            <a:lumMod val="15000"/>
+            <a:lumOff val="85000"/>
+          </a:schemeClr>
+        </a:solidFill>
+      </a:ln>
+    </cs:spPr>
+  </cs:upBar>
+  <cs:valueAxis>
+    <cs:lnRef idx="0"/>
+    <cs:fillRef idx="0"/>
+    <cs:effectRef idx="0"/>
+    <cs:fontRef idx="minor">
+      <a:schemeClr val="tx1">
+        <a:lumMod val="65000"/>
+        <a:lumOff val="35000"/>
+      </a:schemeClr>
+    </cs:fontRef>
+    <cs:defRPr sz="900" kern="1200"/>
+  </cs:valueAxis>
+  <cs:wall>
+    <cs:lnRef idx="0"/>
+    <cs:fillRef idx="0"/>
+    <cs:effectRef idx="0"/>
+    <cs:fontRef idx="minor">
+      <a:schemeClr val="tx1"/>
+    </cs:fontRef>
+    <cs:spPr>
+      <a:noFill/>
+      <a:ln>
+        <a:noFill/>
+      </a:ln>
+    </cs:spPr>
+  </cs:wall>
+</cs:chartStyle>
+</file>
+
+<file path=ppt/charts/style7.xml><?xml version="1.0" encoding="utf-8"?>
+<cs:chartStyle xmlns:cs="http://schemas.microsoft.com/office/drawing/2012/chartStyle" xmlns:a="http://schemas.openxmlformats.org/drawingml/2006/main" id="227">
+  <cs:axisTitle>
+    <cs:lnRef idx="0"/>
+    <cs:fillRef idx="0"/>
+    <cs:effectRef idx="0"/>
+    <cs:fontRef idx="minor">
+      <a:schemeClr val="tx1">
+        <a:lumMod val="65000"/>
+        <a:lumOff val="35000"/>
+      </a:schemeClr>
+    </cs:fontRef>
+    <cs:defRPr sz="1000" kern="1200"/>
+  </cs:axisTitle>
+  <cs:categoryAxis>
+    <cs:lnRef idx="0"/>
+    <cs:fillRef idx="0"/>
+    <cs:effectRef idx="0"/>
+    <cs:fontRef idx="minor">
+      <a:schemeClr val="tx1">
+        <a:lumMod val="65000"/>
+        <a:lumOff val="35000"/>
+      </a:schemeClr>
+    </cs:fontRef>
+    <cs:spPr>
+      <a:ln w="9525" cap="flat" cmpd="sng" algn="ctr">
+        <a:solidFill>
+          <a:schemeClr val="tx1">
+            <a:lumMod val="15000"/>
+            <a:lumOff val="85000"/>
+          </a:schemeClr>
+        </a:solidFill>
+        <a:round/>
+      </a:ln>
+    </cs:spPr>
+    <cs:defRPr sz="900" kern="1200"/>
+  </cs:categoryAxis>
+  <cs:chartArea mods="allowNoFillOverride allowNoLineOverride">
+    <cs:lnRef idx="0"/>
+    <cs:fillRef idx="0"/>
+    <cs:effectRef idx="0"/>
+    <cs:fontRef idx="minor">
+      <a:schemeClr val="tx1"/>
+    </cs:fontRef>
+    <cs:spPr>
+      <a:solidFill>
+        <a:schemeClr val="bg1"/>
+      </a:solidFill>
+      <a:ln w="9525" cap="flat" cmpd="sng" algn="ctr">
+        <a:solidFill>
+          <a:schemeClr val="tx1">
+            <a:lumMod val="15000"/>
+            <a:lumOff val="85000"/>
+          </a:schemeClr>
+        </a:solidFill>
+        <a:round/>
+      </a:ln>
+    </cs:spPr>
+    <cs:defRPr sz="1000" kern="1200"/>
+  </cs:chartArea>
+  <cs:dataLabel>
+    <cs:lnRef idx="0"/>
+    <cs:fillRef idx="0"/>
+    <cs:effectRef idx="0"/>
+    <cs:fontRef idx="minor">
+      <a:schemeClr val="tx1">
+        <a:lumMod val="75000"/>
+        <a:lumOff val="25000"/>
+      </a:schemeClr>
+    </cs:fontRef>
+    <cs:defRPr sz="900" kern="1200"/>
+  </cs:dataLabel>
+  <cs:dataLabelCallout>
+    <cs:lnRef idx="0"/>
+    <cs:fillRef idx="0"/>
+    <cs:effectRef idx="0"/>
+    <cs:fontRef idx="minor">
+      <a:schemeClr val="dk1">
+        <a:lumMod val="65000"/>
+        <a:lumOff val="35000"/>
+      </a:schemeClr>
+    </cs:fontRef>
+    <cs:spPr>
+      <a:solidFill>
+        <a:schemeClr val="lt1"/>
+      </a:solidFill>
+      <a:ln>
+        <a:solidFill>
+          <a:schemeClr val="dk1">
+            <a:lumMod val="25000"/>
+            <a:lumOff val="75000"/>
+          </a:schemeClr>
+        </a:solidFill>
+      </a:ln>
+    </cs:spPr>
+    <cs:defRPr sz="900" kern="1200"/>
+    <cs:bodyPr rot="0" spcFirstLastPara="1" vertOverflow="clip" horzOverflow="clip" vert="horz" wrap="square" lIns="36576" tIns="18288" rIns="36576" bIns="18288" anchor="ctr" anchorCtr="1">
+      <a:spAutoFit/>
+    </cs:bodyPr>
+  </cs:dataLabelCallout>
+  <cs:dataPoint>
+    <cs:lnRef idx="0"/>
+    <cs:fillRef idx="1">
+      <cs:styleClr val="auto"/>
+    </cs:fillRef>
+    <cs:effectRef idx="0"/>
+    <cs:fontRef idx="minor">
+      <a:schemeClr val="tx1"/>
+    </cs:fontRef>
+    <cs:spPr>
+      <a:solidFill>
+        <a:schemeClr val="phClr"/>
+      </a:solidFill>
+    </cs:spPr>
+  </cs:dataPoint>
+  <cs:dataPoint3D>
+    <cs:lnRef idx="0"/>
+    <cs:fillRef idx="1">
+      <cs:styleClr val="auto"/>
+    </cs:fillRef>
+    <cs:effectRef idx="0"/>
+    <cs:fontRef idx="minor">
+      <a:schemeClr val="tx1"/>
+    </cs:fontRef>
+    <cs:spPr>
+      <a:solidFill>
+        <a:schemeClr val="phClr"/>
+      </a:solidFill>
+    </cs:spPr>
+  </cs:dataPoint3D>
+  <cs:dataPointLine>
+    <cs:lnRef idx="0">
+      <cs:styleClr val="auto"/>
+    </cs:lnRef>
+    <cs:fillRef idx="1"/>
+    <cs:effectRef idx="0"/>
+    <cs:fontRef idx="minor">
+      <a:schemeClr val="tx1"/>
+    </cs:fontRef>
+    <cs:spPr>
+      <a:ln w="28575" cap="rnd">
+        <a:solidFill>
+          <a:schemeClr val="phClr"/>
+        </a:solidFill>
+        <a:round/>
+      </a:ln>
+    </cs:spPr>
+  </cs:dataPointLine>
+  <cs:dataPointMarker>
+    <cs:lnRef idx="0">
+      <cs:styleClr val="auto"/>
+    </cs:lnRef>
+    <cs:fillRef idx="1">
+      <cs:styleClr val="auto"/>
+    </cs:fillRef>
+    <cs:effectRef idx="0"/>
+    <cs:fontRef idx="minor">
+      <a:schemeClr val="tx1"/>
+    </cs:fontRef>
+    <cs:spPr>
+      <a:solidFill>
+        <a:schemeClr val="phClr"/>
+      </a:solidFill>
+      <a:ln w="9525">
+        <a:solidFill>
+          <a:schemeClr val="phClr"/>
+        </a:solidFill>
+      </a:ln>
+    </cs:spPr>
+  </cs:dataPointMarker>
+  <cs:dataPointMarkerLayout symbol="circle" size="5"/>
+  <cs:dataPointWireframe>
+    <cs:lnRef idx="0">
+      <cs:styleClr val="auto"/>
+    </cs:lnRef>
+    <cs:fillRef idx="1"/>
+    <cs:effectRef idx="0"/>
+    <cs:fontRef idx="minor">
+      <a:schemeClr val="tx1"/>
+    </cs:fontRef>
+    <cs:spPr>
+      <a:ln w="9525" cap="rnd">
+        <a:solidFill>
+          <a:schemeClr val="phClr"/>
+        </a:solidFill>
+        <a:round/>
+      </a:ln>
+    </cs:spPr>
+  </cs:dataPointWireframe>
+  <cs:dataTable>
+    <cs:lnRef idx="0"/>
+    <cs:fillRef idx="0"/>
+    <cs:effectRef idx="0"/>
+    <cs:fontRef idx="minor">
+      <a:schemeClr val="tx1">
+        <a:lumMod val="65000"/>
+        <a:lumOff val="35000"/>
+      </a:schemeClr>
+    </cs:fontRef>
+    <cs:spPr>
+      <a:noFill/>
+      <a:ln w="9525" cap="flat" cmpd="sng" algn="ctr">
+        <a:solidFill>
+          <a:schemeClr val="tx1">
+            <a:lumMod val="15000"/>
+            <a:lumOff val="85000"/>
+          </a:schemeClr>
+        </a:solidFill>
+        <a:round/>
+      </a:ln>
+    </cs:spPr>
+    <cs:defRPr sz="900" kern="1200"/>
+  </cs:dataTable>
+  <cs:downBar>
+    <cs:lnRef idx="0"/>
+    <cs:fillRef idx="0"/>
+    <cs:effectRef idx="0"/>
+    <cs:fontRef idx="minor">
+      <a:schemeClr val="dk1"/>
+    </cs:fontRef>
+    <cs:spPr>
+      <a:solidFill>
+        <a:schemeClr val="dk1">
+          <a:lumMod val="65000"/>
+          <a:lumOff val="35000"/>
+        </a:schemeClr>
+      </a:solidFill>
+      <a:ln w="9525">
+        <a:solidFill>
+          <a:schemeClr val="tx1">
+            <a:lumMod val="65000"/>
+            <a:lumOff val="35000"/>
+          </a:schemeClr>
+        </a:solidFill>
+      </a:ln>
+    </cs:spPr>
+  </cs:downBar>
+  <cs:dropLine>
+    <cs:lnRef idx="0"/>
+    <cs:fillRef idx="0"/>
+    <cs:effectRef idx="0"/>
+    <cs:fontRef idx="minor">
+      <a:schemeClr val="tx1"/>
+    </cs:fontRef>
+    <cs:spPr>
+      <a:ln w="9525" cap="flat" cmpd="sng" algn="ctr">
+        <a:solidFill>
+          <a:schemeClr val="tx1">
+            <a:lumMod val="35000"/>
+            <a:lumOff val="65000"/>
+          </a:schemeClr>
+        </a:solidFill>
+        <a:round/>
+      </a:ln>
+    </cs:spPr>
+  </cs:dropLine>
+  <cs:errorBar>
+    <cs:lnRef idx="0"/>
+    <cs:fillRef idx="0"/>
+    <cs:effectRef idx="0"/>
+    <cs:fontRef idx="minor">
+      <a:schemeClr val="tx1"/>
+    </cs:fontRef>
+    <cs:spPr>
+      <a:ln w="9525" cap="flat" cmpd="sng" algn="ctr">
+        <a:solidFill>
+          <a:schemeClr val="tx1">
+            <a:lumMod val="65000"/>
+            <a:lumOff val="35000"/>
+          </a:schemeClr>
+        </a:solidFill>
+        <a:round/>
+      </a:ln>
+    </cs:spPr>
+  </cs:errorBar>
+  <cs:floor>
+    <cs:lnRef idx="0"/>
+    <cs:fillRef idx="0"/>
+    <cs:effectRef idx="0"/>
+    <cs:fontRef idx="minor">
+      <a:schemeClr val="tx1"/>
+    </cs:fontRef>
+    <cs:spPr>
+      <a:noFill/>
+      <a:ln>
+        <a:noFill/>
+      </a:ln>
+    </cs:spPr>
+  </cs:floor>
+  <cs:gridlineMajor>
+    <cs:lnRef idx="0"/>
+    <cs:fillRef idx="0"/>
+    <cs:effectRef idx="0"/>
+    <cs:fontRef idx="minor">
+      <a:schemeClr val="tx1"/>
+    </cs:fontRef>
+    <cs:spPr>
+      <a:ln w="9525" cap="flat" cmpd="sng" algn="ctr">
+        <a:solidFill>
+          <a:schemeClr val="tx1">
+            <a:lumMod val="15000"/>
+            <a:lumOff val="85000"/>
+          </a:schemeClr>
+        </a:solidFill>
+        <a:round/>
+      </a:ln>
+    </cs:spPr>
+  </cs:gridlineMajor>
+  <cs:gridlineMinor>
+    <cs:lnRef idx="0"/>
+    <cs:fillRef idx="0"/>
+    <cs:effectRef idx="0"/>
+    <cs:fontRef idx="minor">
+      <a:schemeClr val="tx1"/>
+    </cs:fontRef>
+    <cs:spPr>
+      <a:ln w="9525" cap="flat" cmpd="sng" algn="ctr">
+        <a:solidFill>
+          <a:schemeClr val="tx1">
+            <a:lumMod val="5000"/>
+            <a:lumOff val="95000"/>
+          </a:schemeClr>
+        </a:solidFill>
+        <a:round/>
+      </a:ln>
+    </cs:spPr>
+  </cs:gridlineMinor>
+  <cs:hiLoLine>
+    <cs:lnRef idx="0"/>
+    <cs:fillRef idx="0"/>
+    <cs:effectRef idx="0"/>
+    <cs:fontRef idx="minor">
+      <a:schemeClr val="tx1"/>
+    </cs:fontRef>
+    <cs:spPr>
+      <a:ln w="9525" cap="flat" cmpd="sng" algn="ctr">
+        <a:solidFill>
+          <a:schemeClr val="tx1">
+            <a:lumMod val="75000"/>
+            <a:lumOff val="25000"/>
+          </a:schemeClr>
+        </a:solidFill>
+        <a:round/>
+      </a:ln>
+    </cs:spPr>
+  </cs:hiLoLine>
+  <cs:leaderLine>
+    <cs:lnRef idx="0"/>
+    <cs:fillRef idx="0"/>
+    <cs:effectRef idx="0"/>
+    <cs:fontRef idx="minor">
+      <a:schemeClr val="tx1"/>
+    </cs:fontRef>
+    <cs:spPr>
+      <a:ln w="9525" cap="flat" cmpd="sng" algn="ctr">
+        <a:solidFill>
+          <a:schemeClr val="tx1">
+            <a:lumMod val="35000"/>
+            <a:lumOff val="65000"/>
+          </a:schemeClr>
+        </a:solidFill>
+        <a:round/>
+      </a:ln>
+    </cs:spPr>
+  </cs:leaderLine>
+  <cs:legend>
+    <cs:lnRef idx="0"/>
+    <cs:fillRef idx="0"/>
+    <cs:effectRef idx="0"/>
+    <cs:fontRef idx="minor">
+      <a:schemeClr val="tx1">
+        <a:lumMod val="65000"/>
+        <a:lumOff val="35000"/>
+      </a:schemeClr>
+    </cs:fontRef>
+    <cs:defRPr sz="900" kern="1200"/>
+  </cs:legend>
+  <cs:plotArea mods="allowNoFillOverride allowNoLineOverride">
+    <cs:lnRef idx="0"/>
+    <cs:fillRef idx="0"/>
+    <cs:effectRef idx="0"/>
+    <cs:fontRef idx="minor">
+      <a:schemeClr val="tx1"/>
+    </cs:fontRef>
+  </cs:plotArea>
+  <cs:plotArea3D mods="allowNoFillOverride allowNoLineOverride">
+    <cs:lnRef idx="0"/>
+    <cs:fillRef idx="0"/>
+    <cs:effectRef idx="0"/>
+    <cs:fontRef idx="minor">
+      <a:schemeClr val="tx1"/>
+    </cs:fontRef>
+  </cs:plotArea3D>
+  <cs:seriesAxis>
+    <cs:lnRef idx="0"/>
+    <cs:fillRef idx="0"/>
+    <cs:effectRef idx="0"/>
+    <cs:fontRef idx="minor">
+      <a:schemeClr val="tx1">
+        <a:lumMod val="65000"/>
+        <a:lumOff val="35000"/>
+      </a:schemeClr>
+    </cs:fontRef>
+    <cs:defRPr sz="900" kern="1200"/>
+  </cs:seriesAxis>
+  <cs:seriesLine>
+    <cs:lnRef idx="0"/>
+    <cs:fillRef idx="0"/>
+    <cs:effectRef idx="0"/>
+    <cs:fontRef idx="minor">
+      <a:schemeClr val="tx1"/>
+    </cs:fontRef>
+    <cs:spPr>
+      <a:ln w="9525" cap="flat" cmpd="sng" algn="ctr">
+        <a:solidFill>
+          <a:schemeClr val="tx1">
+            <a:lumMod val="35000"/>
+            <a:lumOff val="65000"/>
+          </a:schemeClr>
+        </a:solidFill>
+        <a:round/>
+      </a:ln>
+    </cs:spPr>
+  </cs:seriesLine>
+  <cs:title>
+    <cs:lnRef idx="0"/>
+    <cs:fillRef idx="0"/>
+    <cs:effectRef idx="0"/>
+    <cs:fontRef idx="minor">
+      <a:schemeClr val="tx1">
+        <a:lumMod val="65000"/>
+        <a:lumOff val="35000"/>
+      </a:schemeClr>
+    </cs:fontRef>
+    <cs:defRPr sz="1400" b="0" kern="1200" spc="0" baseline="0"/>
+  </cs:title>
+  <cs:trendline>
+    <cs:lnRef idx="0">
+      <cs:styleClr val="auto"/>
+    </cs:lnRef>
+    <cs:fillRef idx="0"/>
+    <cs:effectRef idx="0"/>
+    <cs:fontRef idx="minor">
+      <a:schemeClr val="tx1"/>
+    </cs:fontRef>
+    <cs:spPr>
+      <a:ln w="19050" cap="rnd">
+        <a:solidFill>
+          <a:schemeClr val="phClr"/>
+        </a:solidFill>
+        <a:prstDash val="sysDot"/>
+      </a:ln>
+    </cs:spPr>
+  </cs:trendline>
+  <cs:trendlineLabel>
+    <cs:lnRef idx="0"/>
+    <cs:fillRef idx="0"/>
+    <cs:effectRef idx="0"/>
+    <cs:fontRef idx="minor">
+      <a:schemeClr val="tx1">
+        <a:lumMod val="65000"/>
+        <a:lumOff val="35000"/>
+      </a:schemeClr>
+    </cs:fontRef>
+    <cs:defRPr sz="900" kern="1200"/>
+  </cs:trendlineLabel>
+  <cs:upBar>
+    <cs:lnRef idx="0"/>
+    <cs:fillRef idx="0"/>
+    <cs:effectRef idx="0"/>
+    <cs:fontRef idx="minor">
+      <a:schemeClr val="dk1"/>
+    </cs:fontRef>
+    <cs:spPr>
+      <a:solidFill>
+        <a:schemeClr val="lt1"/>
+      </a:solidFill>
+      <a:ln w="9525">
+        <a:solidFill>
+          <a:schemeClr val="tx1">
+            <a:lumMod val="15000"/>
+            <a:lumOff val="85000"/>
+          </a:schemeClr>
+        </a:solidFill>
+      </a:ln>
+    </cs:spPr>
+  </cs:upBar>
+  <cs:valueAxis>
+    <cs:lnRef idx="0"/>
+    <cs:fillRef idx="0"/>
+    <cs:effectRef idx="0"/>
+    <cs:fontRef idx="minor">
+      <a:schemeClr val="tx1">
+        <a:lumMod val="65000"/>
+        <a:lumOff val="35000"/>
+      </a:schemeClr>
+    </cs:fontRef>
+    <cs:defRPr sz="900" kern="1200"/>
+  </cs:valueAxis>
+  <cs:wall>
+    <cs:lnRef idx="0"/>
+    <cs:fillRef idx="0"/>
+    <cs:effectRef idx="0"/>
+    <cs:fontRef idx="minor">
+      <a:schemeClr val="tx1"/>
+    </cs:fontRef>
+    <cs:spPr>
+      <a:noFill/>
+      <a:ln>
+        <a:noFill/>
+      </a:ln>
+    </cs:spPr>
+  </cs:wall>
+</cs:chartStyle>
+</file>
+
+<file path=ppt/charts/style8.xml><?xml version="1.0" encoding="utf-8"?>
+<cs:chartStyle xmlns:cs="http://schemas.microsoft.com/office/drawing/2012/chartStyle" xmlns:a="http://schemas.openxmlformats.org/drawingml/2006/main" id="227">
+  <cs:axisTitle>
+    <cs:lnRef idx="0"/>
+    <cs:fillRef idx="0"/>
+    <cs:effectRef idx="0"/>
+    <cs:fontRef idx="minor">
+      <a:schemeClr val="tx1">
+        <a:lumMod val="65000"/>
+        <a:lumOff val="35000"/>
+      </a:schemeClr>
+    </cs:fontRef>
+    <cs:defRPr sz="1000" kern="1200"/>
+  </cs:axisTitle>
+  <cs:categoryAxis>
+    <cs:lnRef idx="0"/>
+    <cs:fillRef idx="0"/>
+    <cs:effectRef idx="0"/>
+    <cs:fontRef idx="minor">
+      <a:schemeClr val="tx1">
+        <a:lumMod val="65000"/>
+        <a:lumOff val="35000"/>
+      </a:schemeClr>
+    </cs:fontRef>
+    <cs:spPr>
+      <a:ln w="9525" cap="flat" cmpd="sng" algn="ctr">
+        <a:solidFill>
+          <a:schemeClr val="tx1">
+            <a:lumMod val="15000"/>
+            <a:lumOff val="85000"/>
+          </a:schemeClr>
+        </a:solidFill>
+        <a:round/>
+      </a:ln>
+    </cs:spPr>
+    <cs:defRPr sz="900" kern="1200"/>
+  </cs:categoryAxis>
+  <cs:chartArea mods="allowNoFillOverride allowNoLineOverride">
+    <cs:lnRef idx="0"/>
+    <cs:fillRef idx="0"/>
+    <cs:effectRef idx="0"/>
+    <cs:fontRef idx="minor">
+      <a:schemeClr val="tx1"/>
+    </cs:fontRef>
+    <cs:spPr>
+      <a:solidFill>
+        <a:schemeClr val="bg1"/>
+      </a:solidFill>
+      <a:ln w="9525" cap="flat" cmpd="sng" algn="ctr">
+        <a:solidFill>
+          <a:schemeClr val="tx1">
+            <a:lumMod val="15000"/>
+            <a:lumOff val="85000"/>
+          </a:schemeClr>
+        </a:solidFill>
+        <a:round/>
+      </a:ln>
+    </cs:spPr>
+    <cs:defRPr sz="1000" kern="1200"/>
+  </cs:chartArea>
+  <cs:dataLabel>
+    <cs:lnRef idx="0"/>
+    <cs:fillRef idx="0"/>
+    <cs:effectRef idx="0"/>
+    <cs:fontRef idx="minor">
+      <a:schemeClr val="tx1">
+        <a:lumMod val="75000"/>
+        <a:lumOff val="25000"/>
+      </a:schemeClr>
+    </cs:fontRef>
+    <cs:defRPr sz="900" kern="1200"/>
+  </cs:dataLabel>
+  <cs:dataLabelCallout>
+    <cs:lnRef idx="0"/>
+    <cs:fillRef idx="0"/>
+    <cs:effectRef idx="0"/>
+    <cs:fontRef idx="minor">
+      <a:schemeClr val="dk1">
+        <a:lumMod val="65000"/>
+        <a:lumOff val="35000"/>
+      </a:schemeClr>
+    </cs:fontRef>
+    <cs:spPr>
+      <a:solidFill>
+        <a:schemeClr val="lt1"/>
+      </a:solidFill>
+      <a:ln>
+        <a:solidFill>
+          <a:schemeClr val="dk1">
+            <a:lumMod val="25000"/>
+            <a:lumOff val="75000"/>
+          </a:schemeClr>
+        </a:solidFill>
+      </a:ln>
+    </cs:spPr>
+    <cs:defRPr sz="900" kern="1200"/>
+    <cs:bodyPr rot="0" spcFirstLastPara="1" vertOverflow="clip" horzOverflow="clip" vert="horz" wrap="square" lIns="36576" tIns="18288" rIns="36576" bIns="18288" anchor="ctr" anchorCtr="1">
+      <a:spAutoFit/>
+    </cs:bodyPr>
+  </cs:dataLabelCallout>
+  <cs:dataPoint>
+    <cs:lnRef idx="0"/>
+    <cs:fillRef idx="1">
+      <cs:styleClr val="auto"/>
+    </cs:fillRef>
+    <cs:effectRef idx="0"/>
+    <cs:fontRef idx="minor">
+      <a:schemeClr val="tx1"/>
+    </cs:fontRef>
+    <cs:spPr>
+      <a:solidFill>
+        <a:schemeClr val="phClr"/>
+      </a:solidFill>
+    </cs:spPr>
+  </cs:dataPoint>
+  <cs:dataPoint3D>
+    <cs:lnRef idx="0"/>
+    <cs:fillRef idx="1">
+      <cs:styleClr val="auto"/>
+    </cs:fillRef>
+    <cs:effectRef idx="0"/>
+    <cs:fontRef idx="minor">
+      <a:schemeClr val="tx1"/>
+    </cs:fontRef>
+    <cs:spPr>
+      <a:solidFill>
+        <a:schemeClr val="phClr"/>
+      </a:solidFill>
+    </cs:spPr>
+  </cs:dataPoint3D>
+  <cs:dataPointLine>
+    <cs:lnRef idx="0">
+      <cs:styleClr val="auto"/>
+    </cs:lnRef>
+    <cs:fillRef idx="1"/>
+    <cs:effectRef idx="0"/>
+    <cs:fontRef idx="minor">
+      <a:schemeClr val="tx1"/>
+    </cs:fontRef>
+    <cs:spPr>
+      <a:ln w="28575" cap="rnd">
+        <a:solidFill>
+          <a:schemeClr val="phClr"/>
+        </a:solidFill>
+        <a:round/>
+      </a:ln>
+    </cs:spPr>
+  </cs:dataPointLine>
+  <cs:dataPointMarker>
+    <cs:lnRef idx="0">
+      <cs:styleClr val="auto"/>
+    </cs:lnRef>
+    <cs:fillRef idx="1">
+      <cs:styleClr val="auto"/>
+    </cs:fillRef>
+    <cs:effectRef idx="0"/>
+    <cs:fontRef idx="minor">
+      <a:schemeClr val="tx1"/>
+    </cs:fontRef>
+    <cs:spPr>
+      <a:solidFill>
+        <a:schemeClr val="phClr"/>
+      </a:solidFill>
       <a:ln w="9525">
         <a:solidFill>
           <a:schemeClr val="phClr"/>
@@ -7562,7 +12471,7 @@
           <a:p>
             <a:fld id="{2BA4FEF2-1524-4D3A-852F-D332FA320CF1}" type="datetimeFigureOut">
               <a:rPr lang="en-IL" smtClean="0"/>
-              <a:t>13/11/2018</a:t>
+              <a:t>24/11/2018</a:t>
             </a:fld>
             <a:endParaRPr lang="en-IL"/>
           </a:p>
@@ -8315,7 +13224,7 @@
           <a:p>
             <a:fld id="{24FAEE79-E67D-4594-B9D2-2DB57D86AB5A}" type="datetimeFigureOut">
               <a:rPr lang="en-IL" smtClean="0"/>
-              <a:t>13/11/2018</a:t>
+              <a:t>24/11/2018</a:t>
             </a:fld>
             <a:endParaRPr lang="en-IL"/>
           </a:p>
@@ -8515,7 +13424,7 @@
           <a:p>
             <a:fld id="{24FAEE79-E67D-4594-B9D2-2DB57D86AB5A}" type="datetimeFigureOut">
               <a:rPr lang="en-IL" smtClean="0"/>
-              <a:t>13/11/2018</a:t>
+              <a:t>24/11/2018</a:t>
             </a:fld>
             <a:endParaRPr lang="en-IL"/>
           </a:p>
@@ -8725,7 +13634,7 @@
           <a:p>
             <a:fld id="{24FAEE79-E67D-4594-B9D2-2DB57D86AB5A}" type="datetimeFigureOut">
               <a:rPr lang="en-IL" smtClean="0"/>
-              <a:t>13/11/2018</a:t>
+              <a:t>24/11/2018</a:t>
             </a:fld>
             <a:endParaRPr lang="en-IL"/>
           </a:p>
@@ -8969,7 +13878,7 @@
           <a:p>
             <a:fld id="{24FAEE79-E67D-4594-B9D2-2DB57D86AB5A}" type="datetimeFigureOut">
               <a:rPr lang="en-IL" smtClean="0"/>
-              <a:t>13/11/2018</a:t>
+              <a:t>24/11/2018</a:t>
             </a:fld>
             <a:endParaRPr lang="en-IL"/>
           </a:p>
@@ -9347,7 +14256,7 @@
           <a:p>
             <a:fld id="{24FAEE79-E67D-4594-B9D2-2DB57D86AB5A}" type="datetimeFigureOut">
               <a:rPr lang="en-IL" smtClean="0"/>
-              <a:t>13/11/2018</a:t>
+              <a:t>24/11/2018</a:t>
             </a:fld>
             <a:endParaRPr lang="en-IL"/>
           </a:p>
@@ -9615,7 +14524,7 @@
           <a:p>
             <a:fld id="{24FAEE79-E67D-4594-B9D2-2DB57D86AB5A}" type="datetimeFigureOut">
               <a:rPr lang="en-IL" smtClean="0"/>
-              <a:t>13/11/2018</a:t>
+              <a:t>24/11/2018</a:t>
             </a:fld>
             <a:endParaRPr lang="en-IL"/>
           </a:p>
@@ -10030,7 +14939,7 @@
           <a:p>
             <a:fld id="{24FAEE79-E67D-4594-B9D2-2DB57D86AB5A}" type="datetimeFigureOut">
               <a:rPr lang="en-IL" smtClean="0"/>
-              <a:t>13/11/2018</a:t>
+              <a:t>24/11/2018</a:t>
             </a:fld>
             <a:endParaRPr lang="en-IL"/>
           </a:p>
@@ -10172,7 +15081,7 @@
           <a:p>
             <a:fld id="{24FAEE79-E67D-4594-B9D2-2DB57D86AB5A}" type="datetimeFigureOut">
               <a:rPr lang="en-IL" smtClean="0"/>
-              <a:t>13/11/2018</a:t>
+              <a:t>24/11/2018</a:t>
             </a:fld>
             <a:endParaRPr lang="en-IL"/>
           </a:p>
@@ -10285,7 +15194,7 @@
           <a:p>
             <a:fld id="{24FAEE79-E67D-4594-B9D2-2DB57D86AB5A}" type="datetimeFigureOut">
               <a:rPr lang="en-IL" smtClean="0"/>
-              <a:t>13/11/2018</a:t>
+              <a:t>24/11/2018</a:t>
             </a:fld>
             <a:endParaRPr lang="en-IL"/>
           </a:p>
@@ -10598,7 +15507,7 @@
           <a:p>
             <a:fld id="{24FAEE79-E67D-4594-B9D2-2DB57D86AB5A}" type="datetimeFigureOut">
               <a:rPr lang="en-IL" smtClean="0"/>
-              <a:t>13/11/2018</a:t>
+              <a:t>24/11/2018</a:t>
             </a:fld>
             <a:endParaRPr lang="en-IL"/>
           </a:p>
@@ -10887,7 +15796,7 @@
           <a:p>
             <a:fld id="{24FAEE79-E67D-4594-B9D2-2DB57D86AB5A}" type="datetimeFigureOut">
               <a:rPr lang="en-IL" smtClean="0"/>
-              <a:t>13/11/2018</a:t>
+              <a:t>24/11/2018</a:t>
             </a:fld>
             <a:endParaRPr lang="en-IL"/>
           </a:p>
@@ -11139,7 +16048,7 @@
           <a:p>
             <a:fld id="{24FAEE79-E67D-4594-B9D2-2DB57D86AB5A}" type="datetimeFigureOut">
               <a:rPr lang="en-IL" smtClean="0"/>
-              <a:t>13/11/2018</a:t>
+              <a:t>24/11/2018</a:t>
             </a:fld>
             <a:endParaRPr lang="en-IL"/>
           </a:p>
@@ -11817,8 +16726,8 @@
           </a:p>
         </p:txBody>
       </p:sp>
-      <mc:AlternateContent xmlns:mc="http://schemas.openxmlformats.org/markup-compatibility/2006">
-        <mc:Choice xmlns:a14="http://schemas.microsoft.com/office/drawing/2010/main" Requires="a14">
+      <mc:AlternateContent xmlns:mc="http://schemas.openxmlformats.org/markup-compatibility/2006" xmlns:a14="http://schemas.microsoft.com/office/drawing/2010/main">
+        <mc:Choice Requires="a14">
           <p:sp>
             <p:nvSpPr>
               <p:cNvPr id="3" name="Content Placeholder 2">
@@ -11920,7 +16829,7 @@
             </p:txBody>
           </p:sp>
         </mc:Choice>
-        <mc:Fallback>
+        <mc:Fallback xmlns="">
           <p:sp>
             <p:nvSpPr>
               <p:cNvPr id="3" name="Content Placeholder 2">
@@ -12527,42 +17436,6 @@
           <a:chExt cx="0" cy="0"/>
         </a:xfrm>
       </p:grpSpPr>
-      <p:sp>
-        <p:nvSpPr>
-          <p:cNvPr id="2" name="Title 1">
-            <a:extLst>
-              <a:ext uri="{FF2B5EF4-FFF2-40B4-BE49-F238E27FC236}">
-                <a16:creationId xmlns:a16="http://schemas.microsoft.com/office/drawing/2014/main" id="{2F2E2F52-A157-4F36-87D8-B018D91B16FC}"/>
-              </a:ext>
-            </a:extLst>
-          </p:cNvPr>
-          <p:cNvSpPr>
-            <a:spLocks noGrp="1"/>
-          </p:cNvSpPr>
-          <p:nvPr>
-            <p:ph type="title"/>
-          </p:nvPr>
-        </p:nvSpPr>
-        <p:spPr/>
-        <p:txBody>
-          <a:bodyPr/>
-          <a:lstStyle/>
-          <a:p>
-            <a:r>
-              <a:rPr lang="en-US" dirty="0"/>
-              <a:t>Amount of # Full Syncs</a:t>
-            </a:r>
-            <a:br>
-              <a:rPr lang="en-US" dirty="0"/>
-            </a:br>
-            <a:r>
-              <a:rPr lang="en-US" dirty="0"/>
-              <a:t>Compared to Oracle</a:t>
-            </a:r>
-            <a:endParaRPr lang="en-IL" dirty="0"/>
-          </a:p>
-        </p:txBody>
-      </p:sp>
       <p:grpSp>
         <p:nvGrpSpPr>
           <p:cNvPr id="4" name="Group 3">
@@ -12775,6 +17648,47 @@
           </a:graphicData>
         </a:graphic>
       </p:graphicFrame>
+      <p:sp>
+        <p:nvSpPr>
+          <p:cNvPr id="12" name="Title 1">
+            <a:extLst>
+              <a:ext uri="{FF2B5EF4-FFF2-40B4-BE49-F238E27FC236}">
+                <a16:creationId xmlns:a16="http://schemas.microsoft.com/office/drawing/2014/main" id="{F29EEAC7-805A-4758-926A-C47B97D6508E}"/>
+              </a:ext>
+            </a:extLst>
+          </p:cNvPr>
+          <p:cNvSpPr>
+            <a:spLocks noGrp="1"/>
+          </p:cNvSpPr>
+          <p:nvPr>
+            <p:ph type="title"/>
+          </p:nvPr>
+        </p:nvSpPr>
+        <p:spPr>
+          <a:xfrm>
+            <a:off x="0" y="365125"/>
+            <a:ext cx="10515600" cy="1325563"/>
+          </a:xfrm>
+        </p:spPr>
+        <p:txBody>
+          <a:bodyPr/>
+          <a:lstStyle/>
+          <a:p>
+            <a:r>
+              <a:rPr lang="en-US" dirty="0"/>
+              <a:t>Average Amount of Full Syncs</a:t>
+            </a:r>
+            <a:br>
+              <a:rPr lang="en-US" dirty="0"/>
+            </a:br>
+            <a:r>
+              <a:rPr lang="en-US" dirty="0"/>
+              <a:t>Compared to Oracle</a:t>
+            </a:r>
+            <a:endParaRPr lang="en-IL" dirty="0"/>
+          </a:p>
+        </p:txBody>
+      </p:sp>
     </p:spTree>
     <p:extLst>
       <p:ext uri="{BB962C8B-B14F-4D97-AF65-F5344CB8AC3E}">
@@ -12789,6 +17703,824 @@
 </file>
 
 <file path=ppt/slides/slide15.xml><?xml version="1.0" encoding="utf-8"?>
+<p:sld xmlns:a="http://schemas.openxmlformats.org/drawingml/2006/main" xmlns:r="http://schemas.openxmlformats.org/officeDocument/2006/relationships" xmlns:p="http://schemas.openxmlformats.org/presentationml/2006/main">
+  <p:cSld>
+    <p:spTree>
+      <p:nvGrpSpPr>
+        <p:cNvPr id="1" name=""/>
+        <p:cNvGrpSpPr/>
+        <p:nvPr/>
+      </p:nvGrpSpPr>
+      <p:grpSpPr>
+        <a:xfrm>
+          <a:off x="0" y="0"/>
+          <a:ext cx="0" cy="0"/>
+          <a:chOff x="0" y="0"/>
+          <a:chExt cx="0" cy="0"/>
+        </a:xfrm>
+      </p:grpSpPr>
+      <mc:AlternateContent xmlns:mc="http://schemas.openxmlformats.org/markup-compatibility/2006">
+        <mc:Choice xmlns:a14="http://schemas.microsoft.com/office/drawing/2010/main" Requires="a14">
+          <p:sp>
+            <p:nvSpPr>
+              <p:cNvPr id="2" name="Title 1">
+                <a:extLst>
+                  <a:ext uri="{FF2B5EF4-FFF2-40B4-BE49-F238E27FC236}">
+                    <a16:creationId xmlns:a16="http://schemas.microsoft.com/office/drawing/2014/main" id="{BA6E2991-10E5-4462-A693-76C39F0ED973}"/>
+                  </a:ext>
+                </a:extLst>
+              </p:cNvPr>
+              <p:cNvSpPr>
+                <a:spLocks noGrp="1"/>
+              </p:cNvSpPr>
+              <p:nvPr>
+                <p:ph type="title"/>
+              </p:nvPr>
+            </p:nvSpPr>
+            <p:spPr>
+              <a:xfrm>
+                <a:off x="838200" y="2024109"/>
+                <a:ext cx="10515600" cy="2246049"/>
+              </a:xfrm>
+            </p:spPr>
+            <p:txBody>
+              <a:bodyPr>
+                <a:normAutofit/>
+              </a:bodyPr>
+              <a:lstStyle/>
+              <a:p>
+                <a:r>
+                  <a:rPr lang="en-US" sz="11500" dirty="0"/>
+                  <a:t>AMS </a:t>
+                </a:r>
+                <a14:m>
+                  <m:oMath xmlns:m="http://schemas.openxmlformats.org/officeDocument/2006/math">
+                    <m:sSub>
+                      <m:sSubPr>
+                        <m:ctrlPr>
+                          <a:rPr lang="en-US" sz="11500" b="1" i="1" smtClean="0">
+                            <a:latin typeface="Cambria Math" panose="02040503050406030204" pitchFamily="18" charset="0"/>
+                          </a:rPr>
+                        </m:ctrlPr>
+                      </m:sSubPr>
+                      <m:e>
+                        <m:r>
+                          <a:rPr lang="en-US" sz="11500" b="1" i="1" smtClean="0">
+                            <a:latin typeface="Cambria Math" panose="02040503050406030204" pitchFamily="18" charset="0"/>
+                          </a:rPr>
+                          <m:t>𝑭</m:t>
+                        </m:r>
+                      </m:e>
+                      <m:sub>
+                        <m:r>
+                          <a:rPr lang="en-US" sz="11500" b="1" i="1" smtClean="0">
+                            <a:latin typeface="Cambria Math" panose="02040503050406030204" pitchFamily="18" charset="0"/>
+                          </a:rPr>
+                          <m:t>𝟐</m:t>
+                        </m:r>
+                      </m:sub>
+                    </m:sSub>
+                  </m:oMath>
+                </a14:m>
+                <a:r>
+                  <a:rPr lang="en-US" sz="11500" dirty="0"/>
+                  <a:t> Sketch</a:t>
+                </a:r>
+                <a:endParaRPr lang="en-IL" sz="11500" dirty="0"/>
+              </a:p>
+            </p:txBody>
+          </p:sp>
+        </mc:Choice>
+        <mc:Fallback>
+          <p:sp>
+            <p:nvSpPr>
+              <p:cNvPr id="2" name="Title 1">
+                <a:extLst>
+                  <a:ext uri="{FF2B5EF4-FFF2-40B4-BE49-F238E27FC236}">
+                    <a16:creationId xmlns:a16="http://schemas.microsoft.com/office/drawing/2014/main" id="{BA6E2991-10E5-4462-A693-76C39F0ED973}"/>
+                  </a:ext>
+                </a:extLst>
+              </p:cNvPr>
+              <p:cNvSpPr>
+                <a:spLocks noGrp="1" noRot="1" noChangeAspect="1" noMove="1" noResize="1" noEditPoints="1" noAdjustHandles="1" noChangeArrowheads="1" noChangeShapeType="1" noTextEdit="1"/>
+              </p:cNvSpPr>
+              <p:nvPr>
+                <p:ph type="title"/>
+              </p:nvPr>
+            </p:nvSpPr>
+            <p:spPr>
+              <a:xfrm>
+                <a:off x="838200" y="2024109"/>
+                <a:ext cx="10515600" cy="2246049"/>
+              </a:xfrm>
+              <a:blipFill>
+                <a:blip r:embed="rId2"/>
+                <a:stretch>
+                  <a:fillRect l="-3362" t="-12772" r="-3246" b="-24457"/>
+                </a:stretch>
+              </a:blipFill>
+            </p:spPr>
+            <p:txBody>
+              <a:bodyPr/>
+              <a:lstStyle/>
+              <a:p>
+                <a:r>
+                  <a:rPr lang="en-IL">
+                    <a:noFill/>
+                  </a:rPr>
+                  <a:t> </a:t>
+                </a:r>
+              </a:p>
+            </p:txBody>
+          </p:sp>
+        </mc:Fallback>
+      </mc:AlternateContent>
+    </p:spTree>
+    <p:extLst>
+      <p:ext uri="{BB962C8B-B14F-4D97-AF65-F5344CB8AC3E}">
+        <p14:creationId xmlns:p14="http://schemas.microsoft.com/office/powerpoint/2010/main" val="4165990911"/>
+      </p:ext>
+    </p:extLst>
+  </p:cSld>
+  <p:clrMapOvr>
+    <a:masterClrMapping/>
+  </p:clrMapOvr>
+</p:sld>
+</file>
+
+<file path=ppt/slides/slide16.xml><?xml version="1.0" encoding="utf-8"?>
+<p:sld xmlns:a="http://schemas.openxmlformats.org/drawingml/2006/main" xmlns:r="http://schemas.openxmlformats.org/officeDocument/2006/relationships" xmlns:p="http://schemas.openxmlformats.org/presentationml/2006/main">
+  <p:cSld>
+    <p:spTree>
+      <p:nvGrpSpPr>
+        <p:cNvPr id="1" name=""/>
+        <p:cNvGrpSpPr/>
+        <p:nvPr/>
+      </p:nvGrpSpPr>
+      <p:grpSpPr>
+        <a:xfrm>
+          <a:off x="0" y="0"/>
+          <a:ext cx="0" cy="0"/>
+          <a:chOff x="0" y="0"/>
+          <a:chExt cx="0" cy="0"/>
+        </a:xfrm>
+      </p:grpSpPr>
+      <p:sp>
+        <p:nvSpPr>
+          <p:cNvPr id="2" name="Title 1">
+            <a:extLst>
+              <a:ext uri="{FF2B5EF4-FFF2-40B4-BE49-F238E27FC236}">
+                <a16:creationId xmlns:a16="http://schemas.microsoft.com/office/drawing/2014/main" id="{B916BBD0-AD4C-4D5A-B58D-F11AC15C6314}"/>
+              </a:ext>
+            </a:extLst>
+          </p:cNvPr>
+          <p:cNvSpPr>
+            <a:spLocks noGrp="1"/>
+          </p:cNvSpPr>
+          <p:nvPr>
+            <p:ph type="title"/>
+          </p:nvPr>
+        </p:nvSpPr>
+        <p:spPr/>
+        <p:txBody>
+          <a:bodyPr/>
+          <a:lstStyle/>
+          <a:p>
+            <a:r>
+              <a:rPr lang="en-US" dirty="0"/>
+              <a:t>Settings</a:t>
+            </a:r>
+            <a:endParaRPr lang="en-IL" dirty="0"/>
+          </a:p>
+        </p:txBody>
+      </p:sp>
+      <p:sp>
+        <p:nvSpPr>
+          <p:cNvPr id="3" name="Content Placeholder 2">
+            <a:extLst>
+              <a:ext uri="{FF2B5EF4-FFF2-40B4-BE49-F238E27FC236}">
+                <a16:creationId xmlns:a16="http://schemas.microsoft.com/office/drawing/2014/main" id="{D970578E-055D-4414-B2E0-7D73BBF9ABB0}"/>
+              </a:ext>
+            </a:extLst>
+          </p:cNvPr>
+          <p:cNvSpPr>
+            <a:spLocks noGrp="1"/>
+          </p:cNvSpPr>
+          <p:nvPr>
+            <p:ph idx="1"/>
+          </p:nvPr>
+        </p:nvSpPr>
+        <p:spPr>
+          <a:xfrm>
+            <a:off x="838200" y="1825624"/>
+            <a:ext cx="10515600" cy="4896017"/>
+          </a:xfrm>
+        </p:spPr>
+        <p:txBody>
+          <a:bodyPr>
+            <a:normAutofit lnSpcReduction="10000"/>
+          </a:bodyPr>
+          <a:lstStyle/>
+          <a:p>
+            <a:r>
+              <a:rPr lang="en-US" dirty="0"/>
+              <a:t> # Nodes = 10</a:t>
+            </a:r>
+          </a:p>
+          <a:p>
+            <a:r>
+              <a:rPr lang="en-US" dirty="0"/>
+              <a:t> Width = 30</a:t>
+            </a:r>
+          </a:p>
+          <a:p>
+            <a:r>
+              <a:rPr lang="en-US" dirty="0"/>
+              <a:t> Height = 21</a:t>
+            </a:r>
+          </a:p>
+          <a:p>
+            <a:r>
+              <a:rPr lang="en-US" dirty="0"/>
+              <a:t> Vector Length = 21 x 30 = 630</a:t>
+            </a:r>
+          </a:p>
+          <a:p>
+            <a:r>
+              <a:rPr lang="en-US" dirty="0"/>
+              <a:t> Monitor Upper Bound Threshold of 30,000</a:t>
+            </a:r>
+          </a:p>
+          <a:p>
+            <a:r>
+              <a:rPr lang="en-US" dirty="0"/>
+              <a:t> Window Size = 300</a:t>
+            </a:r>
+          </a:p>
+          <a:p>
+            <a:r>
+              <a:rPr lang="en-US" dirty="0"/>
+              <a:t> Step Size = 20</a:t>
+            </a:r>
+          </a:p>
+          <a:p>
+            <a:r>
+              <a:rPr lang="en-US" dirty="0"/>
+              <a:t> Iterations = 100</a:t>
+            </a:r>
+            <a:endParaRPr lang="en-IL" dirty="0"/>
+          </a:p>
+          <a:p>
+            <a:endParaRPr lang="en-IL" dirty="0"/>
+          </a:p>
+        </p:txBody>
+      </p:sp>
+    </p:spTree>
+    <p:extLst>
+      <p:ext uri="{BB962C8B-B14F-4D97-AF65-F5344CB8AC3E}">
+        <p14:creationId xmlns:p14="http://schemas.microsoft.com/office/powerpoint/2010/main" val="3993046396"/>
+      </p:ext>
+    </p:extLst>
+  </p:cSld>
+  <p:clrMapOvr>
+    <a:masterClrMapping/>
+  </p:clrMapOvr>
+</p:sld>
+</file>
+
+<file path=ppt/slides/slide17.xml><?xml version="1.0" encoding="utf-8"?>
+<p:sld xmlns:a="http://schemas.openxmlformats.org/drawingml/2006/main" xmlns:r="http://schemas.openxmlformats.org/officeDocument/2006/relationships" xmlns:p="http://schemas.openxmlformats.org/presentationml/2006/main">
+  <p:cSld>
+    <p:spTree>
+      <p:nvGrpSpPr>
+        <p:cNvPr id="1" name=""/>
+        <p:cNvGrpSpPr/>
+        <p:nvPr/>
+      </p:nvGrpSpPr>
+      <p:grpSpPr>
+        <a:xfrm>
+          <a:off x="0" y="0"/>
+          <a:ext cx="0" cy="0"/>
+          <a:chOff x="0" y="0"/>
+          <a:chExt cx="0" cy="0"/>
+        </a:xfrm>
+      </p:grpSpPr>
+      <p:sp>
+        <p:nvSpPr>
+          <p:cNvPr id="2" name="Title 1">
+            <a:extLst>
+              <a:ext uri="{FF2B5EF4-FFF2-40B4-BE49-F238E27FC236}">
+                <a16:creationId xmlns:a16="http://schemas.microsoft.com/office/drawing/2014/main" id="{43294DA8-0943-431C-BD23-5E15F7C1C2F7}"/>
+              </a:ext>
+            </a:extLst>
+          </p:cNvPr>
+          <p:cNvSpPr>
+            <a:spLocks noGrp="1"/>
+          </p:cNvSpPr>
+          <p:nvPr>
+            <p:ph type="title"/>
+          </p:nvPr>
+        </p:nvSpPr>
+        <p:spPr/>
+        <p:txBody>
+          <a:bodyPr/>
+          <a:lstStyle/>
+          <a:p>
+            <a:r>
+              <a:rPr lang="en-US" dirty="0"/>
+              <a:t>Bandwidth</a:t>
+            </a:r>
+            <a:endParaRPr lang="en-IL" dirty="0"/>
+          </a:p>
+        </p:txBody>
+      </p:sp>
+      <p:grpSp>
+        <p:nvGrpSpPr>
+          <p:cNvPr id="4" name="Group 3">
+            <a:extLst>
+              <a:ext uri="{FF2B5EF4-FFF2-40B4-BE49-F238E27FC236}">
+                <a16:creationId xmlns:a16="http://schemas.microsoft.com/office/drawing/2014/main" id="{BBA98079-C9BE-48E9-9F8E-AFF2350B61BC}"/>
+              </a:ext>
+            </a:extLst>
+          </p:cNvPr>
+          <p:cNvGrpSpPr/>
+          <p:nvPr/>
+        </p:nvGrpSpPr>
+        <p:grpSpPr>
+          <a:xfrm>
+            <a:off x="9331912" y="233094"/>
+            <a:ext cx="2402832" cy="1392660"/>
+            <a:chOff x="9331912" y="233094"/>
+            <a:chExt cx="2402832" cy="1392660"/>
+          </a:xfrm>
+        </p:grpSpPr>
+        <p:cxnSp>
+          <p:nvCxnSpPr>
+            <p:cNvPr id="5" name="Straight Arrow Connector 4">
+              <a:extLst>
+                <a:ext uri="{FF2B5EF4-FFF2-40B4-BE49-F238E27FC236}">
+                  <a16:creationId xmlns:a16="http://schemas.microsoft.com/office/drawing/2014/main" id="{F51868E3-9F7F-4B8A-BD89-F2B8DA32C687}"/>
+                </a:ext>
+              </a:extLst>
+            </p:cNvPr>
+            <p:cNvCxnSpPr/>
+            <p:nvPr/>
+          </p:nvCxnSpPr>
+          <p:spPr>
+            <a:xfrm flipV="1">
+              <a:off x="9507985" y="365125"/>
+              <a:ext cx="0" cy="1260629"/>
+            </a:xfrm>
+            <a:prstGeom prst="straightConnector1">
+              <a:avLst/>
+            </a:prstGeom>
+            <a:ln w="38100">
+              <a:headEnd type="none" w="med" len="med"/>
+              <a:tailEnd type="arrow" w="med" len="med"/>
+            </a:ln>
+          </p:spPr>
+          <p:style>
+            <a:lnRef idx="1">
+              <a:schemeClr val="dk1"/>
+            </a:lnRef>
+            <a:fillRef idx="0">
+              <a:schemeClr val="dk1"/>
+            </a:fillRef>
+            <a:effectRef idx="0">
+              <a:schemeClr val="dk1"/>
+            </a:effectRef>
+            <a:fontRef idx="minor">
+              <a:schemeClr val="tx1"/>
+            </a:fontRef>
+          </p:style>
+        </p:cxnSp>
+        <p:cxnSp>
+          <p:nvCxnSpPr>
+            <p:cNvPr id="6" name="Straight Arrow Connector 5">
+              <a:extLst>
+                <a:ext uri="{FF2B5EF4-FFF2-40B4-BE49-F238E27FC236}">
+                  <a16:creationId xmlns:a16="http://schemas.microsoft.com/office/drawing/2014/main" id="{E3A36739-B31B-45B6-906D-D2199586C408}"/>
+                </a:ext>
+              </a:extLst>
+            </p:cNvPr>
+            <p:cNvCxnSpPr/>
+            <p:nvPr/>
+          </p:nvCxnSpPr>
+          <p:spPr>
+            <a:xfrm flipV="1">
+              <a:off x="9331912" y="1467435"/>
+              <a:ext cx="1260000" cy="0"/>
+            </a:xfrm>
+            <a:prstGeom prst="straightConnector1">
+              <a:avLst/>
+            </a:prstGeom>
+            <a:ln w="38100">
+              <a:headEnd type="none" w="med" len="med"/>
+              <a:tailEnd type="arrow" w="med" len="med"/>
+            </a:ln>
+          </p:spPr>
+          <p:style>
+            <a:lnRef idx="1">
+              <a:schemeClr val="dk1"/>
+            </a:lnRef>
+            <a:fillRef idx="0">
+              <a:schemeClr val="dk1"/>
+            </a:fillRef>
+            <a:effectRef idx="0">
+              <a:schemeClr val="dk1"/>
+            </a:effectRef>
+            <a:fontRef idx="minor">
+              <a:schemeClr val="tx1"/>
+            </a:fontRef>
+          </p:style>
+        </p:cxnSp>
+        <p:sp>
+          <p:nvSpPr>
+            <p:cNvPr id="7" name="TextBox 6">
+              <a:extLst>
+                <a:ext uri="{FF2B5EF4-FFF2-40B4-BE49-F238E27FC236}">
+                  <a16:creationId xmlns:a16="http://schemas.microsoft.com/office/drawing/2014/main" id="{B59C291A-4E13-4B66-B2B2-CFAED11164B6}"/>
+                </a:ext>
+              </a:extLst>
+            </p:cNvPr>
+            <p:cNvSpPr txBox="1"/>
+            <p:nvPr/>
+          </p:nvSpPr>
+          <p:spPr>
+            <a:xfrm>
+              <a:off x="10622078" y="1256422"/>
+              <a:ext cx="1112666" cy="369332"/>
+            </a:xfrm>
+            <a:prstGeom prst="rect">
+              <a:avLst/>
+            </a:prstGeom>
+            <a:noFill/>
+          </p:spPr>
+          <p:txBody>
+            <a:bodyPr wrap="square" rtlCol="0">
+              <a:spAutoFit/>
+            </a:bodyPr>
+            <a:lstStyle/>
+            <a:p>
+              <a:r>
+                <a:rPr lang="en-US" b="1" dirty="0">
+                  <a:latin typeface="Maiandra GD" panose="020E0502030308020204" pitchFamily="34" charset="0"/>
+                </a:rPr>
+                <a:t>Iteration</a:t>
+              </a:r>
+              <a:endParaRPr lang="en-IL" b="1" dirty="0">
+                <a:latin typeface="Maiandra GD" panose="020E0502030308020204" pitchFamily="34" charset="0"/>
+              </a:endParaRPr>
+            </a:p>
+          </p:txBody>
+        </p:sp>
+        <p:sp>
+          <p:nvSpPr>
+            <p:cNvPr id="8" name="TextBox 7">
+              <a:extLst>
+                <a:ext uri="{FF2B5EF4-FFF2-40B4-BE49-F238E27FC236}">
+                  <a16:creationId xmlns:a16="http://schemas.microsoft.com/office/drawing/2014/main" id="{E0E6CF20-C6F9-46AD-90A3-7EF087C730E9}"/>
+                </a:ext>
+              </a:extLst>
+            </p:cNvPr>
+            <p:cNvSpPr txBox="1"/>
+            <p:nvPr/>
+          </p:nvSpPr>
+          <p:spPr>
+            <a:xfrm>
+              <a:off x="9607609" y="233094"/>
+              <a:ext cx="1409317" cy="369332"/>
+            </a:xfrm>
+            <a:prstGeom prst="rect">
+              <a:avLst/>
+            </a:prstGeom>
+            <a:noFill/>
+          </p:spPr>
+          <p:txBody>
+            <a:bodyPr wrap="square" rtlCol="0">
+              <a:spAutoFit/>
+            </a:bodyPr>
+            <a:lstStyle/>
+            <a:p>
+              <a:r>
+                <a:rPr lang="en-US" b="1" dirty="0">
+                  <a:latin typeface="Maiandra GD" panose="020E0502030308020204" pitchFamily="34" charset="0"/>
+                </a:rPr>
+                <a:t>Bandwidth</a:t>
+              </a:r>
+              <a:endParaRPr lang="en-IL" b="1" dirty="0">
+                <a:latin typeface="Maiandra GD" panose="020E0502030308020204" pitchFamily="34" charset="0"/>
+              </a:endParaRPr>
+            </a:p>
+          </p:txBody>
+        </p:sp>
+      </p:grpSp>
+      <p:graphicFrame>
+        <p:nvGraphicFramePr>
+          <p:cNvPr id="10" name="Content Placeholder 9">
+            <a:extLst>
+              <a:ext uri="{FF2B5EF4-FFF2-40B4-BE49-F238E27FC236}">
+                <a16:creationId xmlns:a16="http://schemas.microsoft.com/office/drawing/2014/main" id="{E7AA8018-4294-4FCF-92BD-490A3849FE2D}"/>
+              </a:ext>
+            </a:extLst>
+          </p:cNvPr>
+          <p:cNvGraphicFramePr>
+            <a:graphicFrameLocks noGrp="1"/>
+          </p:cNvGraphicFramePr>
+          <p:nvPr>
+            <p:ph idx="1"/>
+          </p:nvPr>
+        </p:nvGraphicFramePr>
+        <p:xfrm>
+          <a:off x="838200" y="1825625"/>
+          <a:ext cx="10515600" cy="4351338"/>
+        </p:xfrm>
+        <a:graphic>
+          <a:graphicData uri="http://schemas.openxmlformats.org/drawingml/2006/chart">
+            <c:chart xmlns:c="http://schemas.openxmlformats.org/drawingml/2006/chart" xmlns:r="http://schemas.openxmlformats.org/officeDocument/2006/relationships" r:id="rId2"/>
+          </a:graphicData>
+        </a:graphic>
+      </p:graphicFrame>
+    </p:spTree>
+    <p:extLst>
+      <p:ext uri="{BB962C8B-B14F-4D97-AF65-F5344CB8AC3E}">
+        <p14:creationId xmlns:p14="http://schemas.microsoft.com/office/powerpoint/2010/main" val="1314588734"/>
+      </p:ext>
+    </p:extLst>
+  </p:cSld>
+  <p:clrMapOvr>
+    <a:masterClrMapping/>
+  </p:clrMapOvr>
+</p:sld>
+</file>
+
+<file path=ppt/slides/slide18.xml><?xml version="1.0" encoding="utf-8"?>
+<p:sld xmlns:a="http://schemas.openxmlformats.org/drawingml/2006/main" xmlns:r="http://schemas.openxmlformats.org/officeDocument/2006/relationships" xmlns:p="http://schemas.openxmlformats.org/presentationml/2006/main">
+  <p:cSld>
+    <p:spTree>
+      <p:nvGrpSpPr>
+        <p:cNvPr id="1" name=""/>
+        <p:cNvGrpSpPr/>
+        <p:nvPr/>
+      </p:nvGrpSpPr>
+      <p:grpSpPr>
+        <a:xfrm>
+          <a:off x="0" y="0"/>
+          <a:ext cx="0" cy="0"/>
+          <a:chOff x="0" y="0"/>
+          <a:chExt cx="0" cy="0"/>
+        </a:xfrm>
+      </p:grpSpPr>
+      <p:sp>
+        <p:nvSpPr>
+          <p:cNvPr id="2" name="Title 1">
+            <a:extLst>
+              <a:ext uri="{FF2B5EF4-FFF2-40B4-BE49-F238E27FC236}">
+                <a16:creationId xmlns:a16="http://schemas.microsoft.com/office/drawing/2014/main" id="{43294DA8-0943-431C-BD23-5E15F7C1C2F7}"/>
+              </a:ext>
+            </a:extLst>
+          </p:cNvPr>
+          <p:cNvSpPr>
+            <a:spLocks noGrp="1"/>
+          </p:cNvSpPr>
+          <p:nvPr>
+            <p:ph type="title"/>
+          </p:nvPr>
+        </p:nvSpPr>
+        <p:spPr/>
+        <p:txBody>
+          <a:bodyPr/>
+          <a:lstStyle/>
+          <a:p>
+            <a:r>
+              <a:rPr lang="en-US" dirty="0"/>
+              <a:t>Bandwidth</a:t>
+            </a:r>
+            <a:endParaRPr lang="en-IL" dirty="0"/>
+          </a:p>
+        </p:txBody>
+      </p:sp>
+      <p:grpSp>
+        <p:nvGrpSpPr>
+          <p:cNvPr id="4" name="Group 3">
+            <a:extLst>
+              <a:ext uri="{FF2B5EF4-FFF2-40B4-BE49-F238E27FC236}">
+                <a16:creationId xmlns:a16="http://schemas.microsoft.com/office/drawing/2014/main" id="{BBA98079-C9BE-48E9-9F8E-AFF2350B61BC}"/>
+              </a:ext>
+            </a:extLst>
+          </p:cNvPr>
+          <p:cNvGrpSpPr/>
+          <p:nvPr/>
+        </p:nvGrpSpPr>
+        <p:grpSpPr>
+          <a:xfrm>
+            <a:off x="9331912" y="233094"/>
+            <a:ext cx="2402832" cy="1392660"/>
+            <a:chOff x="9331912" y="233094"/>
+            <a:chExt cx="2402832" cy="1392660"/>
+          </a:xfrm>
+        </p:grpSpPr>
+        <p:cxnSp>
+          <p:nvCxnSpPr>
+            <p:cNvPr id="5" name="Straight Arrow Connector 4">
+              <a:extLst>
+                <a:ext uri="{FF2B5EF4-FFF2-40B4-BE49-F238E27FC236}">
+                  <a16:creationId xmlns:a16="http://schemas.microsoft.com/office/drawing/2014/main" id="{F51868E3-9F7F-4B8A-BD89-F2B8DA32C687}"/>
+                </a:ext>
+              </a:extLst>
+            </p:cNvPr>
+            <p:cNvCxnSpPr/>
+            <p:nvPr/>
+          </p:nvCxnSpPr>
+          <p:spPr>
+            <a:xfrm flipV="1">
+              <a:off x="9507985" y="365125"/>
+              <a:ext cx="0" cy="1260629"/>
+            </a:xfrm>
+            <a:prstGeom prst="straightConnector1">
+              <a:avLst/>
+            </a:prstGeom>
+            <a:ln w="38100">
+              <a:headEnd type="none" w="med" len="med"/>
+              <a:tailEnd type="arrow" w="med" len="med"/>
+            </a:ln>
+          </p:spPr>
+          <p:style>
+            <a:lnRef idx="1">
+              <a:schemeClr val="dk1"/>
+            </a:lnRef>
+            <a:fillRef idx="0">
+              <a:schemeClr val="dk1"/>
+            </a:fillRef>
+            <a:effectRef idx="0">
+              <a:schemeClr val="dk1"/>
+            </a:effectRef>
+            <a:fontRef idx="minor">
+              <a:schemeClr val="tx1"/>
+            </a:fontRef>
+          </p:style>
+        </p:cxnSp>
+        <p:cxnSp>
+          <p:nvCxnSpPr>
+            <p:cNvPr id="6" name="Straight Arrow Connector 5">
+              <a:extLst>
+                <a:ext uri="{FF2B5EF4-FFF2-40B4-BE49-F238E27FC236}">
+                  <a16:creationId xmlns:a16="http://schemas.microsoft.com/office/drawing/2014/main" id="{E3A36739-B31B-45B6-906D-D2199586C408}"/>
+                </a:ext>
+              </a:extLst>
+            </p:cNvPr>
+            <p:cNvCxnSpPr/>
+            <p:nvPr/>
+          </p:nvCxnSpPr>
+          <p:spPr>
+            <a:xfrm flipV="1">
+              <a:off x="9331912" y="1467435"/>
+              <a:ext cx="1260000" cy="0"/>
+            </a:xfrm>
+            <a:prstGeom prst="straightConnector1">
+              <a:avLst/>
+            </a:prstGeom>
+            <a:ln w="38100">
+              <a:headEnd type="none" w="med" len="med"/>
+              <a:tailEnd type="arrow" w="med" len="med"/>
+            </a:ln>
+          </p:spPr>
+          <p:style>
+            <a:lnRef idx="1">
+              <a:schemeClr val="dk1"/>
+            </a:lnRef>
+            <a:fillRef idx="0">
+              <a:schemeClr val="dk1"/>
+            </a:fillRef>
+            <a:effectRef idx="0">
+              <a:schemeClr val="dk1"/>
+            </a:effectRef>
+            <a:fontRef idx="minor">
+              <a:schemeClr val="tx1"/>
+            </a:fontRef>
+          </p:style>
+        </p:cxnSp>
+        <p:sp>
+          <p:nvSpPr>
+            <p:cNvPr id="7" name="TextBox 6">
+              <a:extLst>
+                <a:ext uri="{FF2B5EF4-FFF2-40B4-BE49-F238E27FC236}">
+                  <a16:creationId xmlns:a16="http://schemas.microsoft.com/office/drawing/2014/main" id="{B59C291A-4E13-4B66-B2B2-CFAED11164B6}"/>
+                </a:ext>
+              </a:extLst>
+            </p:cNvPr>
+            <p:cNvSpPr txBox="1"/>
+            <p:nvPr/>
+          </p:nvSpPr>
+          <p:spPr>
+            <a:xfrm>
+              <a:off x="10622078" y="1256422"/>
+              <a:ext cx="1112666" cy="369332"/>
+            </a:xfrm>
+            <a:prstGeom prst="rect">
+              <a:avLst/>
+            </a:prstGeom>
+            <a:noFill/>
+          </p:spPr>
+          <p:txBody>
+            <a:bodyPr wrap="square" rtlCol="0">
+              <a:spAutoFit/>
+            </a:bodyPr>
+            <a:lstStyle/>
+            <a:p>
+              <a:r>
+                <a:rPr lang="en-US" b="1" dirty="0">
+                  <a:latin typeface="Maiandra GD" panose="020E0502030308020204" pitchFamily="34" charset="0"/>
+                </a:rPr>
+                <a:t>Iteration</a:t>
+              </a:r>
+              <a:endParaRPr lang="en-IL" b="1" dirty="0">
+                <a:latin typeface="Maiandra GD" panose="020E0502030308020204" pitchFamily="34" charset="0"/>
+              </a:endParaRPr>
+            </a:p>
+          </p:txBody>
+        </p:sp>
+        <p:sp>
+          <p:nvSpPr>
+            <p:cNvPr id="8" name="TextBox 7">
+              <a:extLst>
+                <a:ext uri="{FF2B5EF4-FFF2-40B4-BE49-F238E27FC236}">
+                  <a16:creationId xmlns:a16="http://schemas.microsoft.com/office/drawing/2014/main" id="{E0E6CF20-C6F9-46AD-90A3-7EF087C730E9}"/>
+                </a:ext>
+              </a:extLst>
+            </p:cNvPr>
+            <p:cNvSpPr txBox="1"/>
+            <p:nvPr/>
+          </p:nvSpPr>
+          <p:spPr>
+            <a:xfrm>
+              <a:off x="9607609" y="233094"/>
+              <a:ext cx="1409317" cy="369332"/>
+            </a:xfrm>
+            <a:prstGeom prst="rect">
+              <a:avLst/>
+            </a:prstGeom>
+            <a:noFill/>
+          </p:spPr>
+          <p:txBody>
+            <a:bodyPr wrap="square" rtlCol="0">
+              <a:spAutoFit/>
+            </a:bodyPr>
+            <a:lstStyle/>
+            <a:p>
+              <a:r>
+                <a:rPr lang="en-US" b="1" dirty="0">
+                  <a:latin typeface="Maiandra GD" panose="020E0502030308020204" pitchFamily="34" charset="0"/>
+                </a:rPr>
+                <a:t>Bandwidth</a:t>
+              </a:r>
+              <a:endParaRPr lang="en-IL" b="1" dirty="0">
+                <a:latin typeface="Maiandra GD" panose="020E0502030308020204" pitchFamily="34" charset="0"/>
+              </a:endParaRPr>
+            </a:p>
+          </p:txBody>
+        </p:sp>
+      </p:grpSp>
+      <p:graphicFrame>
+        <p:nvGraphicFramePr>
+          <p:cNvPr id="11" name="Content Placeholder 10">
+            <a:extLst>
+              <a:ext uri="{FF2B5EF4-FFF2-40B4-BE49-F238E27FC236}">
+                <a16:creationId xmlns:a16="http://schemas.microsoft.com/office/drawing/2014/main" id="{E7AA8018-4294-4FCF-92BD-490A3849FE2D}"/>
+              </a:ext>
+            </a:extLst>
+          </p:cNvPr>
+          <p:cNvGraphicFramePr>
+            <a:graphicFrameLocks noGrp="1"/>
+          </p:cNvGraphicFramePr>
+          <p:nvPr>
+            <p:ph idx="1"/>
+          </p:nvPr>
+        </p:nvGraphicFramePr>
+        <p:xfrm>
+          <a:off x="838200" y="1825625"/>
+          <a:ext cx="10515600" cy="4351338"/>
+        </p:xfrm>
+        <a:graphic>
+          <a:graphicData uri="http://schemas.openxmlformats.org/drawingml/2006/chart">
+            <c:chart xmlns:c="http://schemas.openxmlformats.org/drawingml/2006/chart" xmlns:r="http://schemas.openxmlformats.org/officeDocument/2006/relationships" r:id="rId2"/>
+          </a:graphicData>
+        </a:graphic>
+      </p:graphicFrame>
+    </p:spTree>
+    <p:extLst>
+      <p:ext uri="{BB962C8B-B14F-4D97-AF65-F5344CB8AC3E}">
+        <p14:creationId xmlns:p14="http://schemas.microsoft.com/office/powerpoint/2010/main" val="550292392"/>
+      </p:ext>
+    </p:extLst>
+  </p:cSld>
+  <p:clrMapOvr>
+    <a:masterClrMapping/>
+  </p:clrMapOvr>
+</p:sld>
+</file>
+
+<file path=ppt/slides/slide19.xml><?xml version="1.0" encoding="utf-8"?>
 <p:sld xmlns:a="http://schemas.openxmlformats.org/drawingml/2006/main" xmlns:r="http://schemas.openxmlformats.org/officeDocument/2006/relationships" xmlns:p="http://schemas.openxmlformats.org/presentationml/2006/main">
   <p:cSld>
     <p:spTree>
@@ -12854,7 +18586,208 @@
 </p:sld>
 </file>
 
-<file path=ppt/slides/slide16.xml><?xml version="1.0" encoding="utf-8"?>
+<file path=ppt/slides/slide2.xml><?xml version="1.0" encoding="utf-8"?>
+<p:sld xmlns:a="http://schemas.openxmlformats.org/drawingml/2006/main" xmlns:r="http://schemas.openxmlformats.org/officeDocument/2006/relationships" xmlns:p="http://schemas.openxmlformats.org/presentationml/2006/main">
+  <p:cSld>
+    <p:spTree>
+      <p:nvGrpSpPr>
+        <p:cNvPr id="1" name=""/>
+        <p:cNvGrpSpPr/>
+        <p:nvPr/>
+      </p:nvGrpSpPr>
+      <p:grpSpPr>
+        <a:xfrm>
+          <a:off x="0" y="0"/>
+          <a:ext cx="0" cy="0"/>
+          <a:chOff x="0" y="0"/>
+          <a:chExt cx="0" cy="0"/>
+        </a:xfrm>
+      </p:grpSpPr>
+      <p:sp>
+        <p:nvSpPr>
+          <p:cNvPr id="2" name="Title 1">
+            <a:extLst>
+              <a:ext uri="{FF2B5EF4-FFF2-40B4-BE49-F238E27FC236}">
+                <a16:creationId xmlns:a16="http://schemas.microsoft.com/office/drawing/2014/main" id="{AB0CB33C-A5CE-48A5-8A2E-4F070C2939A4}"/>
+              </a:ext>
+            </a:extLst>
+          </p:cNvPr>
+          <p:cNvSpPr>
+            <a:spLocks noGrp="1"/>
+          </p:cNvSpPr>
+          <p:nvPr>
+            <p:ph type="title"/>
+          </p:nvPr>
+        </p:nvSpPr>
+        <p:spPr/>
+        <p:txBody>
+          <a:bodyPr/>
+          <a:lstStyle/>
+          <a:p>
+            <a:pPr algn="ctr"/>
+            <a:r>
+              <a:rPr lang="en-US" sz="6000" dirty="0">
+                <a:latin typeface="Maiandra GD" panose="020E0502030308020204" pitchFamily="34" charset="0"/>
+              </a:rPr>
+              <a:t>Table of Contents</a:t>
+            </a:r>
+            <a:endParaRPr lang="en-IL" dirty="0">
+              <a:latin typeface="Maiandra GD" panose="020E0502030308020204" pitchFamily="34" charset="0"/>
+            </a:endParaRPr>
+          </a:p>
+        </p:txBody>
+      </p:sp>
+      <mc:AlternateContent xmlns:mc="http://schemas.openxmlformats.org/markup-compatibility/2006">
+        <mc:Choice xmlns:a14="http://schemas.microsoft.com/office/drawing/2010/main" Requires="a14">
+          <p:sp>
+            <p:nvSpPr>
+              <p:cNvPr id="3" name="Content Placeholder 2">
+                <a:extLst>
+                  <a:ext uri="{FF2B5EF4-FFF2-40B4-BE49-F238E27FC236}">
+                    <a16:creationId xmlns:a16="http://schemas.microsoft.com/office/drawing/2014/main" id="{897F4702-CADF-46B7-989D-CAB881C19700}"/>
+                  </a:ext>
+                </a:extLst>
+              </p:cNvPr>
+              <p:cNvSpPr>
+                <a:spLocks noGrp="1"/>
+              </p:cNvSpPr>
+              <p:nvPr>
+                <p:ph idx="1"/>
+              </p:nvPr>
+            </p:nvSpPr>
+            <p:spPr/>
+            <p:txBody>
+              <a:bodyPr/>
+              <a:lstStyle/>
+              <a:p>
+                <a:r>
+                  <a:rPr lang="en-US" dirty="0">
+                    <a:latin typeface="Maiandra GD" panose="020E0502030308020204" pitchFamily="34" charset="0"/>
+                  </a:rPr>
+                  <a:t> Data </a:t>
+                </a:r>
+                <a:r>
+                  <a:rPr lang="en-US" dirty="0"/>
+                  <a:t>of Inner-product and Entropy functions</a:t>
+                </a:r>
+              </a:p>
+              <a:p>
+                <a:r>
+                  <a:rPr lang="en-US" dirty="0"/>
+                  <a:t> Inner-Product Results</a:t>
+                </a:r>
+              </a:p>
+              <a:p>
+                <a:r>
+                  <a:rPr lang="en-US" dirty="0"/>
+                  <a:t> Entropy Results</a:t>
+                </a:r>
+              </a:p>
+              <a:p>
+                <a:r>
+                  <a:rPr lang="en-US" dirty="0"/>
+                  <a:t> AMS </a:t>
+                </a:r>
+                <a14:m>
+                  <m:oMath xmlns:m="http://schemas.openxmlformats.org/officeDocument/2006/math">
+                    <m:sSub>
+                      <m:sSubPr>
+                        <m:ctrlPr>
+                          <a:rPr lang="en-US" b="0" i="1" smtClean="0">
+                            <a:latin typeface="Cambria Math" panose="02040503050406030204" pitchFamily="18" charset="0"/>
+                          </a:rPr>
+                        </m:ctrlPr>
+                      </m:sSubPr>
+                      <m:e>
+                        <m:r>
+                          <a:rPr lang="en-US" b="0" i="1" smtClean="0">
+                            <a:latin typeface="Cambria Math" panose="02040503050406030204" pitchFamily="18" charset="0"/>
+                          </a:rPr>
+                          <m:t>𝐹</m:t>
+                        </m:r>
+                      </m:e>
+                      <m:sub>
+                        <m:r>
+                          <a:rPr lang="en-US" b="0" i="1" smtClean="0">
+                            <a:latin typeface="Cambria Math" panose="02040503050406030204" pitchFamily="18" charset="0"/>
+                          </a:rPr>
+                          <m:t>2</m:t>
+                        </m:r>
+                      </m:sub>
+                    </m:sSub>
+                  </m:oMath>
+                </a14:m>
+                <a:r>
+                  <a:rPr lang="en-US" dirty="0"/>
+                  <a:t> Sketch</a:t>
+                </a:r>
+              </a:p>
+              <a:p>
+                <a:r>
+                  <a:rPr lang="en-US" dirty="0"/>
+                  <a:t> Spectral Gap Results </a:t>
+                </a:r>
+                <a:endParaRPr lang="en-IL" dirty="0">
+                  <a:latin typeface="Maiandra GD" panose="020E0502030308020204" pitchFamily="34" charset="0"/>
+                </a:endParaRPr>
+              </a:p>
+            </p:txBody>
+          </p:sp>
+        </mc:Choice>
+        <mc:Fallback>
+          <p:sp>
+            <p:nvSpPr>
+              <p:cNvPr id="3" name="Content Placeholder 2">
+                <a:extLst>
+                  <a:ext uri="{FF2B5EF4-FFF2-40B4-BE49-F238E27FC236}">
+                    <a16:creationId xmlns:a16="http://schemas.microsoft.com/office/drawing/2014/main" id="{897F4702-CADF-46B7-989D-CAB881C19700}"/>
+                  </a:ext>
+                </a:extLst>
+              </p:cNvPr>
+              <p:cNvSpPr>
+                <a:spLocks noGrp="1" noRot="1" noChangeAspect="1" noMove="1" noResize="1" noEditPoints="1" noAdjustHandles="1" noChangeArrowheads="1" noChangeShapeType="1" noTextEdit="1"/>
+              </p:cNvSpPr>
+              <p:nvPr>
+                <p:ph idx="1"/>
+              </p:nvPr>
+            </p:nvSpPr>
+            <p:spPr>
+              <a:blipFill>
+                <a:blip r:embed="rId2"/>
+                <a:stretch>
+                  <a:fillRect l="-1565" t="-3361"/>
+                </a:stretch>
+              </a:blipFill>
+            </p:spPr>
+            <p:txBody>
+              <a:bodyPr/>
+              <a:lstStyle/>
+              <a:p>
+                <a:r>
+                  <a:rPr lang="en-IL">
+                    <a:noFill/>
+                  </a:rPr>
+                  <a:t> </a:t>
+                </a:r>
+              </a:p>
+            </p:txBody>
+          </p:sp>
+        </mc:Fallback>
+      </mc:AlternateContent>
+    </p:spTree>
+    <p:extLst>
+      <p:ext uri="{BB962C8B-B14F-4D97-AF65-F5344CB8AC3E}">
+        <p14:creationId xmlns:p14="http://schemas.microsoft.com/office/powerpoint/2010/main" val="1575275271"/>
+      </p:ext>
+    </p:extLst>
+  </p:cSld>
+  <p:clrMapOvr>
+    <a:masterClrMapping/>
+  </p:clrMapOvr>
+</p:sld>
+</file>
+
+<file path=ppt/slides/slide20.xml><?xml version="1.0" encoding="utf-8"?>
 <p:sld xmlns:a="http://schemas.openxmlformats.org/drawingml/2006/main" xmlns:r="http://schemas.openxmlformats.org/officeDocument/2006/relationships" xmlns:p="http://schemas.openxmlformats.org/presentationml/2006/main">
   <p:cSld>
     <p:spTree>
@@ -12925,125 +18858,6 @@
     <p:extLst>
       <p:ext uri="{BB962C8B-B14F-4D97-AF65-F5344CB8AC3E}">
         <p14:creationId xmlns:p14="http://schemas.microsoft.com/office/powerpoint/2010/main" val="1151380578"/>
-      </p:ext>
-    </p:extLst>
-  </p:cSld>
-  <p:clrMapOvr>
-    <a:masterClrMapping/>
-  </p:clrMapOvr>
-</p:sld>
-</file>
-
-<file path=ppt/slides/slide2.xml><?xml version="1.0" encoding="utf-8"?>
-<p:sld xmlns:a="http://schemas.openxmlformats.org/drawingml/2006/main" xmlns:r="http://schemas.openxmlformats.org/officeDocument/2006/relationships" xmlns:p="http://schemas.openxmlformats.org/presentationml/2006/main">
-  <p:cSld>
-    <p:spTree>
-      <p:nvGrpSpPr>
-        <p:cNvPr id="1" name=""/>
-        <p:cNvGrpSpPr/>
-        <p:nvPr/>
-      </p:nvGrpSpPr>
-      <p:grpSpPr>
-        <a:xfrm>
-          <a:off x="0" y="0"/>
-          <a:ext cx="0" cy="0"/>
-          <a:chOff x="0" y="0"/>
-          <a:chExt cx="0" cy="0"/>
-        </a:xfrm>
-      </p:grpSpPr>
-      <p:sp>
-        <p:nvSpPr>
-          <p:cNvPr id="2" name="Title 1">
-            <a:extLst>
-              <a:ext uri="{FF2B5EF4-FFF2-40B4-BE49-F238E27FC236}">
-                <a16:creationId xmlns:a16="http://schemas.microsoft.com/office/drawing/2014/main" id="{AB0CB33C-A5CE-48A5-8A2E-4F070C2939A4}"/>
-              </a:ext>
-            </a:extLst>
-          </p:cNvPr>
-          <p:cNvSpPr>
-            <a:spLocks noGrp="1"/>
-          </p:cNvSpPr>
-          <p:nvPr>
-            <p:ph type="title"/>
-          </p:nvPr>
-        </p:nvSpPr>
-        <p:spPr/>
-        <p:txBody>
-          <a:bodyPr/>
-          <a:lstStyle/>
-          <a:p>
-            <a:pPr algn="ctr"/>
-            <a:r>
-              <a:rPr lang="en-US" sz="6000" dirty="0">
-                <a:latin typeface="Maiandra GD" panose="020E0502030308020204" pitchFamily="34" charset="0"/>
-              </a:rPr>
-              <a:t>Table of Contents</a:t>
-            </a:r>
-            <a:endParaRPr lang="en-IL" dirty="0">
-              <a:latin typeface="Maiandra GD" panose="020E0502030308020204" pitchFamily="34" charset="0"/>
-            </a:endParaRPr>
-          </a:p>
-        </p:txBody>
-      </p:sp>
-      <p:sp>
-        <p:nvSpPr>
-          <p:cNvPr id="3" name="Content Placeholder 2">
-            <a:extLst>
-              <a:ext uri="{FF2B5EF4-FFF2-40B4-BE49-F238E27FC236}">
-                <a16:creationId xmlns:a16="http://schemas.microsoft.com/office/drawing/2014/main" id="{897F4702-CADF-46B7-989D-CAB881C19700}"/>
-              </a:ext>
-            </a:extLst>
-          </p:cNvPr>
-          <p:cNvSpPr>
-            <a:spLocks noGrp="1"/>
-          </p:cNvSpPr>
-          <p:nvPr>
-            <p:ph idx="1"/>
-          </p:nvPr>
-        </p:nvSpPr>
-        <p:spPr/>
-        <p:txBody>
-          <a:bodyPr/>
-          <a:lstStyle/>
-          <a:p>
-            <a:r>
-              <a:rPr lang="en-US" dirty="0">
-                <a:latin typeface="Maiandra GD" panose="020E0502030308020204" pitchFamily="34" charset="0"/>
-              </a:rPr>
-              <a:t> Data </a:t>
-            </a:r>
-            <a:r>
-              <a:rPr lang="en-US" dirty="0"/>
-              <a:t>of Inner-product and Entropy functions</a:t>
-            </a:r>
-          </a:p>
-          <a:p>
-            <a:r>
-              <a:rPr lang="en-US" dirty="0"/>
-              <a:t> Inner-Product Results</a:t>
-            </a:r>
-          </a:p>
-          <a:p>
-            <a:r>
-              <a:rPr lang="en-US" dirty="0"/>
-              <a:t> Entropy Results</a:t>
-            </a:r>
-          </a:p>
-          <a:p>
-            <a:r>
-              <a:rPr lang="en-US" dirty="0"/>
-              <a:t> Spectral Gap Results </a:t>
-            </a:r>
-            <a:endParaRPr lang="en-IL" dirty="0">
-              <a:latin typeface="Maiandra GD" panose="020E0502030308020204" pitchFamily="34" charset="0"/>
-            </a:endParaRPr>
-          </a:p>
-        </p:txBody>
-      </p:sp>
-    </p:spTree>
-    <p:extLst>
-      <p:ext uri="{BB962C8B-B14F-4D97-AF65-F5344CB8AC3E}">
-        <p14:creationId xmlns:p14="http://schemas.microsoft.com/office/powerpoint/2010/main" val="1575275271"/>
       </p:ext>
     </p:extLst>
   </p:cSld>
@@ -13434,7 +19248,7 @@
               <a:p>
                 <a:r>
                   <a:rPr lang="en-US" dirty="0"/>
-                  <a:t> Window size = 20,000</a:t>
+                  <a:t> Window Size = 20,000</a:t>
                 </a:r>
               </a:p>
               <a:p>
@@ -14074,14 +19888,19 @@
             <p:ph type="title"/>
           </p:nvPr>
         </p:nvSpPr>
-        <p:spPr/>
+        <p:spPr>
+          <a:xfrm>
+            <a:off x="0" y="365125"/>
+            <a:ext cx="10515600" cy="1325563"/>
+          </a:xfrm>
+        </p:spPr>
         <p:txBody>
           <a:bodyPr/>
           <a:lstStyle/>
           <a:p>
             <a:r>
               <a:rPr lang="en-US" dirty="0"/>
-              <a:t>Amount of # Full Syncs</a:t>
+              <a:t>Average Amount of Full Syncs</a:t>
             </a:r>
             <a:br>
               <a:rPr lang="en-US" dirty="0"/>
